--- a/presentation/final_presentation.pptx
+++ b/presentation/final_presentation.pptx
@@ -1,55 +1,49 @@
 
 <file path=ppt/presentation.xml><?xml version="1.0" encoding="utf-8"?>
-<p:presentation xmlns:a="http://schemas.openxmlformats.org/drawingml/2006/main" xmlns:r="http://schemas.openxmlformats.org/officeDocument/2006/relationships" xmlns:p="http://schemas.openxmlformats.org/presentationml/2006/main" strictFirstAndLastChars="0" embedTrueTypeFonts="1" saveSubsetFonts="1" autoCompressPictures="0">
+<p:presentation xmlns:a="http://schemas.openxmlformats.org/drawingml/2006/main" xmlns:r="http://schemas.openxmlformats.org/officeDocument/2006/relationships" xmlns:mc="http://schemas.openxmlformats.org/markup-compatibility/2006" xmlns:mv="urn:schemas-microsoft-com:mac:vml" xmlns:p="http://schemas.openxmlformats.org/presentationml/2006/main" xmlns:c="http://schemas.openxmlformats.org/drawingml/2006/chart" xmlns:dgm="http://schemas.openxmlformats.org/drawingml/2006/diagram" xmlns:o="urn:schemas-microsoft-com:office:office" xmlns:v="urn:schemas-microsoft-com:vml" xmlns:pvml="urn:schemas-microsoft-com:office:powerpoint" xmlns:com="http://schemas.openxmlformats.org/drawingml/2006/compatibility" xmlns:p14="http://schemas.microsoft.com/office/powerpoint/2010/main" xmlns:p15="http://schemas.microsoft.com/office/powerpoint/2012/main" xmlns:ahyp="http://schemas.microsoft.com/office/drawing/2018/hyperlinkcolor" autoCompressPictures="0" embedTrueTypeFonts="1" strictFirstAndLastChars="0" saveSubsetFonts="1">
   <p:sldMasterIdLst>
-    <p:sldMasterId id="2147483659" r:id="rId1"/>
+    <p:sldMasterId id="2147483659" r:id="rId5"/>
   </p:sldMasterIdLst>
   <p:notesMasterIdLst>
-    <p:notesMasterId r:id="rId18"/>
+    <p:notesMasterId r:id="rId6"/>
   </p:notesMasterIdLst>
   <p:sldIdLst>
-    <p:sldId id="256" r:id="rId2"/>
-    <p:sldId id="257" r:id="rId3"/>
-    <p:sldId id="258" r:id="rId4"/>
-    <p:sldId id="259" r:id="rId5"/>
-    <p:sldId id="260" r:id="rId6"/>
-    <p:sldId id="261" r:id="rId7"/>
-    <p:sldId id="262" r:id="rId8"/>
-    <p:sldId id="263" r:id="rId9"/>
-    <p:sldId id="264" r:id="rId10"/>
-    <p:sldId id="265" r:id="rId11"/>
-    <p:sldId id="266" r:id="rId12"/>
-    <p:sldId id="267" r:id="rId13"/>
-    <p:sldId id="268" r:id="rId14"/>
-    <p:sldId id="269" r:id="rId15"/>
-    <p:sldId id="270" r:id="rId16"/>
-    <p:sldId id="271" r:id="rId17"/>
+    <p:sldId id="256" r:id="rId7"/>
+    <p:sldId id="257" r:id="rId8"/>
+    <p:sldId id="258" r:id="rId9"/>
+    <p:sldId id="259" r:id="rId10"/>
+    <p:sldId id="260" r:id="rId11"/>
+    <p:sldId id="261" r:id="rId12"/>
+    <p:sldId id="262" r:id="rId13"/>
+    <p:sldId id="263" r:id="rId14"/>
+    <p:sldId id="264" r:id="rId15"/>
+    <p:sldId id="265" r:id="rId16"/>
+    <p:sldId id="266" r:id="rId17"/>
+    <p:sldId id="267" r:id="rId18"/>
+    <p:sldId id="268" r:id="rId19"/>
+    <p:sldId id="269" r:id="rId20"/>
+    <p:sldId id="270" r:id="rId21"/>
+    <p:sldId id="271" r:id="rId22"/>
+    <p:sldId id="272" r:id="rId23"/>
   </p:sldIdLst>
-  <p:sldSz cx="9144000" cy="5143500" type="screen16x9"/>
+  <p:sldSz cy="5143500" cx="9144000"/>
   <p:notesSz cx="6858000" cy="9144000"/>
   <p:embeddedFontLst>
     <p:embeddedFont>
-      <p:font typeface="Caveat" pitchFamily="2" charset="0"/>
-      <p:regular r:id="rId19"/>
-      <p:bold r:id="rId20"/>
+      <p:font typeface="Proxima Nova"/>
+      <p:regular r:id="rId24"/>
+      <p:bold r:id="rId25"/>
+      <p:italic r:id="rId26"/>
+      <p:boldItalic r:id="rId27"/>
     </p:embeddedFont>
     <p:embeddedFont>
-      <p:font typeface="Consolas" panose="020B0609020204030204" pitchFamily="49" charset="0"/>
-      <p:regular r:id="rId21"/>
-      <p:bold r:id="rId22"/>
-      <p:italic r:id="rId23"/>
-      <p:boldItalic r:id="rId24"/>
-    </p:embeddedFont>
-    <p:embeddedFont>
-      <p:font typeface="Proxima Nova" panose="02000506030000020004" pitchFamily="2" charset="0"/>
-      <p:regular r:id="rId25"/>
-      <p:bold r:id="rId26"/>
-      <p:italic r:id="rId27"/>
-      <p:boldItalic r:id="rId28"/>
+      <p:font typeface="Caveat"/>
+      <p:regular r:id="rId28"/>
+      <p:bold r:id="rId29"/>
     </p:embeddedFont>
   </p:embeddedFontLst>
   <p:defaultTextStyle>
-    <a:defPPr marR="0" lvl="0" algn="l" rtl="0">
+    <a:defPPr lvl="0" marR="0" rtl="0" algn="l">
       <a:lnSpc>
         <a:spcPct val="100000"/>
       </a:lnSpc>
@@ -60,7 +54,7 @@
         <a:spcPts val="0"/>
       </a:spcAft>
     </a:defPPr>
-    <a:lvl1pPr marR="0" lvl="0" algn="l" rtl="0">
+    <a:lvl1pPr lvl="0" marR="0" rtl="0" algn="l">
       <a:lnSpc>
         <a:spcPct val="100000"/>
       </a:lnSpc>
@@ -74,7 +68,7 @@
         <a:srgbClr val="000000"/>
       </a:buClr>
       <a:buFont typeface="Arial"/>
-      <a:defRPr sz="1400" b="0" i="0" u="none" strike="noStrike" cap="none">
+      <a:defRPr b="0" i="0" sz="1400" u="none" cap="none" strike="noStrike">
         <a:solidFill>
           <a:srgbClr val="000000"/>
         </a:solidFill>
@@ -84,7 +78,7 @@
         <a:sym typeface="Arial"/>
       </a:defRPr>
     </a:lvl1pPr>
-    <a:lvl2pPr marR="0" lvl="1" algn="l" rtl="0">
+    <a:lvl2pPr lvl="1" marR="0" rtl="0" algn="l">
       <a:lnSpc>
         <a:spcPct val="100000"/>
       </a:lnSpc>
@@ -98,7 +92,7 @@
         <a:srgbClr val="000000"/>
       </a:buClr>
       <a:buFont typeface="Arial"/>
-      <a:defRPr sz="1400" b="0" i="0" u="none" strike="noStrike" cap="none">
+      <a:defRPr b="0" i="0" sz="1400" u="none" cap="none" strike="noStrike">
         <a:solidFill>
           <a:srgbClr val="000000"/>
         </a:solidFill>
@@ -108,7 +102,7 @@
         <a:sym typeface="Arial"/>
       </a:defRPr>
     </a:lvl2pPr>
-    <a:lvl3pPr marR="0" lvl="2" algn="l" rtl="0">
+    <a:lvl3pPr lvl="2" marR="0" rtl="0" algn="l">
       <a:lnSpc>
         <a:spcPct val="100000"/>
       </a:lnSpc>
@@ -122,7 +116,7 @@
         <a:srgbClr val="000000"/>
       </a:buClr>
       <a:buFont typeface="Arial"/>
-      <a:defRPr sz="1400" b="0" i="0" u="none" strike="noStrike" cap="none">
+      <a:defRPr b="0" i="0" sz="1400" u="none" cap="none" strike="noStrike">
         <a:solidFill>
           <a:srgbClr val="000000"/>
         </a:solidFill>
@@ -132,7 +126,7 @@
         <a:sym typeface="Arial"/>
       </a:defRPr>
     </a:lvl3pPr>
-    <a:lvl4pPr marR="0" lvl="3" algn="l" rtl="0">
+    <a:lvl4pPr lvl="3" marR="0" rtl="0" algn="l">
       <a:lnSpc>
         <a:spcPct val="100000"/>
       </a:lnSpc>
@@ -146,7 +140,7 @@
         <a:srgbClr val="000000"/>
       </a:buClr>
       <a:buFont typeface="Arial"/>
-      <a:defRPr sz="1400" b="0" i="0" u="none" strike="noStrike" cap="none">
+      <a:defRPr b="0" i="0" sz="1400" u="none" cap="none" strike="noStrike">
         <a:solidFill>
           <a:srgbClr val="000000"/>
         </a:solidFill>
@@ -156,7 +150,7 @@
         <a:sym typeface="Arial"/>
       </a:defRPr>
     </a:lvl4pPr>
-    <a:lvl5pPr marR="0" lvl="4" algn="l" rtl="0">
+    <a:lvl5pPr lvl="4" marR="0" rtl="0" algn="l">
       <a:lnSpc>
         <a:spcPct val="100000"/>
       </a:lnSpc>
@@ -170,7 +164,7 @@
         <a:srgbClr val="000000"/>
       </a:buClr>
       <a:buFont typeface="Arial"/>
-      <a:defRPr sz="1400" b="0" i="0" u="none" strike="noStrike" cap="none">
+      <a:defRPr b="0" i="0" sz="1400" u="none" cap="none" strike="noStrike">
         <a:solidFill>
           <a:srgbClr val="000000"/>
         </a:solidFill>
@@ -180,7 +174,7 @@
         <a:sym typeface="Arial"/>
       </a:defRPr>
     </a:lvl5pPr>
-    <a:lvl6pPr marR="0" lvl="5" algn="l" rtl="0">
+    <a:lvl6pPr lvl="5" marR="0" rtl="0" algn="l">
       <a:lnSpc>
         <a:spcPct val="100000"/>
       </a:lnSpc>
@@ -194,7 +188,7 @@
         <a:srgbClr val="000000"/>
       </a:buClr>
       <a:buFont typeface="Arial"/>
-      <a:defRPr sz="1400" b="0" i="0" u="none" strike="noStrike" cap="none">
+      <a:defRPr b="0" i="0" sz="1400" u="none" cap="none" strike="noStrike">
         <a:solidFill>
           <a:srgbClr val="000000"/>
         </a:solidFill>
@@ -204,7 +198,7 @@
         <a:sym typeface="Arial"/>
       </a:defRPr>
     </a:lvl6pPr>
-    <a:lvl7pPr marR="0" lvl="6" algn="l" rtl="0">
+    <a:lvl7pPr lvl="6" marR="0" rtl="0" algn="l">
       <a:lnSpc>
         <a:spcPct val="100000"/>
       </a:lnSpc>
@@ -218,7 +212,7 @@
         <a:srgbClr val="000000"/>
       </a:buClr>
       <a:buFont typeface="Arial"/>
-      <a:defRPr sz="1400" b="0" i="0" u="none" strike="noStrike" cap="none">
+      <a:defRPr b="0" i="0" sz="1400" u="none" cap="none" strike="noStrike">
         <a:solidFill>
           <a:srgbClr val="000000"/>
         </a:solidFill>
@@ -228,7 +222,7 @@
         <a:sym typeface="Arial"/>
       </a:defRPr>
     </a:lvl7pPr>
-    <a:lvl8pPr marR="0" lvl="7" algn="l" rtl="0">
+    <a:lvl8pPr lvl="7" marR="0" rtl="0" algn="l">
       <a:lnSpc>
         <a:spcPct val="100000"/>
       </a:lnSpc>
@@ -242,7 +236,7 @@
         <a:srgbClr val="000000"/>
       </a:buClr>
       <a:buFont typeface="Arial"/>
-      <a:defRPr sz="1400" b="0" i="0" u="none" strike="noStrike" cap="none">
+      <a:defRPr b="0" i="0" sz="1400" u="none" cap="none" strike="noStrike">
         <a:solidFill>
           <a:srgbClr val="000000"/>
         </a:solidFill>
@@ -252,7 +246,7 @@
         <a:sym typeface="Arial"/>
       </a:defRPr>
     </a:lvl8pPr>
-    <a:lvl9pPr marR="0" lvl="8" algn="l" rtl="0">
+    <a:lvl9pPr lvl="8" marR="0" rtl="0" algn="l">
       <a:lnSpc>
         <a:spcPct val="100000"/>
       </a:lnSpc>
@@ -266,7 +260,7 @@
         <a:srgbClr val="000000"/>
       </a:buClr>
       <a:buFont typeface="Arial"/>
-      <a:defRPr sz="1400" b="0" i="0" u="none" strike="noStrike" cap="none">
+      <a:defRPr b="0" i="0" sz="1400" u="none" cap="none" strike="noStrike">
         <a:solidFill>
           <a:srgbClr val="000000"/>
         </a:solidFill>
@@ -279,7 +273,7 @@
   </p:defaultTextStyle>
   <p:extLst>
     <p:ext uri="{EFAFB233-063F-42B5-8137-9DF3F51BA10A}">
-      <p15:sldGuideLst xmlns:p15="http://schemas.microsoft.com/office/powerpoint/2012/main">
+      <p15:sldGuideLst>
         <p15:guide id="1" orient="horz" pos="1620">
           <p15:clr>
             <a:srgbClr val="A4A3A4"/>
@@ -297,16 +291,11 @@
 </file>
 
 <file path=ppt/notesMasters/notesMaster1.xml><?xml version="1.0" encoding="utf-8"?>
-<p:notesMaster xmlns:a="http://schemas.openxmlformats.org/drawingml/2006/main" xmlns:r="http://schemas.openxmlformats.org/officeDocument/2006/relationships" xmlns:p="http://schemas.openxmlformats.org/presentationml/2006/main">
+<p:notesMaster xmlns:a="http://schemas.openxmlformats.org/drawingml/2006/main" xmlns:r="http://schemas.openxmlformats.org/officeDocument/2006/relationships" xmlns:mc="http://schemas.openxmlformats.org/markup-compatibility/2006" xmlns:mv="urn:schemas-microsoft-com:mac:vml" xmlns:p="http://schemas.openxmlformats.org/presentationml/2006/main" xmlns:c="http://schemas.openxmlformats.org/drawingml/2006/chart" xmlns:dgm="http://schemas.openxmlformats.org/drawingml/2006/diagram" xmlns:o="urn:schemas-microsoft-com:office:office" xmlns:v="urn:schemas-microsoft-com:vml" xmlns:pvml="urn:schemas-microsoft-com:office:powerpoint" xmlns:com="http://schemas.openxmlformats.org/drawingml/2006/compatibility" xmlns:p14="http://schemas.microsoft.com/office/powerpoint/2010/main" xmlns:p15="http://schemas.microsoft.com/office/powerpoint/2012/main" xmlns:ahyp="http://schemas.microsoft.com/office/drawing/2018/hyperlinkcolor">
   <p:cSld>
-    <p:bg>
-      <p:bgRef idx="1001">
-        <a:schemeClr val="bg1"/>
-      </p:bgRef>
-    </p:bg>
     <p:spTree>
       <p:nvGrpSpPr>
-        <p:cNvPr id="1" name="Shape 2"/>
+        <p:cNvPr id="2" name="Shape 2"/>
         <p:cNvGrpSpPr/>
         <p:nvPr/>
       </p:nvGrpSpPr>
@@ -321,11 +310,9 @@
       <p:sp>
         <p:nvSpPr>
           <p:cNvPr id="3" name="Google Shape;3;n"/>
-          <p:cNvSpPr>
-            <a:spLocks noGrp="1" noRot="1" noChangeAspect="1"/>
-          </p:cNvSpPr>
+          <p:cNvSpPr/>
           <p:nvPr>
-            <p:ph type="sldImg" idx="2"/>
+            <p:ph idx="2" type="sldImg"/>
           </p:nvPr>
         </p:nvSpPr>
         <p:spPr>
@@ -334,13 +321,9 @@
             <a:ext cx="6096075" cy="3429000"/>
           </a:xfrm>
           <a:custGeom>
-            <a:avLst/>
-            <a:gdLst/>
-            <a:ahLst/>
-            <a:cxnLst/>
-            <a:rect l="l" t="t" r="r" b="b"/>
+            <a:rect b="b" l="l" r="r" t="t"/>
             <a:pathLst>
-              <a:path w="120000" h="120000" extrusionOk="0">
+              <a:path extrusionOk="0" h="120000" w="120000">
                 <a:moveTo>
                   <a:pt x="0" y="0"/>
                 </a:moveTo>
@@ -358,25 +341,23 @@
             </a:pathLst>
           </a:custGeom>
           <a:noFill/>
-          <a:ln w="9525" cap="flat" cmpd="sng">
+          <a:ln cap="flat" cmpd="sng" w="9525">
             <a:solidFill>
               <a:srgbClr val="000000"/>
             </a:solidFill>
             <a:prstDash val="solid"/>
             <a:round/>
-            <a:headEnd type="none" w="sm" len="sm"/>
-            <a:tailEnd type="none" w="sm" len="sm"/>
+            <a:headEnd len="sm" w="sm" type="none"/>
+            <a:tailEnd len="sm" w="sm" type="none"/>
           </a:ln>
         </p:spPr>
       </p:sp>
       <p:sp>
         <p:nvSpPr>
           <p:cNvPr id="4" name="Google Shape;4;n"/>
-          <p:cNvSpPr txBox="1">
-            <a:spLocks noGrp="1"/>
-          </p:cNvSpPr>
+          <p:cNvSpPr txBox="1"/>
           <p:nvPr>
-            <p:ph type="body" idx="1"/>
+            <p:ph idx="1" type="body"/>
           </p:nvPr>
         </p:nvSpPr>
         <p:spPr>
@@ -393,11 +374,11 @@
           </a:ln>
         </p:spPr>
         <p:txBody>
-          <a:bodyPr spcFirstLastPara="1" wrap="square" lIns="91425" tIns="91425" rIns="91425" bIns="91425" anchor="t" anchorCtr="0">
+          <a:bodyPr anchorCtr="0" anchor="t" bIns="91425" lIns="91425" spcFirstLastPara="1" rIns="91425" wrap="square" tIns="91425">
             <a:noAutofit/>
           </a:bodyPr>
           <a:lstStyle>
-            <a:lvl1pPr marL="457200" lvl="0" indent="-298450">
+            <a:lvl1pPr indent="-298450" lvl="0" marL="457200">
               <a:spcBef>
                 <a:spcPts val="0"/>
               </a:spcBef>
@@ -408,7 +389,7 @@
               <a:buChar char="●"/>
               <a:defRPr sz="1100"/>
             </a:lvl1pPr>
-            <a:lvl2pPr marL="914400" lvl="1" indent="-298450">
+            <a:lvl2pPr indent="-298450" lvl="1" marL="914400">
               <a:spcBef>
                 <a:spcPts val="0"/>
               </a:spcBef>
@@ -419,7 +400,7 @@
               <a:buChar char="○"/>
               <a:defRPr sz="1100"/>
             </a:lvl2pPr>
-            <a:lvl3pPr marL="1371600" lvl="2" indent="-298450">
+            <a:lvl3pPr indent="-298450" lvl="2" marL="1371600">
               <a:spcBef>
                 <a:spcPts val="0"/>
               </a:spcBef>
@@ -430,7 +411,7 @@
               <a:buChar char="■"/>
               <a:defRPr sz="1100"/>
             </a:lvl3pPr>
-            <a:lvl4pPr marL="1828800" lvl="3" indent="-298450">
+            <a:lvl4pPr indent="-298450" lvl="3" marL="1828800">
               <a:spcBef>
                 <a:spcPts val="0"/>
               </a:spcBef>
@@ -441,7 +422,7 @@
               <a:buChar char="●"/>
               <a:defRPr sz="1100"/>
             </a:lvl4pPr>
-            <a:lvl5pPr marL="2286000" lvl="4" indent="-298450">
+            <a:lvl5pPr indent="-298450" lvl="4" marL="2286000">
               <a:spcBef>
                 <a:spcPts val="0"/>
               </a:spcBef>
@@ -452,7 +433,7 @@
               <a:buChar char="○"/>
               <a:defRPr sz="1100"/>
             </a:lvl5pPr>
-            <a:lvl6pPr marL="2743200" lvl="5" indent="-298450">
+            <a:lvl6pPr indent="-298450" lvl="5" marL="2743200">
               <a:spcBef>
                 <a:spcPts val="0"/>
               </a:spcBef>
@@ -463,7 +444,7 @@
               <a:buChar char="■"/>
               <a:defRPr sz="1100"/>
             </a:lvl6pPr>
-            <a:lvl7pPr marL="3200400" lvl="6" indent="-298450">
+            <a:lvl7pPr indent="-298450" lvl="6" marL="3200400">
               <a:spcBef>
                 <a:spcPts val="0"/>
               </a:spcBef>
@@ -474,7 +455,7 @@
               <a:buChar char="●"/>
               <a:defRPr sz="1100"/>
             </a:lvl7pPr>
-            <a:lvl8pPr marL="3657600" lvl="7" indent="-298450">
+            <a:lvl8pPr indent="-298450" lvl="7" marL="3657600">
               <a:spcBef>
                 <a:spcPts val="0"/>
               </a:spcBef>
@@ -485,7 +466,7 @@
               <a:buChar char="○"/>
               <a:defRPr sz="1100"/>
             </a:lvl8pPr>
-            <a:lvl9pPr marL="4114800" lvl="8" indent="-298450">
+            <a:lvl9pPr indent="-298450" lvl="8" marL="4114800">
               <a:spcBef>
                 <a:spcPts val="0"/>
               </a:spcBef>
@@ -497,16 +478,14 @@
               <a:defRPr sz="1100"/>
             </a:lvl9pPr>
           </a:lstStyle>
-          <a:p>
-            <a:endParaRPr/>
-          </a:p>
+          <a:p/>
         </p:txBody>
       </p:sp>
     </p:spTree>
   </p:cSld>
-  <p:clrMap bg1="lt1" tx1="dk1" bg2="dk2" tx2="lt2" accent1="accent1" accent2="accent2" accent3="accent3" accent4="accent4" accent5="accent5" accent6="accent6" hlink="hlink" folHlink="folHlink"/>
+  <p:clrMap accent1="accent1" accent2="accent2" accent3="accent3" accent4="accent4" accent5="accent5" accent6="accent6" bg1="lt1" bg2="dk2" tx1="dk1" tx2="lt2" folHlink="folHlink" hlink="hlink"/>
   <p:notesStyle>
-    <a:defPPr marR="0" lvl="0" algn="l" rtl="0">
+    <a:defPPr lvl="0" marR="0" rtl="0" algn="l">
       <a:lnSpc>
         <a:spcPct val="100000"/>
       </a:lnSpc>
@@ -517,7 +496,7 @@
         <a:spcPts val="0"/>
       </a:spcAft>
     </a:defPPr>
-    <a:lvl1pPr marR="0" lvl="0" algn="l" rtl="0">
+    <a:lvl1pPr lvl="0" marR="0" rtl="0" algn="l">
       <a:lnSpc>
         <a:spcPct val="100000"/>
       </a:lnSpc>
@@ -531,7 +510,7 @@
         <a:srgbClr val="000000"/>
       </a:buClr>
       <a:buFont typeface="Arial"/>
-      <a:defRPr sz="1400" b="0" i="0" u="none" strike="noStrike" cap="none">
+      <a:defRPr b="0" i="0" sz="1400" u="none" cap="none" strike="noStrike">
         <a:solidFill>
           <a:srgbClr val="000000"/>
         </a:solidFill>
@@ -541,7 +520,7 @@
         <a:sym typeface="Arial"/>
       </a:defRPr>
     </a:lvl1pPr>
-    <a:lvl2pPr marR="0" lvl="1" algn="l" rtl="0">
+    <a:lvl2pPr lvl="1" marR="0" rtl="0" algn="l">
       <a:lnSpc>
         <a:spcPct val="100000"/>
       </a:lnSpc>
@@ -555,7 +534,7 @@
         <a:srgbClr val="000000"/>
       </a:buClr>
       <a:buFont typeface="Arial"/>
-      <a:defRPr sz="1400" b="0" i="0" u="none" strike="noStrike" cap="none">
+      <a:defRPr b="0" i="0" sz="1400" u="none" cap="none" strike="noStrike">
         <a:solidFill>
           <a:srgbClr val="000000"/>
         </a:solidFill>
@@ -565,7 +544,7 @@
         <a:sym typeface="Arial"/>
       </a:defRPr>
     </a:lvl2pPr>
-    <a:lvl3pPr marR="0" lvl="2" algn="l" rtl="0">
+    <a:lvl3pPr lvl="2" marR="0" rtl="0" algn="l">
       <a:lnSpc>
         <a:spcPct val="100000"/>
       </a:lnSpc>
@@ -579,7 +558,7 @@
         <a:srgbClr val="000000"/>
       </a:buClr>
       <a:buFont typeface="Arial"/>
-      <a:defRPr sz="1400" b="0" i="0" u="none" strike="noStrike" cap="none">
+      <a:defRPr b="0" i="0" sz="1400" u="none" cap="none" strike="noStrike">
         <a:solidFill>
           <a:srgbClr val="000000"/>
         </a:solidFill>
@@ -589,7 +568,7 @@
         <a:sym typeface="Arial"/>
       </a:defRPr>
     </a:lvl3pPr>
-    <a:lvl4pPr marR="0" lvl="3" algn="l" rtl="0">
+    <a:lvl4pPr lvl="3" marR="0" rtl="0" algn="l">
       <a:lnSpc>
         <a:spcPct val="100000"/>
       </a:lnSpc>
@@ -603,7 +582,7 @@
         <a:srgbClr val="000000"/>
       </a:buClr>
       <a:buFont typeface="Arial"/>
-      <a:defRPr sz="1400" b="0" i="0" u="none" strike="noStrike" cap="none">
+      <a:defRPr b="0" i="0" sz="1400" u="none" cap="none" strike="noStrike">
         <a:solidFill>
           <a:srgbClr val="000000"/>
         </a:solidFill>
@@ -613,7 +592,7 @@
         <a:sym typeface="Arial"/>
       </a:defRPr>
     </a:lvl4pPr>
-    <a:lvl5pPr marR="0" lvl="4" algn="l" rtl="0">
+    <a:lvl5pPr lvl="4" marR="0" rtl="0" algn="l">
       <a:lnSpc>
         <a:spcPct val="100000"/>
       </a:lnSpc>
@@ -627,7 +606,7 @@
         <a:srgbClr val="000000"/>
       </a:buClr>
       <a:buFont typeface="Arial"/>
-      <a:defRPr sz="1400" b="0" i="0" u="none" strike="noStrike" cap="none">
+      <a:defRPr b="0" i="0" sz="1400" u="none" cap="none" strike="noStrike">
         <a:solidFill>
           <a:srgbClr val="000000"/>
         </a:solidFill>
@@ -637,7 +616,7 @@
         <a:sym typeface="Arial"/>
       </a:defRPr>
     </a:lvl5pPr>
-    <a:lvl6pPr marR="0" lvl="5" algn="l" rtl="0">
+    <a:lvl6pPr lvl="5" marR="0" rtl="0" algn="l">
       <a:lnSpc>
         <a:spcPct val="100000"/>
       </a:lnSpc>
@@ -651,7 +630,7 @@
         <a:srgbClr val="000000"/>
       </a:buClr>
       <a:buFont typeface="Arial"/>
-      <a:defRPr sz="1400" b="0" i="0" u="none" strike="noStrike" cap="none">
+      <a:defRPr b="0" i="0" sz="1400" u="none" cap="none" strike="noStrike">
         <a:solidFill>
           <a:srgbClr val="000000"/>
         </a:solidFill>
@@ -661,7 +640,7 @@
         <a:sym typeface="Arial"/>
       </a:defRPr>
     </a:lvl6pPr>
-    <a:lvl7pPr marR="0" lvl="6" algn="l" rtl="0">
+    <a:lvl7pPr lvl="6" marR="0" rtl="0" algn="l">
       <a:lnSpc>
         <a:spcPct val="100000"/>
       </a:lnSpc>
@@ -675,7 +654,7 @@
         <a:srgbClr val="000000"/>
       </a:buClr>
       <a:buFont typeface="Arial"/>
-      <a:defRPr sz="1400" b="0" i="0" u="none" strike="noStrike" cap="none">
+      <a:defRPr b="0" i="0" sz="1400" u="none" cap="none" strike="noStrike">
         <a:solidFill>
           <a:srgbClr val="000000"/>
         </a:solidFill>
@@ -685,7 +664,7 @@
         <a:sym typeface="Arial"/>
       </a:defRPr>
     </a:lvl7pPr>
-    <a:lvl8pPr marR="0" lvl="7" algn="l" rtl="0">
+    <a:lvl8pPr lvl="7" marR="0" rtl="0" algn="l">
       <a:lnSpc>
         <a:spcPct val="100000"/>
       </a:lnSpc>
@@ -699,7 +678,7 @@
         <a:srgbClr val="000000"/>
       </a:buClr>
       <a:buFont typeface="Arial"/>
-      <a:defRPr sz="1400" b="0" i="0" u="none" strike="noStrike" cap="none">
+      <a:defRPr b="0" i="0" sz="1400" u="none" cap="none" strike="noStrike">
         <a:solidFill>
           <a:srgbClr val="000000"/>
         </a:solidFill>
@@ -709,7 +688,7 @@
         <a:sym typeface="Arial"/>
       </a:defRPr>
     </a:lvl8pPr>
-    <a:lvl9pPr marR="0" lvl="8" algn="l" rtl="0">
+    <a:lvl9pPr lvl="8" marR="0" rtl="0" algn="l">
       <a:lnSpc>
         <a:spcPct val="100000"/>
       </a:lnSpc>
@@ -723,7 +702,7 @@
         <a:srgbClr val="000000"/>
       </a:buClr>
       <a:buFont typeface="Arial"/>
-      <a:defRPr sz="1400" b="0" i="0" u="none" strike="noStrike" cap="none">
+      <a:defRPr b="0" i="0" sz="1400" u="none" cap="none" strike="noStrike">
         <a:solidFill>
           <a:srgbClr val="000000"/>
         </a:solidFill>
@@ -738,11 +717,11 @@
 </file>
 
 <file path=ppt/notesSlides/notesSlide1.xml><?xml version="1.0" encoding="utf-8"?>
-<p:notes xmlns:a="http://schemas.openxmlformats.org/drawingml/2006/main" xmlns:r="http://schemas.openxmlformats.org/officeDocument/2006/relationships" xmlns:p="http://schemas.openxmlformats.org/presentationml/2006/main" showMasterSp="0" showMasterPhAnim="0">
+<p:notes xmlns:a="http://schemas.openxmlformats.org/drawingml/2006/main" xmlns:r="http://schemas.openxmlformats.org/officeDocument/2006/relationships" xmlns:mc="http://schemas.openxmlformats.org/markup-compatibility/2006" xmlns:mv="urn:schemas-microsoft-com:mac:vml" xmlns:p="http://schemas.openxmlformats.org/presentationml/2006/main" xmlns:c="http://schemas.openxmlformats.org/drawingml/2006/chart" xmlns:dgm="http://schemas.openxmlformats.org/drawingml/2006/diagram" xmlns:o="urn:schemas-microsoft-com:office:office" xmlns:v="urn:schemas-microsoft-com:vml" xmlns:pvml="urn:schemas-microsoft-com:office:powerpoint" xmlns:com="http://schemas.openxmlformats.org/drawingml/2006/compatibility" xmlns:p14="http://schemas.microsoft.com/office/powerpoint/2010/main" xmlns:p15="http://schemas.microsoft.com/office/powerpoint/2012/main" xmlns:ahyp="http://schemas.microsoft.com/office/drawing/2018/hyperlinkcolor" showMasterPhAnim="0" showMasterSp="0">
   <p:cSld>
     <p:spTree>
       <p:nvGrpSpPr>
-        <p:cNvPr id="1" name="Shape 55"/>
+        <p:cNvPr id="55" name="Shape 55"/>
         <p:cNvGrpSpPr/>
         <p:nvPr/>
       </p:nvGrpSpPr>
@@ -757,11 +736,9 @@
       <p:sp>
         <p:nvSpPr>
           <p:cNvPr id="56" name="Google Shape;56;p:notes"/>
-          <p:cNvSpPr>
-            <a:spLocks noGrp="1" noRot="1" noChangeAspect="1"/>
-          </p:cNvSpPr>
+          <p:cNvSpPr/>
           <p:nvPr>
-            <p:ph type="sldImg" idx="2"/>
+            <p:ph idx="2" type="sldImg"/>
           </p:nvPr>
         </p:nvSpPr>
         <p:spPr>
@@ -770,13 +747,9 @@
             <a:ext cx="6096075" cy="3429000"/>
           </a:xfrm>
           <a:custGeom>
-            <a:avLst/>
-            <a:gdLst/>
-            <a:ahLst/>
-            <a:cxnLst/>
-            <a:rect l="l" t="t" r="r" b="b"/>
+            <a:rect b="b" l="l" r="r" t="t"/>
             <a:pathLst>
-              <a:path w="120000" h="120000" extrusionOk="0">
+              <a:path extrusionOk="0" h="120000" w="120000">
                 <a:moveTo>
                   <a:pt x="0" y="0"/>
                 </a:moveTo>
@@ -798,11 +771,9 @@
       <p:sp>
         <p:nvSpPr>
           <p:cNvPr id="57" name="Google Shape;57;p:notes"/>
-          <p:cNvSpPr txBox="1">
-            <a:spLocks noGrp="1"/>
-          </p:cNvSpPr>
+          <p:cNvSpPr txBox="1"/>
           <p:nvPr>
-            <p:ph type="body" idx="1"/>
+            <p:ph idx="1" type="body"/>
           </p:nvPr>
         </p:nvSpPr>
         <p:spPr>
@@ -815,12 +786,12 @@
           </a:prstGeom>
         </p:spPr>
         <p:txBody>
-          <a:bodyPr spcFirstLastPara="1" wrap="square" lIns="91425" tIns="91425" rIns="91425" bIns="91425" anchor="t" anchorCtr="0">
+          <a:bodyPr anchorCtr="0" anchor="t" bIns="91425" lIns="91425" spcFirstLastPara="1" rIns="91425" wrap="square" tIns="91425">
             <a:noAutofit/>
           </a:bodyPr>
           <a:lstStyle/>
           <a:p>
-            <a:pPr marL="0" lvl="0" indent="0" algn="l" rtl="0">
+            <a:pPr indent="0" lvl="0" marL="0" rtl="0" algn="l">
               <a:spcBef>
                 <a:spcPts val="0"/>
               </a:spcBef>
@@ -829,6 +800,9 @@
               </a:spcAft>
               <a:buNone/>
             </a:pPr>
+            <a:r>
+              <a:t/>
+            </a:r>
             <a:endParaRPr/>
           </a:p>
         </p:txBody>
@@ -842,11 +816,11 @@
 </file>
 
 <file path=ppt/notesSlides/notesSlide10.xml><?xml version="1.0" encoding="utf-8"?>
-<p:notes xmlns:a="http://schemas.openxmlformats.org/drawingml/2006/main" xmlns:r="http://schemas.openxmlformats.org/officeDocument/2006/relationships" xmlns:p="http://schemas.openxmlformats.org/presentationml/2006/main" showMasterSp="0" showMasterPhAnim="0">
+<p:notes xmlns:a="http://schemas.openxmlformats.org/drawingml/2006/main" xmlns:r="http://schemas.openxmlformats.org/officeDocument/2006/relationships" xmlns:mc="http://schemas.openxmlformats.org/markup-compatibility/2006" xmlns:mv="urn:schemas-microsoft-com:mac:vml" xmlns:p="http://schemas.openxmlformats.org/presentationml/2006/main" xmlns:c="http://schemas.openxmlformats.org/drawingml/2006/chart" xmlns:dgm="http://schemas.openxmlformats.org/drawingml/2006/diagram" xmlns:o="urn:schemas-microsoft-com:office:office" xmlns:v="urn:schemas-microsoft-com:vml" xmlns:pvml="urn:schemas-microsoft-com:office:powerpoint" xmlns:com="http://schemas.openxmlformats.org/drawingml/2006/compatibility" xmlns:p14="http://schemas.microsoft.com/office/powerpoint/2010/main" xmlns:p15="http://schemas.microsoft.com/office/powerpoint/2012/main" xmlns:ahyp="http://schemas.microsoft.com/office/drawing/2018/hyperlinkcolor" showMasterPhAnim="0" showMasterSp="0">
   <p:cSld>
     <p:spTree>
       <p:nvGrpSpPr>
-        <p:cNvPr id="1" name="Shape 120"/>
+        <p:cNvPr id="123" name="Shape 123"/>
         <p:cNvGrpSpPr/>
         <p:nvPr/>
       </p:nvGrpSpPr>
@@ -860,27 +834,21 @@
       </p:grpSpPr>
       <p:sp>
         <p:nvSpPr>
-          <p:cNvPr id="121" name="Google Shape;121;gaf0ec02523_0_25:notes"/>
-          <p:cNvSpPr>
-            <a:spLocks noGrp="1" noRot="1" noChangeAspect="1"/>
-          </p:cNvSpPr>
+          <p:cNvPr id="124" name="Google Shape;124;ga5c0348919_0_21:notes"/>
+          <p:cNvSpPr/>
           <p:nvPr>
-            <p:ph type="sldImg" idx="2"/>
+            <p:ph idx="2" type="sldImg"/>
           </p:nvPr>
         </p:nvSpPr>
         <p:spPr>
           <a:xfrm>
-            <a:off x="381000" y="685800"/>
+            <a:off x="381300" y="685800"/>
             <a:ext cx="6096000" cy="3429000"/>
           </a:xfrm>
           <a:custGeom>
-            <a:avLst/>
-            <a:gdLst/>
-            <a:ahLst/>
-            <a:cxnLst/>
-            <a:rect l="l" t="t" r="r" b="b"/>
+            <a:rect b="b" l="l" r="r" t="t"/>
             <a:pathLst>
-              <a:path w="120000" h="120000" extrusionOk="0">
+              <a:path extrusionOk="0" h="120000" w="120000">
                 <a:moveTo>
                   <a:pt x="0" y="0"/>
                 </a:moveTo>
@@ -901,12 +869,10 @@
       </p:sp>
       <p:sp>
         <p:nvSpPr>
-          <p:cNvPr id="122" name="Google Shape;122;gaf0ec02523_0_25:notes"/>
-          <p:cNvSpPr txBox="1">
-            <a:spLocks noGrp="1"/>
-          </p:cNvSpPr>
+          <p:cNvPr id="125" name="Google Shape;125;ga5c0348919_0_21:notes"/>
+          <p:cNvSpPr txBox="1"/>
           <p:nvPr>
-            <p:ph type="body" idx="1"/>
+            <p:ph idx="1" type="body"/>
           </p:nvPr>
         </p:nvSpPr>
         <p:spPr>
@@ -919,29 +885,24 @@
           </a:prstGeom>
         </p:spPr>
         <p:txBody>
-          <a:bodyPr spcFirstLastPara="1" wrap="square" lIns="91425" tIns="91425" rIns="91425" bIns="91425" anchor="t" anchorCtr="0">
+          <a:bodyPr anchorCtr="0" anchor="t" bIns="91425" lIns="91425" spcFirstLastPara="1" rIns="91425" wrap="square" tIns="91425">
             <a:noAutofit/>
           </a:bodyPr>
           <a:lstStyle/>
           <a:p>
-            <a:pPr marL="0" lvl="0" indent="0" algn="l" rtl="0">
-              <a:lnSpc>
-                <a:spcPct val="115000"/>
-              </a:lnSpc>
-              <a:spcBef>
-                <a:spcPts val="0"/>
-              </a:spcBef>
-              <a:spcAft>
-                <a:spcPts val="1600"/>
-              </a:spcAft>
-              <a:buClr>
-                <a:schemeClr val="dk1"/>
-              </a:buClr>
-              <a:buSzPts val="1100"/>
-              <a:buFont typeface="Arial"/>
+            <a:pPr indent="0" lvl="0" marL="0" rtl="0" algn="l">
+              <a:spcBef>
+                <a:spcPts val="0"/>
+              </a:spcBef>
+              <a:spcAft>
+                <a:spcPts val="0"/>
+              </a:spcAft>
               <a:buNone/>
             </a:pPr>
-            <a:endParaRPr sz="900"/>
+            <a:r>
+              <a:t/>
+            </a:r>
+            <a:endParaRPr/>
           </a:p>
         </p:txBody>
       </p:sp>
@@ -954,11 +915,11 @@
 </file>
 
 <file path=ppt/notesSlides/notesSlide11.xml><?xml version="1.0" encoding="utf-8"?>
-<p:notes xmlns:a="http://schemas.openxmlformats.org/drawingml/2006/main" xmlns:r="http://schemas.openxmlformats.org/officeDocument/2006/relationships" xmlns:p="http://schemas.openxmlformats.org/presentationml/2006/main" showMasterSp="0" showMasterPhAnim="0">
+<p:notes xmlns:a="http://schemas.openxmlformats.org/drawingml/2006/main" xmlns:r="http://schemas.openxmlformats.org/officeDocument/2006/relationships" xmlns:mc="http://schemas.openxmlformats.org/markup-compatibility/2006" xmlns:mv="urn:schemas-microsoft-com:mac:vml" xmlns:p="http://schemas.openxmlformats.org/presentationml/2006/main" xmlns:c="http://schemas.openxmlformats.org/drawingml/2006/chart" xmlns:dgm="http://schemas.openxmlformats.org/drawingml/2006/diagram" xmlns:o="urn:schemas-microsoft-com:office:office" xmlns:v="urn:schemas-microsoft-com:vml" xmlns:pvml="urn:schemas-microsoft-com:office:powerpoint" xmlns:com="http://schemas.openxmlformats.org/drawingml/2006/compatibility" xmlns:p14="http://schemas.microsoft.com/office/powerpoint/2010/main" xmlns:p15="http://schemas.microsoft.com/office/powerpoint/2012/main" xmlns:ahyp="http://schemas.microsoft.com/office/drawing/2018/hyperlinkcolor" showMasterPhAnim="0" showMasterSp="0">
   <p:cSld>
     <p:spTree>
       <p:nvGrpSpPr>
-        <p:cNvPr id="1" name="Shape 126"/>
+        <p:cNvPr id="129" name="Shape 129"/>
         <p:cNvGrpSpPr/>
         <p:nvPr/>
       </p:nvGrpSpPr>
@@ -972,12 +933,10 @@
       </p:grpSpPr>
       <p:sp>
         <p:nvSpPr>
-          <p:cNvPr id="127" name="Google Shape;127;ga5c0348919_0_16:notes"/>
-          <p:cNvSpPr>
-            <a:spLocks noGrp="1" noRot="1" noChangeAspect="1"/>
-          </p:cNvSpPr>
+          <p:cNvPr id="130" name="Google Shape;130;gaf0ec02523_0_25:notes"/>
+          <p:cNvSpPr/>
           <p:nvPr>
-            <p:ph type="sldImg" idx="2"/>
+            <p:ph idx="2" type="sldImg"/>
           </p:nvPr>
         </p:nvSpPr>
         <p:spPr>
@@ -986,13 +945,9 @@
             <a:ext cx="6096000" cy="3429000"/>
           </a:xfrm>
           <a:custGeom>
-            <a:avLst/>
-            <a:gdLst/>
-            <a:ahLst/>
-            <a:cxnLst/>
-            <a:rect l="l" t="t" r="r" b="b"/>
+            <a:rect b="b" l="l" r="r" t="t"/>
             <a:pathLst>
-              <a:path w="120000" h="120000" extrusionOk="0">
+              <a:path extrusionOk="0" h="120000" w="120000">
                 <a:moveTo>
                   <a:pt x="0" y="0"/>
                 </a:moveTo>
@@ -1013,12 +968,10 @@
       </p:sp>
       <p:sp>
         <p:nvSpPr>
-          <p:cNvPr id="128" name="Google Shape;128;ga5c0348919_0_16:notes"/>
-          <p:cNvSpPr txBox="1">
-            <a:spLocks noGrp="1"/>
-          </p:cNvSpPr>
+          <p:cNvPr id="131" name="Google Shape;131;gaf0ec02523_0_25:notes"/>
+          <p:cNvSpPr txBox="1"/>
           <p:nvPr>
-            <p:ph type="body" idx="1"/>
+            <p:ph idx="1" type="body"/>
           </p:nvPr>
         </p:nvSpPr>
         <p:spPr>
@@ -1031,21 +984,32 @@
           </a:prstGeom>
         </p:spPr>
         <p:txBody>
-          <a:bodyPr spcFirstLastPara="1" wrap="square" lIns="91425" tIns="91425" rIns="91425" bIns="91425" anchor="t" anchorCtr="0">
+          <a:bodyPr anchorCtr="0" anchor="t" bIns="91425" lIns="91425" spcFirstLastPara="1" rIns="91425" wrap="square" tIns="91425">
             <a:noAutofit/>
           </a:bodyPr>
           <a:lstStyle/>
           <a:p>
-            <a:pPr marL="0" lvl="0" indent="0" algn="l" rtl="0">
-              <a:spcBef>
-                <a:spcPts val="0"/>
-              </a:spcBef>
-              <a:spcAft>
-                <a:spcPts val="0"/>
-              </a:spcAft>
+            <a:pPr indent="0" lvl="0" marL="0" rtl="0" algn="l">
+              <a:lnSpc>
+                <a:spcPct val="115000"/>
+              </a:lnSpc>
+              <a:spcBef>
+                <a:spcPts val="0"/>
+              </a:spcBef>
+              <a:spcAft>
+                <a:spcPts val="1600"/>
+              </a:spcAft>
+              <a:buClr>
+                <a:schemeClr val="dk1"/>
+              </a:buClr>
+              <a:buSzPts val="1100"/>
+              <a:buFont typeface="Arial"/>
               <a:buNone/>
             </a:pPr>
-            <a:endParaRPr/>
+            <a:r>
+              <a:t/>
+            </a:r>
+            <a:endParaRPr sz="900"/>
           </a:p>
         </p:txBody>
       </p:sp>
@@ -1058,11 +1022,11 @@
 </file>
 
 <file path=ppt/notesSlides/notesSlide12.xml><?xml version="1.0" encoding="utf-8"?>
-<p:notes xmlns:a="http://schemas.openxmlformats.org/drawingml/2006/main" xmlns:r="http://schemas.openxmlformats.org/officeDocument/2006/relationships" xmlns:p="http://schemas.openxmlformats.org/presentationml/2006/main" showMasterSp="0" showMasterPhAnim="0">
+<p:notes xmlns:a="http://schemas.openxmlformats.org/drawingml/2006/main" xmlns:r="http://schemas.openxmlformats.org/officeDocument/2006/relationships" xmlns:mc="http://schemas.openxmlformats.org/markup-compatibility/2006" xmlns:mv="urn:schemas-microsoft-com:mac:vml" xmlns:p="http://schemas.openxmlformats.org/presentationml/2006/main" xmlns:c="http://schemas.openxmlformats.org/drawingml/2006/chart" xmlns:dgm="http://schemas.openxmlformats.org/drawingml/2006/diagram" xmlns:o="urn:schemas-microsoft-com:office:office" xmlns:v="urn:schemas-microsoft-com:vml" xmlns:pvml="urn:schemas-microsoft-com:office:powerpoint" xmlns:com="http://schemas.openxmlformats.org/drawingml/2006/compatibility" xmlns:p14="http://schemas.microsoft.com/office/powerpoint/2010/main" xmlns:p15="http://schemas.microsoft.com/office/powerpoint/2012/main" xmlns:ahyp="http://schemas.microsoft.com/office/drawing/2018/hyperlinkcolor" showMasterPhAnim="0" showMasterSp="0">
   <p:cSld>
     <p:spTree>
       <p:nvGrpSpPr>
-        <p:cNvPr id="1" name="Shape 132"/>
+        <p:cNvPr id="135" name="Shape 135"/>
         <p:cNvGrpSpPr/>
         <p:nvPr/>
       </p:nvGrpSpPr>
@@ -1076,12 +1040,10 @@
       </p:grpSpPr>
       <p:sp>
         <p:nvSpPr>
-          <p:cNvPr id="133" name="Google Shape;133;gaf0ec02523_0_30:notes"/>
-          <p:cNvSpPr>
-            <a:spLocks noGrp="1" noRot="1" noChangeAspect="1"/>
-          </p:cNvSpPr>
+          <p:cNvPr id="136" name="Google Shape;136;ga5c0348919_0_16:notes"/>
+          <p:cNvSpPr/>
           <p:nvPr>
-            <p:ph type="sldImg" idx="2"/>
+            <p:ph idx="2" type="sldImg"/>
           </p:nvPr>
         </p:nvSpPr>
         <p:spPr>
@@ -1090,13 +1052,9 @@
             <a:ext cx="6096000" cy="3429000"/>
           </a:xfrm>
           <a:custGeom>
-            <a:avLst/>
-            <a:gdLst/>
-            <a:ahLst/>
-            <a:cxnLst/>
-            <a:rect l="l" t="t" r="r" b="b"/>
+            <a:rect b="b" l="l" r="r" t="t"/>
             <a:pathLst>
-              <a:path w="120000" h="120000" extrusionOk="0">
+              <a:path extrusionOk="0" h="120000" w="120000">
                 <a:moveTo>
                   <a:pt x="0" y="0"/>
                 </a:moveTo>
@@ -1117,12 +1075,10 @@
       </p:sp>
       <p:sp>
         <p:nvSpPr>
-          <p:cNvPr id="134" name="Google Shape;134;gaf0ec02523_0_30:notes"/>
-          <p:cNvSpPr txBox="1">
-            <a:spLocks noGrp="1"/>
-          </p:cNvSpPr>
+          <p:cNvPr id="137" name="Google Shape;137;ga5c0348919_0_16:notes"/>
+          <p:cNvSpPr txBox="1"/>
           <p:nvPr>
-            <p:ph type="body" idx="1"/>
+            <p:ph idx="1" type="body"/>
           </p:nvPr>
         </p:nvSpPr>
         <p:spPr>
@@ -1135,29 +1091,24 @@
           </a:prstGeom>
         </p:spPr>
         <p:txBody>
-          <a:bodyPr spcFirstLastPara="1" wrap="square" lIns="91425" tIns="91425" rIns="91425" bIns="91425" anchor="t" anchorCtr="0">
+          <a:bodyPr anchorCtr="0" anchor="t" bIns="91425" lIns="91425" spcFirstLastPara="1" rIns="91425" wrap="square" tIns="91425">
             <a:noAutofit/>
           </a:bodyPr>
           <a:lstStyle/>
           <a:p>
-            <a:pPr marL="0" lvl="0" indent="0" algn="l" rtl="0">
-              <a:lnSpc>
-                <a:spcPct val="115000"/>
-              </a:lnSpc>
-              <a:spcBef>
-                <a:spcPts val="0"/>
-              </a:spcBef>
-              <a:spcAft>
-                <a:spcPts val="1600"/>
-              </a:spcAft>
-              <a:buClr>
-                <a:schemeClr val="dk1"/>
-              </a:buClr>
-              <a:buSzPts val="1100"/>
-              <a:buFont typeface="Arial"/>
+            <a:pPr indent="0" lvl="0" marL="0" rtl="0" algn="l">
+              <a:spcBef>
+                <a:spcPts val="0"/>
+              </a:spcBef>
+              <a:spcAft>
+                <a:spcPts val="0"/>
+              </a:spcAft>
               <a:buNone/>
             </a:pPr>
-            <a:endParaRPr sz="900"/>
+            <a:r>
+              <a:t/>
+            </a:r>
+            <a:endParaRPr/>
           </a:p>
         </p:txBody>
       </p:sp>
@@ -1170,11 +1121,11 @@
 </file>
 
 <file path=ppt/notesSlides/notesSlide13.xml><?xml version="1.0" encoding="utf-8"?>
-<p:notes xmlns:a="http://schemas.openxmlformats.org/drawingml/2006/main" xmlns:r="http://schemas.openxmlformats.org/officeDocument/2006/relationships" xmlns:p="http://schemas.openxmlformats.org/presentationml/2006/main" showMasterSp="0" showMasterPhAnim="0">
+<p:notes xmlns:a="http://schemas.openxmlformats.org/drawingml/2006/main" xmlns:r="http://schemas.openxmlformats.org/officeDocument/2006/relationships" xmlns:mc="http://schemas.openxmlformats.org/markup-compatibility/2006" xmlns:mv="urn:schemas-microsoft-com:mac:vml" xmlns:p="http://schemas.openxmlformats.org/presentationml/2006/main" xmlns:c="http://schemas.openxmlformats.org/drawingml/2006/chart" xmlns:dgm="http://schemas.openxmlformats.org/drawingml/2006/diagram" xmlns:o="urn:schemas-microsoft-com:office:office" xmlns:v="urn:schemas-microsoft-com:vml" xmlns:pvml="urn:schemas-microsoft-com:office:powerpoint" xmlns:com="http://schemas.openxmlformats.org/drawingml/2006/compatibility" xmlns:p14="http://schemas.microsoft.com/office/powerpoint/2010/main" xmlns:p15="http://schemas.microsoft.com/office/powerpoint/2012/main" xmlns:ahyp="http://schemas.microsoft.com/office/drawing/2018/hyperlinkcolor" showMasterPhAnim="0" showMasterSp="0">
   <p:cSld>
     <p:spTree>
       <p:nvGrpSpPr>
-        <p:cNvPr id="1" name="Shape 138"/>
+        <p:cNvPr id="141" name="Shape 141"/>
         <p:cNvGrpSpPr/>
         <p:nvPr/>
       </p:nvGrpSpPr>
@@ -1188,27 +1139,21 @@
       </p:grpSpPr>
       <p:sp>
         <p:nvSpPr>
-          <p:cNvPr id="139" name="Google Shape;139;gaf0ec02523_0_43:notes"/>
-          <p:cNvSpPr>
-            <a:spLocks noGrp="1" noRot="1" noChangeAspect="1"/>
-          </p:cNvSpPr>
+          <p:cNvPr id="142" name="Google Shape;142;gaf0ec02523_0_30:notes"/>
+          <p:cNvSpPr/>
           <p:nvPr>
-            <p:ph type="sldImg" idx="2"/>
+            <p:ph idx="2" type="sldImg"/>
           </p:nvPr>
         </p:nvSpPr>
         <p:spPr>
           <a:xfrm>
-            <a:off x="381000" y="685800"/>
+            <a:off x="381300" y="685800"/>
             <a:ext cx="6096000" cy="3429000"/>
           </a:xfrm>
           <a:custGeom>
-            <a:avLst/>
-            <a:gdLst/>
-            <a:ahLst/>
-            <a:cxnLst/>
-            <a:rect l="l" t="t" r="r" b="b"/>
+            <a:rect b="b" l="l" r="r" t="t"/>
             <a:pathLst>
-              <a:path w="120000" h="120000" extrusionOk="0">
+              <a:path extrusionOk="0" h="120000" w="120000">
                 <a:moveTo>
                   <a:pt x="0" y="0"/>
                 </a:moveTo>
@@ -1229,12 +1174,10 @@
       </p:sp>
       <p:sp>
         <p:nvSpPr>
-          <p:cNvPr id="140" name="Google Shape;140;gaf0ec02523_0_43:notes"/>
-          <p:cNvSpPr txBox="1">
-            <a:spLocks noGrp="1"/>
-          </p:cNvSpPr>
+          <p:cNvPr id="143" name="Google Shape;143;gaf0ec02523_0_30:notes"/>
+          <p:cNvSpPr txBox="1"/>
           <p:nvPr>
-            <p:ph type="body" idx="1"/>
+            <p:ph idx="1" type="body"/>
           </p:nvPr>
         </p:nvSpPr>
         <p:spPr>
@@ -1247,21 +1190,32 @@
           </a:prstGeom>
         </p:spPr>
         <p:txBody>
-          <a:bodyPr spcFirstLastPara="1" wrap="square" lIns="91425" tIns="91425" rIns="91425" bIns="91425" anchor="t" anchorCtr="0">
+          <a:bodyPr anchorCtr="0" anchor="t" bIns="91425" lIns="91425" spcFirstLastPara="1" rIns="91425" wrap="square" tIns="91425">
             <a:noAutofit/>
           </a:bodyPr>
           <a:lstStyle/>
           <a:p>
-            <a:pPr marL="0" lvl="0" indent="0" algn="l" rtl="0">
-              <a:spcBef>
-                <a:spcPts val="0"/>
-              </a:spcBef>
-              <a:spcAft>
-                <a:spcPts val="0"/>
-              </a:spcAft>
+            <a:pPr indent="0" lvl="0" marL="0" rtl="0" algn="l">
+              <a:lnSpc>
+                <a:spcPct val="115000"/>
+              </a:lnSpc>
+              <a:spcBef>
+                <a:spcPts val="0"/>
+              </a:spcBef>
+              <a:spcAft>
+                <a:spcPts val="1600"/>
+              </a:spcAft>
+              <a:buClr>
+                <a:schemeClr val="dk1"/>
+              </a:buClr>
+              <a:buSzPts val="1100"/>
+              <a:buFont typeface="Arial"/>
               <a:buNone/>
             </a:pPr>
-            <a:endParaRPr/>
+            <a:r>
+              <a:t/>
+            </a:r>
+            <a:endParaRPr sz="900"/>
           </a:p>
         </p:txBody>
       </p:sp>
@@ -1274,11 +1228,11 @@
 </file>
 
 <file path=ppt/notesSlides/notesSlide14.xml><?xml version="1.0" encoding="utf-8"?>
-<p:notes xmlns:a="http://schemas.openxmlformats.org/drawingml/2006/main" xmlns:r="http://schemas.openxmlformats.org/officeDocument/2006/relationships" xmlns:p="http://schemas.openxmlformats.org/presentationml/2006/main" showMasterSp="0" showMasterPhAnim="0">
+<p:notes xmlns:a="http://schemas.openxmlformats.org/drawingml/2006/main" xmlns:r="http://schemas.openxmlformats.org/officeDocument/2006/relationships" xmlns:mc="http://schemas.openxmlformats.org/markup-compatibility/2006" xmlns:mv="urn:schemas-microsoft-com:mac:vml" xmlns:p="http://schemas.openxmlformats.org/presentationml/2006/main" xmlns:c="http://schemas.openxmlformats.org/drawingml/2006/chart" xmlns:dgm="http://schemas.openxmlformats.org/drawingml/2006/diagram" xmlns:o="urn:schemas-microsoft-com:office:office" xmlns:v="urn:schemas-microsoft-com:vml" xmlns:pvml="urn:schemas-microsoft-com:office:powerpoint" xmlns:com="http://schemas.openxmlformats.org/drawingml/2006/compatibility" xmlns:p14="http://schemas.microsoft.com/office/powerpoint/2010/main" xmlns:p15="http://schemas.microsoft.com/office/powerpoint/2012/main" xmlns:ahyp="http://schemas.microsoft.com/office/drawing/2018/hyperlinkcolor" showMasterPhAnim="0" showMasterSp="0">
   <p:cSld>
     <p:spTree>
       <p:nvGrpSpPr>
-        <p:cNvPr id="1" name="Shape 144"/>
+        <p:cNvPr id="147" name="Shape 147"/>
         <p:cNvGrpSpPr/>
         <p:nvPr/>
       </p:nvGrpSpPr>
@@ -1292,12 +1246,10 @@
       </p:grpSpPr>
       <p:sp>
         <p:nvSpPr>
-          <p:cNvPr id="145" name="Google Shape;145;gaf0ec02523_0_35:notes"/>
-          <p:cNvSpPr>
-            <a:spLocks noGrp="1" noRot="1" noChangeAspect="1"/>
-          </p:cNvSpPr>
+          <p:cNvPr id="148" name="Google Shape;148;gaf0ec02523_0_43:notes"/>
+          <p:cNvSpPr/>
           <p:nvPr>
-            <p:ph type="sldImg" idx="2"/>
+            <p:ph idx="2" type="sldImg"/>
           </p:nvPr>
         </p:nvSpPr>
         <p:spPr>
@@ -1306,13 +1258,9 @@
             <a:ext cx="6096000" cy="3429000"/>
           </a:xfrm>
           <a:custGeom>
-            <a:avLst/>
-            <a:gdLst/>
-            <a:ahLst/>
-            <a:cxnLst/>
-            <a:rect l="l" t="t" r="r" b="b"/>
+            <a:rect b="b" l="l" r="r" t="t"/>
             <a:pathLst>
-              <a:path w="120000" h="120000" extrusionOk="0">
+              <a:path extrusionOk="0" h="120000" w="120000">
                 <a:moveTo>
                   <a:pt x="0" y="0"/>
                 </a:moveTo>
@@ -1333,12 +1281,10 @@
       </p:sp>
       <p:sp>
         <p:nvSpPr>
-          <p:cNvPr id="146" name="Google Shape;146;gaf0ec02523_0_35:notes"/>
-          <p:cNvSpPr txBox="1">
-            <a:spLocks noGrp="1"/>
-          </p:cNvSpPr>
+          <p:cNvPr id="149" name="Google Shape;149;gaf0ec02523_0_43:notes"/>
+          <p:cNvSpPr txBox="1"/>
           <p:nvPr>
-            <p:ph type="body" idx="1"/>
+            <p:ph idx="1" type="body"/>
           </p:nvPr>
         </p:nvSpPr>
         <p:spPr>
@@ -1351,29 +1297,24 @@
           </a:prstGeom>
         </p:spPr>
         <p:txBody>
-          <a:bodyPr spcFirstLastPara="1" wrap="square" lIns="91425" tIns="91425" rIns="91425" bIns="91425" anchor="t" anchorCtr="0">
+          <a:bodyPr anchorCtr="0" anchor="t" bIns="91425" lIns="91425" spcFirstLastPara="1" rIns="91425" wrap="square" tIns="91425">
             <a:noAutofit/>
           </a:bodyPr>
           <a:lstStyle/>
           <a:p>
-            <a:pPr marL="0" lvl="0" indent="0" algn="l" rtl="0">
-              <a:lnSpc>
-                <a:spcPct val="115000"/>
-              </a:lnSpc>
-              <a:spcBef>
-                <a:spcPts val="0"/>
-              </a:spcBef>
-              <a:spcAft>
-                <a:spcPts val="1600"/>
-              </a:spcAft>
-              <a:buClr>
-                <a:schemeClr val="dk1"/>
-              </a:buClr>
-              <a:buSzPts val="1100"/>
-              <a:buFont typeface="Arial"/>
+            <a:pPr indent="0" lvl="0" marL="0" rtl="0" algn="l">
+              <a:spcBef>
+                <a:spcPts val="0"/>
+              </a:spcBef>
+              <a:spcAft>
+                <a:spcPts val="0"/>
+              </a:spcAft>
               <a:buNone/>
             </a:pPr>
-            <a:endParaRPr sz="900"/>
+            <a:r>
+              <a:t/>
+            </a:r>
+            <a:endParaRPr/>
           </a:p>
         </p:txBody>
       </p:sp>
@@ -1386,11 +1327,11 @@
 </file>
 
 <file path=ppt/notesSlides/notesSlide15.xml><?xml version="1.0" encoding="utf-8"?>
-<p:notes xmlns:a="http://schemas.openxmlformats.org/drawingml/2006/main" xmlns:r="http://schemas.openxmlformats.org/officeDocument/2006/relationships" xmlns:p="http://schemas.openxmlformats.org/presentationml/2006/main" showMasterSp="0" showMasterPhAnim="0">
+<p:notes xmlns:a="http://schemas.openxmlformats.org/drawingml/2006/main" xmlns:r="http://schemas.openxmlformats.org/officeDocument/2006/relationships" xmlns:mc="http://schemas.openxmlformats.org/markup-compatibility/2006" xmlns:mv="urn:schemas-microsoft-com:mac:vml" xmlns:p="http://schemas.openxmlformats.org/presentationml/2006/main" xmlns:c="http://schemas.openxmlformats.org/drawingml/2006/chart" xmlns:dgm="http://schemas.openxmlformats.org/drawingml/2006/diagram" xmlns:o="urn:schemas-microsoft-com:office:office" xmlns:v="urn:schemas-microsoft-com:vml" xmlns:pvml="urn:schemas-microsoft-com:office:powerpoint" xmlns:com="http://schemas.openxmlformats.org/drawingml/2006/compatibility" xmlns:p14="http://schemas.microsoft.com/office/powerpoint/2010/main" xmlns:p15="http://schemas.microsoft.com/office/powerpoint/2012/main" xmlns:ahyp="http://schemas.microsoft.com/office/drawing/2018/hyperlinkcolor" showMasterPhAnim="0" showMasterSp="0">
   <p:cSld>
     <p:spTree>
       <p:nvGrpSpPr>
-        <p:cNvPr id="1" name="Shape 150"/>
+        <p:cNvPr id="153" name="Shape 153"/>
         <p:cNvGrpSpPr/>
         <p:nvPr/>
       </p:nvGrpSpPr>
@@ -1404,27 +1345,21 @@
       </p:grpSpPr>
       <p:sp>
         <p:nvSpPr>
-          <p:cNvPr id="151" name="Google Shape;151;ga7712a4a37_0_0:notes"/>
-          <p:cNvSpPr>
-            <a:spLocks noGrp="1" noRot="1" noChangeAspect="1"/>
-          </p:cNvSpPr>
+          <p:cNvPr id="154" name="Google Shape;154;gaf0ec02523_0_35:notes"/>
+          <p:cNvSpPr/>
           <p:nvPr>
-            <p:ph type="sldImg" idx="2"/>
+            <p:ph idx="2" type="sldImg"/>
           </p:nvPr>
         </p:nvSpPr>
         <p:spPr>
           <a:xfrm>
-            <a:off x="381000" y="685800"/>
+            <a:off x="381300" y="685800"/>
             <a:ext cx="6096000" cy="3429000"/>
           </a:xfrm>
           <a:custGeom>
-            <a:avLst/>
-            <a:gdLst/>
-            <a:ahLst/>
-            <a:cxnLst/>
-            <a:rect l="l" t="t" r="r" b="b"/>
+            <a:rect b="b" l="l" r="r" t="t"/>
             <a:pathLst>
-              <a:path w="120000" h="120000" extrusionOk="0">
+              <a:path extrusionOk="0" h="120000" w="120000">
                 <a:moveTo>
                   <a:pt x="0" y="0"/>
                 </a:moveTo>
@@ -1445,12 +1380,10 @@
       </p:sp>
       <p:sp>
         <p:nvSpPr>
-          <p:cNvPr id="152" name="Google Shape;152;ga7712a4a37_0_0:notes"/>
-          <p:cNvSpPr txBox="1">
-            <a:spLocks noGrp="1"/>
-          </p:cNvSpPr>
+          <p:cNvPr id="155" name="Google Shape;155;gaf0ec02523_0_35:notes"/>
+          <p:cNvSpPr txBox="1"/>
           <p:nvPr>
-            <p:ph type="body" idx="1"/>
+            <p:ph idx="1" type="body"/>
           </p:nvPr>
         </p:nvSpPr>
         <p:spPr>
@@ -1463,21 +1396,32 @@
           </a:prstGeom>
         </p:spPr>
         <p:txBody>
-          <a:bodyPr spcFirstLastPara="1" wrap="square" lIns="91425" tIns="91425" rIns="91425" bIns="91425" anchor="t" anchorCtr="0">
+          <a:bodyPr anchorCtr="0" anchor="t" bIns="91425" lIns="91425" spcFirstLastPara="1" rIns="91425" wrap="square" tIns="91425">
             <a:noAutofit/>
           </a:bodyPr>
           <a:lstStyle/>
           <a:p>
-            <a:pPr marL="0" lvl="0" indent="0" algn="l" rtl="0">
-              <a:spcBef>
-                <a:spcPts val="0"/>
-              </a:spcBef>
-              <a:spcAft>
-                <a:spcPts val="0"/>
-              </a:spcAft>
+            <a:pPr indent="0" lvl="0" marL="0" rtl="0" algn="l">
+              <a:lnSpc>
+                <a:spcPct val="115000"/>
+              </a:lnSpc>
+              <a:spcBef>
+                <a:spcPts val="0"/>
+              </a:spcBef>
+              <a:spcAft>
+                <a:spcPts val="1600"/>
+              </a:spcAft>
+              <a:buClr>
+                <a:schemeClr val="dk1"/>
+              </a:buClr>
+              <a:buSzPts val="1100"/>
+              <a:buFont typeface="Arial"/>
               <a:buNone/>
             </a:pPr>
-            <a:endParaRPr/>
+            <a:r>
+              <a:t/>
+            </a:r>
+            <a:endParaRPr sz="900"/>
           </a:p>
         </p:txBody>
       </p:sp>
@@ -1490,11 +1434,11 @@
 </file>
 
 <file path=ppt/notesSlides/notesSlide16.xml><?xml version="1.0" encoding="utf-8"?>
-<p:notes xmlns:a="http://schemas.openxmlformats.org/drawingml/2006/main" xmlns:r="http://schemas.openxmlformats.org/officeDocument/2006/relationships" xmlns:p="http://schemas.openxmlformats.org/presentationml/2006/main" showMasterSp="0" showMasterPhAnim="0">
+<p:notes xmlns:a="http://schemas.openxmlformats.org/drawingml/2006/main" xmlns:r="http://schemas.openxmlformats.org/officeDocument/2006/relationships" xmlns:mc="http://schemas.openxmlformats.org/markup-compatibility/2006" xmlns:mv="urn:schemas-microsoft-com:mac:vml" xmlns:p="http://schemas.openxmlformats.org/presentationml/2006/main" xmlns:c="http://schemas.openxmlformats.org/drawingml/2006/chart" xmlns:dgm="http://schemas.openxmlformats.org/drawingml/2006/diagram" xmlns:o="urn:schemas-microsoft-com:office:office" xmlns:v="urn:schemas-microsoft-com:vml" xmlns:pvml="urn:schemas-microsoft-com:office:powerpoint" xmlns:com="http://schemas.openxmlformats.org/drawingml/2006/compatibility" xmlns:p14="http://schemas.microsoft.com/office/powerpoint/2010/main" xmlns:p15="http://schemas.microsoft.com/office/powerpoint/2012/main" xmlns:ahyp="http://schemas.microsoft.com/office/drawing/2018/hyperlinkcolor" showMasterPhAnim="0" showMasterSp="0">
   <p:cSld>
     <p:spTree>
       <p:nvGrpSpPr>
-        <p:cNvPr id="1" name="Shape 156"/>
+        <p:cNvPr id="159" name="Shape 159"/>
         <p:cNvGrpSpPr/>
         <p:nvPr/>
       </p:nvGrpSpPr>
@@ -1508,12 +1452,10 @@
       </p:grpSpPr>
       <p:sp>
         <p:nvSpPr>
-          <p:cNvPr id="157" name="Google Shape;157;ga5c0348919_0_33:notes"/>
-          <p:cNvSpPr>
-            <a:spLocks noGrp="1" noRot="1" noChangeAspect="1"/>
-          </p:cNvSpPr>
+          <p:cNvPr id="160" name="Google Shape;160;ga7712a4a37_0_0:notes"/>
+          <p:cNvSpPr/>
           <p:nvPr>
-            <p:ph type="sldImg" idx="2"/>
+            <p:ph idx="2" type="sldImg"/>
           </p:nvPr>
         </p:nvSpPr>
         <p:spPr>
@@ -1522,13 +1464,9 @@
             <a:ext cx="6096000" cy="3429000"/>
           </a:xfrm>
           <a:custGeom>
-            <a:avLst/>
-            <a:gdLst/>
-            <a:ahLst/>
-            <a:cxnLst/>
-            <a:rect l="l" t="t" r="r" b="b"/>
+            <a:rect b="b" l="l" r="r" t="t"/>
             <a:pathLst>
-              <a:path w="120000" h="120000" extrusionOk="0">
+              <a:path extrusionOk="0" h="120000" w="120000">
                 <a:moveTo>
                   <a:pt x="0" y="0"/>
                 </a:moveTo>
@@ -1549,12 +1487,10 @@
       </p:sp>
       <p:sp>
         <p:nvSpPr>
-          <p:cNvPr id="158" name="Google Shape;158;ga5c0348919_0_33:notes"/>
-          <p:cNvSpPr txBox="1">
-            <a:spLocks noGrp="1"/>
-          </p:cNvSpPr>
+          <p:cNvPr id="161" name="Google Shape;161;ga7712a4a37_0_0:notes"/>
+          <p:cNvSpPr txBox="1"/>
           <p:nvPr>
-            <p:ph type="body" idx="1"/>
+            <p:ph idx="1" type="body"/>
           </p:nvPr>
         </p:nvSpPr>
         <p:spPr>
@@ -1567,12 +1503,12 @@
           </a:prstGeom>
         </p:spPr>
         <p:txBody>
-          <a:bodyPr spcFirstLastPara="1" wrap="square" lIns="91425" tIns="91425" rIns="91425" bIns="91425" anchor="t" anchorCtr="0">
+          <a:bodyPr anchorCtr="0" anchor="t" bIns="91425" lIns="91425" spcFirstLastPara="1" rIns="91425" wrap="square" tIns="91425">
             <a:noAutofit/>
           </a:bodyPr>
           <a:lstStyle/>
           <a:p>
-            <a:pPr marL="0" lvl="0" indent="0" algn="l" rtl="0">
+            <a:pPr indent="0" lvl="0" marL="0" rtl="0" algn="l">
               <a:spcBef>
                 <a:spcPts val="0"/>
               </a:spcBef>
@@ -1581,6 +1517,108 @@
               </a:spcAft>
               <a:buNone/>
             </a:pPr>
+            <a:r>
+              <a:t/>
+            </a:r>
+            <a:endParaRPr/>
+          </a:p>
+        </p:txBody>
+      </p:sp>
+    </p:spTree>
+  </p:cSld>
+  <p:clrMapOvr>
+    <a:masterClrMapping/>
+  </p:clrMapOvr>
+</p:notes>
+</file>
+
+<file path=ppt/notesSlides/notesSlide17.xml><?xml version="1.0" encoding="utf-8"?>
+<p:notes xmlns:a="http://schemas.openxmlformats.org/drawingml/2006/main" xmlns:r="http://schemas.openxmlformats.org/officeDocument/2006/relationships" xmlns:mc="http://schemas.openxmlformats.org/markup-compatibility/2006" xmlns:mv="urn:schemas-microsoft-com:mac:vml" xmlns:p="http://schemas.openxmlformats.org/presentationml/2006/main" xmlns:c="http://schemas.openxmlformats.org/drawingml/2006/chart" xmlns:dgm="http://schemas.openxmlformats.org/drawingml/2006/diagram" xmlns:o="urn:schemas-microsoft-com:office:office" xmlns:v="urn:schemas-microsoft-com:vml" xmlns:pvml="urn:schemas-microsoft-com:office:powerpoint" xmlns:com="http://schemas.openxmlformats.org/drawingml/2006/compatibility" xmlns:p14="http://schemas.microsoft.com/office/powerpoint/2010/main" xmlns:p15="http://schemas.microsoft.com/office/powerpoint/2012/main" xmlns:ahyp="http://schemas.microsoft.com/office/drawing/2018/hyperlinkcolor" showMasterPhAnim="0" showMasterSp="0">
+  <p:cSld>
+    <p:spTree>
+      <p:nvGrpSpPr>
+        <p:cNvPr id="165" name="Shape 165"/>
+        <p:cNvGrpSpPr/>
+        <p:nvPr/>
+      </p:nvGrpSpPr>
+      <p:grpSpPr>
+        <a:xfrm>
+          <a:off x="0" y="0"/>
+          <a:ext cx="0" cy="0"/>
+          <a:chOff x="0" y="0"/>
+          <a:chExt cx="0" cy="0"/>
+        </a:xfrm>
+      </p:grpSpPr>
+      <p:sp>
+        <p:nvSpPr>
+          <p:cNvPr id="166" name="Google Shape;166;ga5c0348919_0_33:notes"/>
+          <p:cNvSpPr/>
+          <p:nvPr>
+            <p:ph idx="2" type="sldImg"/>
+          </p:nvPr>
+        </p:nvSpPr>
+        <p:spPr>
+          <a:xfrm>
+            <a:off x="381300" y="685800"/>
+            <a:ext cx="6096000" cy="3429000"/>
+          </a:xfrm>
+          <a:custGeom>
+            <a:rect b="b" l="l" r="r" t="t"/>
+            <a:pathLst>
+              <a:path extrusionOk="0" h="120000" w="120000">
+                <a:moveTo>
+                  <a:pt x="0" y="0"/>
+                </a:moveTo>
+                <a:lnTo>
+                  <a:pt x="120000" y="0"/>
+                </a:lnTo>
+                <a:lnTo>
+                  <a:pt x="120000" y="120000"/>
+                </a:lnTo>
+                <a:lnTo>
+                  <a:pt x="0" y="120000"/>
+                </a:lnTo>
+                <a:close/>
+              </a:path>
+            </a:pathLst>
+          </a:custGeom>
+        </p:spPr>
+      </p:sp>
+      <p:sp>
+        <p:nvSpPr>
+          <p:cNvPr id="167" name="Google Shape;167;ga5c0348919_0_33:notes"/>
+          <p:cNvSpPr txBox="1"/>
+          <p:nvPr>
+            <p:ph idx="1" type="body"/>
+          </p:nvPr>
+        </p:nvSpPr>
+        <p:spPr>
+          <a:xfrm>
+            <a:off x="685800" y="4343400"/>
+            <a:ext cx="5486400" cy="4114800"/>
+          </a:xfrm>
+          <a:prstGeom prst="rect">
+            <a:avLst/>
+          </a:prstGeom>
+        </p:spPr>
+        <p:txBody>
+          <a:bodyPr anchorCtr="0" anchor="t" bIns="91425" lIns="91425" spcFirstLastPara="1" rIns="91425" wrap="square" tIns="91425">
+            <a:noAutofit/>
+          </a:bodyPr>
+          <a:lstStyle/>
+          <a:p>
+            <a:pPr indent="0" lvl="0" marL="0" rtl="0" algn="l">
+              <a:spcBef>
+                <a:spcPts val="0"/>
+              </a:spcBef>
+              <a:spcAft>
+                <a:spcPts val="0"/>
+              </a:spcAft>
+              <a:buNone/>
+            </a:pPr>
+            <a:r>
+              <a:t/>
+            </a:r>
             <a:endParaRPr/>
           </a:p>
         </p:txBody>
@@ -1594,11 +1632,11 @@
 </file>
 
 <file path=ppt/notesSlides/notesSlide2.xml><?xml version="1.0" encoding="utf-8"?>
-<p:notes xmlns:a="http://schemas.openxmlformats.org/drawingml/2006/main" xmlns:r="http://schemas.openxmlformats.org/officeDocument/2006/relationships" xmlns:p="http://schemas.openxmlformats.org/presentationml/2006/main" showMasterSp="0" showMasterPhAnim="0">
+<p:notes xmlns:a="http://schemas.openxmlformats.org/drawingml/2006/main" xmlns:r="http://schemas.openxmlformats.org/officeDocument/2006/relationships" xmlns:mc="http://schemas.openxmlformats.org/markup-compatibility/2006" xmlns:mv="urn:schemas-microsoft-com:mac:vml" xmlns:p="http://schemas.openxmlformats.org/presentationml/2006/main" xmlns:c="http://schemas.openxmlformats.org/drawingml/2006/chart" xmlns:dgm="http://schemas.openxmlformats.org/drawingml/2006/diagram" xmlns:o="urn:schemas-microsoft-com:office:office" xmlns:v="urn:schemas-microsoft-com:vml" xmlns:pvml="urn:schemas-microsoft-com:office:powerpoint" xmlns:com="http://schemas.openxmlformats.org/drawingml/2006/compatibility" xmlns:p14="http://schemas.microsoft.com/office/powerpoint/2010/main" xmlns:p15="http://schemas.microsoft.com/office/powerpoint/2012/main" xmlns:ahyp="http://schemas.microsoft.com/office/drawing/2018/hyperlinkcolor" showMasterPhAnim="0" showMasterSp="0">
   <p:cSld>
     <p:spTree>
       <p:nvGrpSpPr>
-        <p:cNvPr id="1" name="Shape 61"/>
+        <p:cNvPr id="61" name="Shape 61"/>
         <p:cNvGrpSpPr/>
         <p:nvPr/>
       </p:nvGrpSpPr>
@@ -1613,26 +1651,20 @@
       <p:sp>
         <p:nvSpPr>
           <p:cNvPr id="62" name="Google Shape;62;ga0f9139288_0_2:notes"/>
-          <p:cNvSpPr>
-            <a:spLocks noGrp="1" noRot="1" noChangeAspect="1"/>
-          </p:cNvSpPr>
+          <p:cNvSpPr/>
           <p:nvPr>
-            <p:ph type="sldImg" idx="2"/>
+            <p:ph idx="2" type="sldImg"/>
           </p:nvPr>
         </p:nvSpPr>
         <p:spPr>
           <a:xfrm>
-            <a:off x="381000" y="685800"/>
+            <a:off x="381300" y="685800"/>
             <a:ext cx="6096000" cy="3429000"/>
           </a:xfrm>
           <a:custGeom>
-            <a:avLst/>
-            <a:gdLst/>
-            <a:ahLst/>
-            <a:cxnLst/>
-            <a:rect l="l" t="t" r="r" b="b"/>
+            <a:rect b="b" l="l" r="r" t="t"/>
             <a:pathLst>
-              <a:path w="120000" h="120000" extrusionOk="0">
+              <a:path extrusionOk="0" h="120000" w="120000">
                 <a:moveTo>
                   <a:pt x="0" y="0"/>
                 </a:moveTo>
@@ -1654,11 +1686,9 @@
       <p:sp>
         <p:nvSpPr>
           <p:cNvPr id="63" name="Google Shape;63;ga0f9139288_0_2:notes"/>
-          <p:cNvSpPr txBox="1">
-            <a:spLocks noGrp="1"/>
-          </p:cNvSpPr>
+          <p:cNvSpPr txBox="1"/>
           <p:nvPr>
-            <p:ph type="body" idx="1"/>
+            <p:ph idx="1" type="body"/>
           </p:nvPr>
         </p:nvSpPr>
         <p:spPr>
@@ -1671,12 +1701,12 @@
           </a:prstGeom>
         </p:spPr>
         <p:txBody>
-          <a:bodyPr spcFirstLastPara="1" wrap="square" lIns="91425" tIns="91425" rIns="91425" bIns="91425" anchor="t" anchorCtr="0">
+          <a:bodyPr anchorCtr="0" anchor="t" bIns="91425" lIns="91425" spcFirstLastPara="1" rIns="91425" wrap="square" tIns="91425">
             <a:noAutofit/>
           </a:bodyPr>
           <a:lstStyle/>
           <a:p>
-            <a:pPr marL="0" lvl="0" indent="0" algn="l" rtl="0">
+            <a:pPr indent="0" lvl="0" marL="0" rtl="0" algn="l">
               <a:spcBef>
                 <a:spcPts val="0"/>
               </a:spcBef>
@@ -1685,6 +1715,9 @@
               </a:spcAft>
               <a:buNone/>
             </a:pPr>
+            <a:r>
+              <a:t/>
+            </a:r>
             <a:endParaRPr sz="500"/>
           </a:p>
         </p:txBody>
@@ -1698,11 +1731,11 @@
 </file>
 
 <file path=ppt/notesSlides/notesSlide3.xml><?xml version="1.0" encoding="utf-8"?>
-<p:notes xmlns:a="http://schemas.openxmlformats.org/drawingml/2006/main" xmlns:r="http://schemas.openxmlformats.org/officeDocument/2006/relationships" xmlns:p="http://schemas.openxmlformats.org/presentationml/2006/main" showMasterSp="0" showMasterPhAnim="0">
+<p:notes xmlns:a="http://schemas.openxmlformats.org/drawingml/2006/main" xmlns:r="http://schemas.openxmlformats.org/officeDocument/2006/relationships" xmlns:mc="http://schemas.openxmlformats.org/markup-compatibility/2006" xmlns:mv="urn:schemas-microsoft-com:mac:vml" xmlns:p="http://schemas.openxmlformats.org/presentationml/2006/main" xmlns:c="http://schemas.openxmlformats.org/drawingml/2006/chart" xmlns:dgm="http://schemas.openxmlformats.org/drawingml/2006/diagram" xmlns:o="urn:schemas-microsoft-com:office:office" xmlns:v="urn:schemas-microsoft-com:vml" xmlns:pvml="urn:schemas-microsoft-com:office:powerpoint" xmlns:com="http://schemas.openxmlformats.org/drawingml/2006/compatibility" xmlns:p14="http://schemas.microsoft.com/office/powerpoint/2010/main" xmlns:p15="http://schemas.microsoft.com/office/powerpoint/2012/main" xmlns:ahyp="http://schemas.microsoft.com/office/drawing/2018/hyperlinkcolor" showMasterPhAnim="0" showMasterSp="0">
   <p:cSld>
     <p:spTree>
       <p:nvGrpSpPr>
-        <p:cNvPr id="1" name="Shape 67"/>
+        <p:cNvPr id="67" name="Shape 67"/>
         <p:cNvGrpSpPr/>
         <p:nvPr/>
       </p:nvGrpSpPr>
@@ -1717,11 +1750,9 @@
       <p:sp>
         <p:nvSpPr>
           <p:cNvPr id="68" name="Google Shape;68;gaf0ec02523_0_0:notes"/>
-          <p:cNvSpPr>
-            <a:spLocks noGrp="1" noRot="1" noChangeAspect="1"/>
-          </p:cNvSpPr>
+          <p:cNvSpPr/>
           <p:nvPr>
-            <p:ph type="sldImg" idx="2"/>
+            <p:ph idx="2" type="sldImg"/>
           </p:nvPr>
         </p:nvSpPr>
         <p:spPr>
@@ -1730,13 +1761,9 @@
             <a:ext cx="6096000" cy="3429000"/>
           </a:xfrm>
           <a:custGeom>
-            <a:avLst/>
-            <a:gdLst/>
-            <a:ahLst/>
-            <a:cxnLst/>
-            <a:rect l="l" t="t" r="r" b="b"/>
+            <a:rect b="b" l="l" r="r" t="t"/>
             <a:pathLst>
-              <a:path w="120000" h="120000" extrusionOk="0">
+              <a:path extrusionOk="0" h="120000" w="120000">
                 <a:moveTo>
                   <a:pt x="0" y="0"/>
                 </a:moveTo>
@@ -1758,11 +1785,9 @@
       <p:sp>
         <p:nvSpPr>
           <p:cNvPr id="69" name="Google Shape;69;gaf0ec02523_0_0:notes"/>
-          <p:cNvSpPr txBox="1">
-            <a:spLocks noGrp="1"/>
-          </p:cNvSpPr>
+          <p:cNvSpPr txBox="1"/>
           <p:nvPr>
-            <p:ph type="body" idx="1"/>
+            <p:ph idx="1" type="body"/>
           </p:nvPr>
         </p:nvSpPr>
         <p:spPr>
@@ -1775,12 +1800,12 @@
           </a:prstGeom>
         </p:spPr>
         <p:txBody>
-          <a:bodyPr spcFirstLastPara="1" wrap="square" lIns="91425" tIns="91425" rIns="91425" bIns="91425" anchor="t" anchorCtr="0">
+          <a:bodyPr anchorCtr="0" anchor="t" bIns="91425" lIns="91425" spcFirstLastPara="1" rIns="91425" wrap="square" tIns="91425">
             <a:noAutofit/>
           </a:bodyPr>
           <a:lstStyle/>
           <a:p>
-            <a:pPr marL="0" lvl="0" indent="0" algn="l" rtl="0">
+            <a:pPr indent="0" lvl="0" marL="0" rtl="0" algn="l">
               <a:spcBef>
                 <a:spcPts val="0"/>
               </a:spcBef>
@@ -1789,6 +1814,9 @@
               </a:spcAft>
               <a:buNone/>
             </a:pPr>
+            <a:r>
+              <a:t/>
+            </a:r>
             <a:endParaRPr/>
           </a:p>
         </p:txBody>
@@ -1802,11 +1830,11 @@
 </file>
 
 <file path=ppt/notesSlides/notesSlide4.xml><?xml version="1.0" encoding="utf-8"?>
-<p:notes xmlns:a="http://schemas.openxmlformats.org/drawingml/2006/main" xmlns:r="http://schemas.openxmlformats.org/officeDocument/2006/relationships" xmlns:p="http://schemas.openxmlformats.org/presentationml/2006/main" showMasterSp="0" showMasterPhAnim="0">
+<p:notes xmlns:a="http://schemas.openxmlformats.org/drawingml/2006/main" xmlns:r="http://schemas.openxmlformats.org/officeDocument/2006/relationships" xmlns:mc="http://schemas.openxmlformats.org/markup-compatibility/2006" xmlns:mv="urn:schemas-microsoft-com:mac:vml" xmlns:p="http://schemas.openxmlformats.org/presentationml/2006/main" xmlns:c="http://schemas.openxmlformats.org/drawingml/2006/chart" xmlns:dgm="http://schemas.openxmlformats.org/drawingml/2006/diagram" xmlns:o="urn:schemas-microsoft-com:office:office" xmlns:v="urn:schemas-microsoft-com:vml" xmlns:pvml="urn:schemas-microsoft-com:office:powerpoint" xmlns:com="http://schemas.openxmlformats.org/drawingml/2006/compatibility" xmlns:p14="http://schemas.microsoft.com/office/powerpoint/2010/main" xmlns:p15="http://schemas.microsoft.com/office/powerpoint/2012/main" xmlns:ahyp="http://schemas.microsoft.com/office/drawing/2018/hyperlinkcolor" showMasterPhAnim="0" showMasterSp="0">
   <p:cSld>
     <p:spTree>
       <p:nvGrpSpPr>
-        <p:cNvPr id="1" name="Shape 73"/>
+        <p:cNvPr id="73" name="Shape 73"/>
         <p:cNvGrpSpPr/>
         <p:nvPr/>
       </p:nvGrpSpPr>
@@ -1821,26 +1849,20 @@
       <p:sp>
         <p:nvSpPr>
           <p:cNvPr id="74" name="Google Shape;74;gaf181a3881_0_0:notes"/>
-          <p:cNvSpPr>
-            <a:spLocks noGrp="1" noRot="1" noChangeAspect="1"/>
-          </p:cNvSpPr>
+          <p:cNvSpPr/>
           <p:nvPr>
-            <p:ph type="sldImg" idx="2"/>
+            <p:ph idx="2" type="sldImg"/>
           </p:nvPr>
         </p:nvSpPr>
         <p:spPr>
           <a:xfrm>
-            <a:off x="381000" y="685800"/>
+            <a:off x="381300" y="685800"/>
             <a:ext cx="6096000" cy="3429000"/>
           </a:xfrm>
           <a:custGeom>
-            <a:avLst/>
-            <a:gdLst/>
-            <a:ahLst/>
-            <a:cxnLst/>
-            <a:rect l="l" t="t" r="r" b="b"/>
+            <a:rect b="b" l="l" r="r" t="t"/>
             <a:pathLst>
-              <a:path w="120000" h="120000" extrusionOk="0">
+              <a:path extrusionOk="0" h="120000" w="120000">
                 <a:moveTo>
                   <a:pt x="0" y="0"/>
                 </a:moveTo>
@@ -1862,11 +1884,9 @@
       <p:sp>
         <p:nvSpPr>
           <p:cNvPr id="75" name="Google Shape;75;gaf181a3881_0_0:notes"/>
-          <p:cNvSpPr txBox="1">
-            <a:spLocks noGrp="1"/>
-          </p:cNvSpPr>
+          <p:cNvSpPr txBox="1"/>
           <p:nvPr>
-            <p:ph type="body" idx="1"/>
+            <p:ph idx="1" type="body"/>
           </p:nvPr>
         </p:nvSpPr>
         <p:spPr>
@@ -1879,12 +1899,12 @@
           </a:prstGeom>
         </p:spPr>
         <p:txBody>
-          <a:bodyPr spcFirstLastPara="1" wrap="square" lIns="91425" tIns="91425" rIns="91425" bIns="91425" anchor="t" anchorCtr="0">
+          <a:bodyPr anchorCtr="0" anchor="t" bIns="91425" lIns="91425" spcFirstLastPara="1" rIns="91425" wrap="square" tIns="91425">
             <a:noAutofit/>
           </a:bodyPr>
           <a:lstStyle/>
           <a:p>
-            <a:pPr marL="0" lvl="0" indent="0" algn="l" rtl="0">
+            <a:pPr indent="0" lvl="0" marL="0" rtl="0" algn="l">
               <a:spcBef>
                 <a:spcPts val="0"/>
               </a:spcBef>
@@ -1893,6 +1913,9 @@
               </a:spcAft>
               <a:buNone/>
             </a:pPr>
+            <a:r>
+              <a:t/>
+            </a:r>
             <a:endParaRPr/>
           </a:p>
         </p:txBody>
@@ -1906,11 +1929,11 @@
 </file>
 
 <file path=ppt/notesSlides/notesSlide5.xml><?xml version="1.0" encoding="utf-8"?>
-<p:notes xmlns:a="http://schemas.openxmlformats.org/drawingml/2006/main" xmlns:r="http://schemas.openxmlformats.org/officeDocument/2006/relationships" xmlns:p="http://schemas.openxmlformats.org/presentationml/2006/main" showMasterSp="0" showMasterPhAnim="0">
+<p:notes xmlns:a="http://schemas.openxmlformats.org/drawingml/2006/main" xmlns:r="http://schemas.openxmlformats.org/officeDocument/2006/relationships" xmlns:mc="http://schemas.openxmlformats.org/markup-compatibility/2006" xmlns:mv="urn:schemas-microsoft-com:mac:vml" xmlns:p="http://schemas.openxmlformats.org/presentationml/2006/main" xmlns:c="http://schemas.openxmlformats.org/drawingml/2006/chart" xmlns:dgm="http://schemas.openxmlformats.org/drawingml/2006/diagram" xmlns:o="urn:schemas-microsoft-com:office:office" xmlns:v="urn:schemas-microsoft-com:vml" xmlns:pvml="urn:schemas-microsoft-com:office:powerpoint" xmlns:com="http://schemas.openxmlformats.org/drawingml/2006/compatibility" xmlns:p14="http://schemas.microsoft.com/office/powerpoint/2010/main" xmlns:p15="http://schemas.microsoft.com/office/powerpoint/2012/main" xmlns:ahyp="http://schemas.microsoft.com/office/drawing/2018/hyperlinkcolor" showMasterPhAnim="0" showMasterSp="0">
   <p:cSld>
     <p:spTree>
       <p:nvGrpSpPr>
-        <p:cNvPr id="1" name="Shape 81"/>
+        <p:cNvPr id="81" name="Shape 81"/>
         <p:cNvGrpSpPr/>
         <p:nvPr/>
       </p:nvGrpSpPr>
@@ -1925,26 +1948,20 @@
       <p:sp>
         <p:nvSpPr>
           <p:cNvPr id="82" name="Google Shape;82;ga5c0348919_0_6:notes"/>
-          <p:cNvSpPr>
-            <a:spLocks noGrp="1" noRot="1" noChangeAspect="1"/>
-          </p:cNvSpPr>
+          <p:cNvSpPr/>
           <p:nvPr>
-            <p:ph type="sldImg" idx="2"/>
+            <p:ph idx="2" type="sldImg"/>
           </p:nvPr>
         </p:nvSpPr>
         <p:spPr>
           <a:xfrm>
-            <a:off x="381000" y="685800"/>
+            <a:off x="381300" y="685800"/>
             <a:ext cx="6096000" cy="3429000"/>
           </a:xfrm>
           <a:custGeom>
-            <a:avLst/>
-            <a:gdLst/>
-            <a:ahLst/>
-            <a:cxnLst/>
-            <a:rect l="l" t="t" r="r" b="b"/>
+            <a:rect b="b" l="l" r="r" t="t"/>
             <a:pathLst>
-              <a:path w="120000" h="120000" extrusionOk="0">
+              <a:path extrusionOk="0" h="120000" w="120000">
                 <a:moveTo>
                   <a:pt x="0" y="0"/>
                 </a:moveTo>
@@ -1966,11 +1983,9 @@
       <p:sp>
         <p:nvSpPr>
           <p:cNvPr id="83" name="Google Shape;83;ga5c0348919_0_6:notes"/>
-          <p:cNvSpPr txBox="1">
-            <a:spLocks noGrp="1"/>
-          </p:cNvSpPr>
+          <p:cNvSpPr txBox="1"/>
           <p:nvPr>
-            <p:ph type="body" idx="1"/>
+            <p:ph idx="1" type="body"/>
           </p:nvPr>
         </p:nvSpPr>
         <p:spPr>
@@ -1983,12 +1998,12 @@
           </a:prstGeom>
         </p:spPr>
         <p:txBody>
-          <a:bodyPr spcFirstLastPara="1" wrap="square" lIns="91425" tIns="91425" rIns="91425" bIns="91425" anchor="t" anchorCtr="0">
+          <a:bodyPr anchorCtr="0" anchor="t" bIns="91425" lIns="91425" spcFirstLastPara="1" rIns="91425" wrap="square" tIns="91425">
             <a:noAutofit/>
           </a:bodyPr>
           <a:lstStyle/>
           <a:p>
-            <a:pPr marL="0" lvl="0" indent="0" algn="l" rtl="0">
+            <a:pPr indent="0" lvl="0" marL="0" rtl="0" algn="l">
               <a:spcBef>
                 <a:spcPts val="0"/>
               </a:spcBef>
@@ -1997,6 +2012,9 @@
               </a:spcAft>
               <a:buNone/>
             </a:pPr>
+            <a:r>
+              <a:t/>
+            </a:r>
             <a:endParaRPr/>
           </a:p>
         </p:txBody>
@@ -2010,11 +2028,11 @@
 </file>
 
 <file path=ppt/notesSlides/notesSlide6.xml><?xml version="1.0" encoding="utf-8"?>
-<p:notes xmlns:a="http://schemas.openxmlformats.org/drawingml/2006/main" xmlns:r="http://schemas.openxmlformats.org/officeDocument/2006/relationships" xmlns:p="http://schemas.openxmlformats.org/presentationml/2006/main" showMasterSp="0" showMasterPhAnim="0">
+<p:notes xmlns:a="http://schemas.openxmlformats.org/drawingml/2006/main" xmlns:r="http://schemas.openxmlformats.org/officeDocument/2006/relationships" xmlns:mc="http://schemas.openxmlformats.org/markup-compatibility/2006" xmlns:mv="urn:schemas-microsoft-com:mac:vml" xmlns:p="http://schemas.openxmlformats.org/presentationml/2006/main" xmlns:c="http://schemas.openxmlformats.org/drawingml/2006/chart" xmlns:dgm="http://schemas.openxmlformats.org/drawingml/2006/diagram" xmlns:o="urn:schemas-microsoft-com:office:office" xmlns:v="urn:schemas-microsoft-com:vml" xmlns:pvml="urn:schemas-microsoft-com:office:powerpoint" xmlns:com="http://schemas.openxmlformats.org/drawingml/2006/compatibility" xmlns:p14="http://schemas.microsoft.com/office/powerpoint/2010/main" xmlns:p15="http://schemas.microsoft.com/office/powerpoint/2012/main" xmlns:ahyp="http://schemas.microsoft.com/office/drawing/2018/hyperlinkcolor" showMasterPhAnim="0" showMasterSp="0">
   <p:cSld>
     <p:spTree>
       <p:nvGrpSpPr>
-        <p:cNvPr id="1" name="Shape 87"/>
+        <p:cNvPr id="87" name="Shape 87"/>
         <p:cNvGrpSpPr/>
         <p:nvPr/>
       </p:nvGrpSpPr>
@@ -2029,26 +2047,20 @@
       <p:sp>
         <p:nvSpPr>
           <p:cNvPr id="88" name="Google Shape;88;gaf181a3881_0_57:notes"/>
-          <p:cNvSpPr>
-            <a:spLocks noGrp="1" noRot="1" noChangeAspect="1"/>
-          </p:cNvSpPr>
+          <p:cNvSpPr/>
           <p:nvPr>
-            <p:ph type="sldImg" idx="2"/>
+            <p:ph idx="2" type="sldImg"/>
           </p:nvPr>
         </p:nvSpPr>
         <p:spPr>
           <a:xfrm>
-            <a:off x="381000" y="685800"/>
+            <a:off x="381300" y="685800"/>
             <a:ext cx="6096000" cy="3429000"/>
           </a:xfrm>
           <a:custGeom>
-            <a:avLst/>
-            <a:gdLst/>
-            <a:ahLst/>
-            <a:cxnLst/>
-            <a:rect l="l" t="t" r="r" b="b"/>
+            <a:rect b="b" l="l" r="r" t="t"/>
             <a:pathLst>
-              <a:path w="120000" h="120000" extrusionOk="0">
+              <a:path extrusionOk="0" h="120000" w="120000">
                 <a:moveTo>
                   <a:pt x="0" y="0"/>
                 </a:moveTo>
@@ -2070,11 +2082,9 @@
       <p:sp>
         <p:nvSpPr>
           <p:cNvPr id="89" name="Google Shape;89;gaf181a3881_0_57:notes"/>
-          <p:cNvSpPr txBox="1">
-            <a:spLocks noGrp="1"/>
-          </p:cNvSpPr>
+          <p:cNvSpPr txBox="1"/>
           <p:nvPr>
-            <p:ph type="body" idx="1"/>
+            <p:ph idx="1" type="body"/>
           </p:nvPr>
         </p:nvSpPr>
         <p:spPr>
@@ -2087,12 +2097,12 @@
           </a:prstGeom>
         </p:spPr>
         <p:txBody>
-          <a:bodyPr spcFirstLastPara="1" wrap="square" lIns="91425" tIns="91425" rIns="91425" bIns="91425" anchor="t" anchorCtr="0">
+          <a:bodyPr anchorCtr="0" anchor="t" bIns="91425" lIns="91425" spcFirstLastPara="1" rIns="91425" wrap="square" tIns="91425">
             <a:noAutofit/>
           </a:bodyPr>
           <a:lstStyle/>
           <a:p>
-            <a:pPr marL="0" lvl="0" indent="0" algn="l" rtl="0">
+            <a:pPr indent="0" lvl="0" marL="0" rtl="0" algn="l">
               <a:spcBef>
                 <a:spcPts val="0"/>
               </a:spcBef>
@@ -2101,6 +2111,9 @@
               </a:spcAft>
               <a:buNone/>
             </a:pPr>
+            <a:r>
+              <a:t/>
+            </a:r>
             <a:endParaRPr/>
           </a:p>
         </p:txBody>
@@ -2114,11 +2127,11 @@
 </file>
 
 <file path=ppt/notesSlides/notesSlide7.xml><?xml version="1.0" encoding="utf-8"?>
-<p:notes xmlns:a="http://schemas.openxmlformats.org/drawingml/2006/main" xmlns:r="http://schemas.openxmlformats.org/officeDocument/2006/relationships" xmlns:p="http://schemas.openxmlformats.org/presentationml/2006/main" showMasterSp="0" showMasterPhAnim="0">
+<p:notes xmlns:a="http://schemas.openxmlformats.org/drawingml/2006/main" xmlns:r="http://schemas.openxmlformats.org/officeDocument/2006/relationships" xmlns:mc="http://schemas.openxmlformats.org/markup-compatibility/2006" xmlns:mv="urn:schemas-microsoft-com:mac:vml" xmlns:p="http://schemas.openxmlformats.org/presentationml/2006/main" xmlns:c="http://schemas.openxmlformats.org/drawingml/2006/chart" xmlns:dgm="http://schemas.openxmlformats.org/drawingml/2006/diagram" xmlns:o="urn:schemas-microsoft-com:office:office" xmlns:v="urn:schemas-microsoft-com:vml" xmlns:pvml="urn:schemas-microsoft-com:office:powerpoint" xmlns:com="http://schemas.openxmlformats.org/drawingml/2006/compatibility" xmlns:p14="http://schemas.microsoft.com/office/powerpoint/2010/main" xmlns:p15="http://schemas.microsoft.com/office/powerpoint/2012/main" xmlns:ahyp="http://schemas.microsoft.com/office/drawing/2018/hyperlinkcolor" showMasterPhAnim="0" showMasterSp="0">
   <p:cSld>
     <p:spTree>
       <p:nvGrpSpPr>
-        <p:cNvPr id="1" name="Shape 93"/>
+        <p:cNvPr id="93" name="Shape 93"/>
         <p:cNvGrpSpPr/>
         <p:nvPr/>
       </p:nvGrpSpPr>
@@ -2133,26 +2146,20 @@
       <p:sp>
         <p:nvSpPr>
           <p:cNvPr id="94" name="Google Shape;94;gaf181a3881_0_112:notes"/>
-          <p:cNvSpPr>
-            <a:spLocks noGrp="1" noRot="1" noChangeAspect="1"/>
-          </p:cNvSpPr>
+          <p:cNvSpPr/>
           <p:nvPr>
-            <p:ph type="sldImg" idx="2"/>
+            <p:ph idx="2" type="sldImg"/>
           </p:nvPr>
         </p:nvSpPr>
         <p:spPr>
           <a:xfrm>
-            <a:off x="381000" y="685800"/>
+            <a:off x="381300" y="685800"/>
             <a:ext cx="6096000" cy="3429000"/>
           </a:xfrm>
           <a:custGeom>
-            <a:avLst/>
-            <a:gdLst/>
-            <a:ahLst/>
-            <a:cxnLst/>
-            <a:rect l="l" t="t" r="r" b="b"/>
+            <a:rect b="b" l="l" r="r" t="t"/>
             <a:pathLst>
-              <a:path w="120000" h="120000" extrusionOk="0">
+              <a:path extrusionOk="0" h="120000" w="120000">
                 <a:moveTo>
                   <a:pt x="0" y="0"/>
                 </a:moveTo>
@@ -2174,11 +2181,9 @@
       <p:sp>
         <p:nvSpPr>
           <p:cNvPr id="95" name="Google Shape;95;gaf181a3881_0_112:notes"/>
-          <p:cNvSpPr txBox="1">
-            <a:spLocks noGrp="1"/>
-          </p:cNvSpPr>
+          <p:cNvSpPr txBox="1"/>
           <p:nvPr>
-            <p:ph type="body" idx="1"/>
+            <p:ph idx="1" type="body"/>
           </p:nvPr>
         </p:nvSpPr>
         <p:spPr>
@@ -2191,12 +2196,12 @@
           </a:prstGeom>
         </p:spPr>
         <p:txBody>
-          <a:bodyPr spcFirstLastPara="1" wrap="square" lIns="91425" tIns="91425" rIns="91425" bIns="91425" anchor="t" anchorCtr="0">
+          <a:bodyPr anchorCtr="0" anchor="t" bIns="91425" lIns="91425" spcFirstLastPara="1" rIns="91425" wrap="square" tIns="91425">
             <a:noAutofit/>
           </a:bodyPr>
           <a:lstStyle/>
           <a:p>
-            <a:pPr marL="0" lvl="0" indent="0" algn="l" rtl="0">
+            <a:pPr indent="0" lvl="0" marL="0" rtl="0" algn="l">
               <a:spcBef>
                 <a:spcPts val="0"/>
               </a:spcBef>
@@ -2205,6 +2210,9 @@
               </a:spcAft>
               <a:buNone/>
             </a:pPr>
+            <a:r>
+              <a:t/>
+            </a:r>
             <a:endParaRPr/>
           </a:p>
         </p:txBody>
@@ -2218,11 +2226,11 @@
 </file>
 
 <file path=ppt/notesSlides/notesSlide8.xml><?xml version="1.0" encoding="utf-8"?>
-<p:notes xmlns:a="http://schemas.openxmlformats.org/drawingml/2006/main" xmlns:r="http://schemas.openxmlformats.org/officeDocument/2006/relationships" xmlns:p="http://schemas.openxmlformats.org/presentationml/2006/main" showMasterSp="0" showMasterPhAnim="0">
+<p:notes xmlns:a="http://schemas.openxmlformats.org/drawingml/2006/main" xmlns:r="http://schemas.openxmlformats.org/officeDocument/2006/relationships" xmlns:mc="http://schemas.openxmlformats.org/markup-compatibility/2006" xmlns:mv="urn:schemas-microsoft-com:mac:vml" xmlns:p="http://schemas.openxmlformats.org/presentationml/2006/main" xmlns:c="http://schemas.openxmlformats.org/drawingml/2006/chart" xmlns:dgm="http://schemas.openxmlformats.org/drawingml/2006/diagram" xmlns:o="urn:schemas-microsoft-com:office:office" xmlns:v="urn:schemas-microsoft-com:vml" xmlns:pvml="urn:schemas-microsoft-com:office:powerpoint" xmlns:com="http://schemas.openxmlformats.org/drawingml/2006/compatibility" xmlns:p14="http://schemas.microsoft.com/office/powerpoint/2010/main" xmlns:p15="http://schemas.microsoft.com/office/powerpoint/2012/main" xmlns:ahyp="http://schemas.microsoft.com/office/drawing/2018/hyperlinkcolor" showMasterPhAnim="0" showMasterSp="0">
   <p:cSld>
     <p:spTree>
       <p:nvGrpSpPr>
-        <p:cNvPr id="1" name="Shape 105"/>
+        <p:cNvPr id="105" name="Shape 105"/>
         <p:cNvGrpSpPr/>
         <p:nvPr/>
       </p:nvGrpSpPr>
@@ -2237,11 +2245,9 @@
       <p:sp>
         <p:nvSpPr>
           <p:cNvPr id="106" name="Google Shape;106;gaf0ec02523_0_20:notes"/>
-          <p:cNvSpPr>
-            <a:spLocks noGrp="1" noRot="1" noChangeAspect="1"/>
-          </p:cNvSpPr>
+          <p:cNvSpPr/>
           <p:nvPr>
-            <p:ph type="sldImg" idx="2"/>
+            <p:ph idx="2" type="sldImg"/>
           </p:nvPr>
         </p:nvSpPr>
         <p:spPr>
@@ -2250,13 +2256,9 @@
             <a:ext cx="6096000" cy="3429000"/>
           </a:xfrm>
           <a:custGeom>
-            <a:avLst/>
-            <a:gdLst/>
-            <a:ahLst/>
-            <a:cxnLst/>
-            <a:rect l="l" t="t" r="r" b="b"/>
+            <a:rect b="b" l="l" r="r" t="t"/>
             <a:pathLst>
-              <a:path w="120000" h="120000" extrusionOk="0">
+              <a:path extrusionOk="0" h="120000" w="120000">
                 <a:moveTo>
                   <a:pt x="0" y="0"/>
                 </a:moveTo>
@@ -2278,11 +2280,9 @@
       <p:sp>
         <p:nvSpPr>
           <p:cNvPr id="107" name="Google Shape;107;gaf0ec02523_0_20:notes"/>
-          <p:cNvSpPr txBox="1">
-            <a:spLocks noGrp="1"/>
-          </p:cNvSpPr>
+          <p:cNvSpPr txBox="1"/>
           <p:nvPr>
-            <p:ph type="body" idx="1"/>
+            <p:ph idx="1" type="body"/>
           </p:nvPr>
         </p:nvSpPr>
         <p:spPr>
@@ -2295,12 +2295,12 @@
           </a:prstGeom>
         </p:spPr>
         <p:txBody>
-          <a:bodyPr spcFirstLastPara="1" wrap="square" lIns="91425" tIns="91425" rIns="91425" bIns="91425" anchor="t" anchorCtr="0">
+          <a:bodyPr anchorCtr="0" anchor="t" bIns="91425" lIns="91425" spcFirstLastPara="1" rIns="91425" wrap="square" tIns="91425">
             <a:noAutofit/>
           </a:bodyPr>
           <a:lstStyle/>
           <a:p>
-            <a:pPr marL="0" lvl="0" indent="0" algn="l" rtl="0">
+            <a:pPr indent="0" lvl="0" marL="0" rtl="0" algn="l">
               <a:lnSpc>
                 <a:spcPct val="115000"/>
               </a:lnSpc>
@@ -2317,6 +2317,9 @@
               <a:buFont typeface="Arial"/>
               <a:buNone/>
             </a:pPr>
+            <a:r>
+              <a:t/>
+            </a:r>
             <a:endParaRPr sz="900"/>
           </a:p>
         </p:txBody>
@@ -2330,11 +2333,11 @@
 </file>
 
 <file path=ppt/notesSlides/notesSlide9.xml><?xml version="1.0" encoding="utf-8"?>
-<p:notes xmlns:a="http://schemas.openxmlformats.org/drawingml/2006/main" xmlns:r="http://schemas.openxmlformats.org/officeDocument/2006/relationships" xmlns:p="http://schemas.openxmlformats.org/presentationml/2006/main" showMasterSp="0" showMasterPhAnim="0">
+<p:notes xmlns:a="http://schemas.openxmlformats.org/drawingml/2006/main" xmlns:r="http://schemas.openxmlformats.org/officeDocument/2006/relationships" xmlns:mc="http://schemas.openxmlformats.org/markup-compatibility/2006" xmlns:mv="urn:schemas-microsoft-com:mac:vml" xmlns:p="http://schemas.openxmlformats.org/presentationml/2006/main" xmlns:c="http://schemas.openxmlformats.org/drawingml/2006/chart" xmlns:dgm="http://schemas.openxmlformats.org/drawingml/2006/diagram" xmlns:o="urn:schemas-microsoft-com:office:office" xmlns:v="urn:schemas-microsoft-com:vml" xmlns:pvml="urn:schemas-microsoft-com:office:powerpoint" xmlns:com="http://schemas.openxmlformats.org/drawingml/2006/compatibility" xmlns:p14="http://schemas.microsoft.com/office/powerpoint/2010/main" xmlns:p15="http://schemas.microsoft.com/office/powerpoint/2012/main" xmlns:ahyp="http://schemas.microsoft.com/office/drawing/2018/hyperlinkcolor" showMasterPhAnim="0" showMasterSp="0">
   <p:cSld>
     <p:spTree>
       <p:nvGrpSpPr>
-        <p:cNvPr id="1" name="Shape 114"/>
+        <p:cNvPr id="114" name="Shape 114"/>
         <p:cNvGrpSpPr/>
         <p:nvPr/>
       </p:nvGrpSpPr>
@@ -2348,27 +2351,21 @@
       </p:grpSpPr>
       <p:sp>
         <p:nvSpPr>
-          <p:cNvPr id="115" name="Google Shape;115;ga5c0348919_0_21:notes"/>
-          <p:cNvSpPr>
-            <a:spLocks noGrp="1" noRot="1" noChangeAspect="1"/>
-          </p:cNvSpPr>
+          <p:cNvPr id="115" name="Google Shape;115;gaf4852682a_1_0:notes"/>
+          <p:cNvSpPr/>
           <p:nvPr>
-            <p:ph type="sldImg" idx="2"/>
+            <p:ph idx="2" type="sldImg"/>
           </p:nvPr>
         </p:nvSpPr>
         <p:spPr>
           <a:xfrm>
-            <a:off x="381000" y="685800"/>
+            <a:off x="381300" y="685800"/>
             <a:ext cx="6096000" cy="3429000"/>
           </a:xfrm>
           <a:custGeom>
-            <a:avLst/>
-            <a:gdLst/>
-            <a:ahLst/>
-            <a:cxnLst/>
-            <a:rect l="l" t="t" r="r" b="b"/>
+            <a:rect b="b" l="l" r="r" t="t"/>
             <a:pathLst>
-              <a:path w="120000" h="120000" extrusionOk="0">
+              <a:path extrusionOk="0" h="120000" w="120000">
                 <a:moveTo>
                   <a:pt x="0" y="0"/>
                 </a:moveTo>
@@ -2389,12 +2386,10 @@
       </p:sp>
       <p:sp>
         <p:nvSpPr>
-          <p:cNvPr id="116" name="Google Shape;116;ga5c0348919_0_21:notes"/>
-          <p:cNvSpPr txBox="1">
-            <a:spLocks noGrp="1"/>
-          </p:cNvSpPr>
+          <p:cNvPr id="116" name="Google Shape;116;gaf4852682a_1_0:notes"/>
+          <p:cNvSpPr txBox="1"/>
           <p:nvPr>
-            <p:ph type="body" idx="1"/>
+            <p:ph idx="1" type="body"/>
           </p:nvPr>
         </p:nvSpPr>
         <p:spPr>
@@ -2407,12 +2402,12 @@
           </a:prstGeom>
         </p:spPr>
         <p:txBody>
-          <a:bodyPr spcFirstLastPara="1" wrap="square" lIns="91425" tIns="91425" rIns="91425" bIns="91425" anchor="t" anchorCtr="0">
+          <a:bodyPr anchorCtr="0" anchor="t" bIns="91425" lIns="91425" spcFirstLastPara="1" rIns="91425" wrap="square" tIns="91425">
             <a:noAutofit/>
           </a:bodyPr>
           <a:lstStyle/>
           <a:p>
-            <a:pPr marL="0" lvl="0" indent="0" algn="l" rtl="0">
+            <a:pPr indent="0" lvl="0" marL="0" rtl="0" algn="l">
               <a:spcBef>
                 <a:spcPts val="0"/>
               </a:spcBef>
@@ -2421,6 +2416,9 @@
               </a:spcAft>
               <a:buNone/>
             </a:pPr>
+            <a:r>
+              <a:t/>
+            </a:r>
             <a:endParaRPr/>
           </a:p>
         </p:txBody>
@@ -2434,19 +2432,18 @@
 </file>
 
 <file path=ppt/slideLayouts/slideLayout1.xml><?xml version="1.0" encoding="utf-8"?>
-<p:sldLayout xmlns:a="http://schemas.openxmlformats.org/drawingml/2006/main" xmlns:r="http://schemas.openxmlformats.org/officeDocument/2006/relationships" xmlns:p="http://schemas.openxmlformats.org/presentationml/2006/main" matchingName="Title slide" type="title">
+<p:sldLayout xmlns:a="http://schemas.openxmlformats.org/drawingml/2006/main" xmlns:r="http://schemas.openxmlformats.org/officeDocument/2006/relationships" xmlns:mc="http://schemas.openxmlformats.org/markup-compatibility/2006" xmlns:mv="urn:schemas-microsoft-com:mac:vml" xmlns:p="http://schemas.openxmlformats.org/presentationml/2006/main" xmlns:c="http://schemas.openxmlformats.org/drawingml/2006/chart" xmlns:dgm="http://schemas.openxmlformats.org/drawingml/2006/diagram" xmlns:o="urn:schemas-microsoft-com:office:office" xmlns:v="urn:schemas-microsoft-com:vml" xmlns:pvml="urn:schemas-microsoft-com:office:powerpoint" xmlns:com="http://schemas.openxmlformats.org/drawingml/2006/compatibility" xmlns:p14="http://schemas.microsoft.com/office/powerpoint/2010/main" xmlns:p15="http://schemas.microsoft.com/office/powerpoint/2012/main" xmlns:ahyp="http://schemas.microsoft.com/office/drawing/2018/hyperlinkcolor" matchingName="Title slide" type="title">
   <p:cSld name="TITLE">
     <p:bg>
       <p:bgPr>
         <a:solidFill>
           <a:schemeClr val="dk1"/>
         </a:solidFill>
-        <a:effectLst/>
       </p:bgPr>
     </p:bg>
     <p:spTree>
       <p:nvGrpSpPr>
-        <p:cNvPr id="1" name="Shape 9"/>
+        <p:cNvPr id="9" name="Shape 9"/>
         <p:cNvGrpSpPr/>
         <p:nvPr/>
       </p:nvGrpSpPr>
@@ -2473,23 +2470,21 @@
             <a:avLst/>
           </a:prstGeom>
           <a:noFill/>
-          <a:ln w="19050" cap="flat" cmpd="sng">
+          <a:ln cap="flat" cmpd="sng" w="19050">
             <a:solidFill>
               <a:schemeClr val="lt2"/>
             </a:solidFill>
             <a:prstDash val="solid"/>
             <a:round/>
-            <a:headEnd type="none" w="sm" len="sm"/>
-            <a:tailEnd type="none" w="sm" len="sm"/>
+            <a:headEnd len="sm" w="sm" type="none"/>
+            <a:tailEnd len="sm" w="sm" type="none"/>
           </a:ln>
         </p:spPr>
       </p:cxnSp>
       <p:sp>
         <p:nvSpPr>
           <p:cNvPr id="11" name="Google Shape;11;p2"/>
-          <p:cNvSpPr txBox="1">
-            <a:spLocks noGrp="1"/>
-          </p:cNvSpPr>
+          <p:cNvSpPr txBox="1"/>
           <p:nvPr>
             <p:ph type="ctrTitle"/>
           </p:nvPr>
@@ -2504,7 +2499,7 @@
           </a:prstGeom>
         </p:spPr>
         <p:txBody>
-          <a:bodyPr spcFirstLastPara="1" wrap="square" lIns="91425" tIns="91425" rIns="91425" bIns="91425" anchor="b" anchorCtr="0">
+          <a:bodyPr anchorCtr="0" anchor="b" bIns="91425" lIns="91425" spcFirstLastPara="1" rIns="91425" wrap="square" tIns="91425">
             <a:noAutofit/>
           </a:bodyPr>
           <a:lstStyle>
@@ -2671,19 +2666,15 @@
               </a:defRPr>
             </a:lvl9pPr>
           </a:lstStyle>
-          <a:p>
-            <a:endParaRPr/>
-          </a:p>
+          <a:p/>
         </p:txBody>
       </p:sp>
       <p:sp>
         <p:nvSpPr>
           <p:cNvPr id="12" name="Google Shape;12;p2"/>
-          <p:cNvSpPr txBox="1">
-            <a:spLocks noGrp="1"/>
-          </p:cNvSpPr>
+          <p:cNvSpPr txBox="1"/>
           <p:nvPr>
-            <p:ph type="subTitle" idx="1"/>
+            <p:ph idx="1" type="subTitle"/>
           </p:nvPr>
         </p:nvSpPr>
         <p:spPr>
@@ -2696,7 +2687,7 @@
           </a:prstGeom>
         </p:spPr>
         <p:txBody>
-          <a:bodyPr spcFirstLastPara="1" wrap="square" lIns="91425" tIns="91425" rIns="91425" bIns="91425" anchor="t" anchorCtr="0">
+          <a:bodyPr anchorCtr="0" anchor="t" bIns="91425" lIns="91425" spcFirstLastPara="1" rIns="91425" wrap="square" tIns="91425">
             <a:noAutofit/>
           </a:bodyPr>
           <a:lstStyle>
@@ -2890,19 +2881,15 @@
               </a:defRPr>
             </a:lvl9pPr>
           </a:lstStyle>
-          <a:p>
-            <a:endParaRPr/>
-          </a:p>
+          <a:p/>
         </p:txBody>
       </p:sp>
       <p:sp>
         <p:nvSpPr>
           <p:cNvPr id="13" name="Google Shape;13;p2"/>
-          <p:cNvSpPr txBox="1">
-            <a:spLocks noGrp="1"/>
-          </p:cNvSpPr>
+          <p:cNvSpPr txBox="1"/>
           <p:nvPr>
-            <p:ph type="sldNum" idx="12"/>
+            <p:ph idx="12" type="sldNum"/>
           </p:nvPr>
         </p:nvSpPr>
         <p:spPr>
@@ -2915,7 +2902,7 @@
           </a:prstGeom>
         </p:spPr>
         <p:txBody>
-          <a:bodyPr spcFirstLastPara="1" wrap="square" lIns="91425" tIns="91425" rIns="91425" bIns="91425" anchor="ctr" anchorCtr="0">
+          <a:bodyPr anchorCtr="0" anchor="ctr" bIns="91425" lIns="91425" spcFirstLastPara="1" rIns="91425" wrap="square" tIns="91425">
             <a:noAutofit/>
           </a:bodyPr>
           <a:lstStyle>
@@ -2993,7 +2980,7 @@
             </a:lvl9pPr>
           </a:lstStyle>
           <a:p>
-            <a:pPr marL="0" lvl="0" indent="0" algn="r" rtl="0">
+            <a:pPr indent="0" lvl="0" marL="0" rtl="0" algn="r">
               <a:spcBef>
                 <a:spcPts val="0"/>
               </a:spcBef>
@@ -3019,11 +3006,11 @@
 </file>
 
 <file path=ppt/slideLayouts/slideLayout10.xml><?xml version="1.0" encoding="utf-8"?>
-<p:sldLayout xmlns:a="http://schemas.openxmlformats.org/drawingml/2006/main" xmlns:r="http://schemas.openxmlformats.org/officeDocument/2006/relationships" xmlns:p="http://schemas.openxmlformats.org/presentationml/2006/main" matchingName="Big number">
+<p:sldLayout xmlns:a="http://schemas.openxmlformats.org/drawingml/2006/main" xmlns:r="http://schemas.openxmlformats.org/officeDocument/2006/relationships" xmlns:mc="http://schemas.openxmlformats.org/markup-compatibility/2006" xmlns:mv="urn:schemas-microsoft-com:mac:vml" xmlns:p="http://schemas.openxmlformats.org/presentationml/2006/main" xmlns:c="http://schemas.openxmlformats.org/drawingml/2006/chart" xmlns:dgm="http://schemas.openxmlformats.org/drawingml/2006/diagram" xmlns:o="urn:schemas-microsoft-com:office:office" xmlns:v="urn:schemas-microsoft-com:vml" xmlns:pvml="urn:schemas-microsoft-com:office:powerpoint" xmlns:com="http://schemas.openxmlformats.org/drawingml/2006/compatibility" xmlns:p14="http://schemas.microsoft.com/office/powerpoint/2010/main" xmlns:p15="http://schemas.microsoft.com/office/powerpoint/2012/main" xmlns:ahyp="http://schemas.microsoft.com/office/drawing/2018/hyperlinkcolor" matchingName="Big number">
   <p:cSld name="BIG_NUMBER">
     <p:spTree>
       <p:nvGrpSpPr>
-        <p:cNvPr id="1" name="Shape 48"/>
+        <p:cNvPr id="48" name="Shape 48"/>
         <p:cNvGrpSpPr/>
         <p:nvPr/>
       </p:nvGrpSpPr>
@@ -3057,12 +3044,12 @@
           </a:ln>
         </p:spPr>
         <p:txBody>
-          <a:bodyPr spcFirstLastPara="1" wrap="square" lIns="91425" tIns="91425" rIns="91425" bIns="91425" anchor="ctr" anchorCtr="0">
+          <a:bodyPr anchorCtr="0" anchor="ctr" bIns="91425" lIns="91425" spcFirstLastPara="1" rIns="91425" wrap="square" tIns="91425">
             <a:noAutofit/>
           </a:bodyPr>
           <a:lstStyle/>
           <a:p>
-            <a:pPr marL="0" lvl="0" indent="0" algn="l" rtl="0">
+            <a:pPr indent="0" lvl="0" marL="0" rtl="0" algn="l">
               <a:spcBef>
                 <a:spcPts val="0"/>
               </a:spcBef>
@@ -3071,6 +3058,9 @@
               </a:spcAft>
               <a:buNone/>
             </a:pPr>
+            <a:r>
+              <a:t/>
+            </a:r>
             <a:endParaRPr/>
           </a:p>
         </p:txBody>
@@ -3078,11 +3068,9 @@
       <p:sp>
         <p:nvSpPr>
           <p:cNvPr id="50" name="Google Shape;50;p11"/>
-          <p:cNvSpPr txBox="1">
-            <a:spLocks noGrp="1"/>
-          </p:cNvSpPr>
+          <p:cNvSpPr txBox="1"/>
           <p:nvPr>
-            <p:ph type="title" hasCustomPrompt="1"/>
+            <p:ph hasCustomPrompt="1" type="title"/>
           </p:nvPr>
         </p:nvSpPr>
         <p:spPr>
@@ -3095,7 +3083,7 @@
           </a:prstGeom>
         </p:spPr>
         <p:txBody>
-          <a:bodyPr spcFirstLastPara="1" wrap="square" lIns="91425" tIns="91425" rIns="91425" bIns="91425" anchor="ctr" anchorCtr="0">
+          <a:bodyPr anchorCtr="0" anchor="ctr" bIns="91425" lIns="91425" spcFirstLastPara="1" rIns="91425" wrap="square" tIns="91425">
             <a:noAutofit/>
           </a:bodyPr>
           <a:lstStyle>
@@ -3108,7 +3096,7 @@
               </a:spcAft>
               <a:buSzPts val="14000"/>
               <a:buNone/>
-              <a:defRPr sz="14000" b="1"/>
+              <a:defRPr b="1" sz="14000"/>
             </a:lvl1pPr>
             <a:lvl2pPr lvl="1" algn="ctr">
               <a:spcBef>
@@ -3119,7 +3107,7 @@
               </a:spcAft>
               <a:buSzPts val="14000"/>
               <a:buNone/>
-              <a:defRPr sz="14000" b="1"/>
+              <a:defRPr b="1" sz="14000"/>
             </a:lvl2pPr>
             <a:lvl3pPr lvl="2" algn="ctr">
               <a:spcBef>
@@ -3130,7 +3118,7 @@
               </a:spcAft>
               <a:buSzPts val="14000"/>
               <a:buNone/>
-              <a:defRPr sz="14000" b="1"/>
+              <a:defRPr b="1" sz="14000"/>
             </a:lvl3pPr>
             <a:lvl4pPr lvl="3" algn="ctr">
               <a:spcBef>
@@ -3141,7 +3129,7 @@
               </a:spcAft>
               <a:buSzPts val="14000"/>
               <a:buNone/>
-              <a:defRPr sz="14000" b="1"/>
+              <a:defRPr b="1" sz="14000"/>
             </a:lvl4pPr>
             <a:lvl5pPr lvl="4" algn="ctr">
               <a:spcBef>
@@ -3152,7 +3140,7 @@
               </a:spcAft>
               <a:buSzPts val="14000"/>
               <a:buNone/>
-              <a:defRPr sz="14000" b="1"/>
+              <a:defRPr b="1" sz="14000"/>
             </a:lvl5pPr>
             <a:lvl6pPr lvl="5" algn="ctr">
               <a:spcBef>
@@ -3163,7 +3151,7 @@
               </a:spcAft>
               <a:buSzPts val="14000"/>
               <a:buNone/>
-              <a:defRPr sz="14000" b="1"/>
+              <a:defRPr b="1" sz="14000"/>
             </a:lvl6pPr>
             <a:lvl7pPr lvl="6" algn="ctr">
               <a:spcBef>
@@ -3174,7 +3162,7 @@
               </a:spcAft>
               <a:buSzPts val="14000"/>
               <a:buNone/>
-              <a:defRPr sz="14000" b="1"/>
+              <a:defRPr b="1" sz="14000"/>
             </a:lvl7pPr>
             <a:lvl8pPr lvl="7" algn="ctr">
               <a:spcBef>
@@ -3185,7 +3173,7 @@
               </a:spcAft>
               <a:buSzPts val="14000"/>
               <a:buNone/>
-              <a:defRPr sz="14000" b="1"/>
+              <a:defRPr b="1" sz="14000"/>
             </a:lvl8pPr>
             <a:lvl9pPr lvl="8" algn="ctr">
               <a:spcBef>
@@ -3196,7 +3184,7 @@
               </a:spcAft>
               <a:buSzPts val="14000"/>
               <a:buNone/>
-              <a:defRPr sz="14000" b="1"/>
+              <a:defRPr b="1" sz="14000"/>
             </a:lvl9pPr>
           </a:lstStyle>
           <a:p>
@@ -3209,11 +3197,9 @@
       <p:sp>
         <p:nvSpPr>
           <p:cNvPr id="51" name="Google Shape;51;p11"/>
-          <p:cNvSpPr txBox="1">
-            <a:spLocks noGrp="1"/>
-          </p:cNvSpPr>
+          <p:cNvSpPr txBox="1"/>
           <p:nvPr>
-            <p:ph type="body" idx="1"/>
+            <p:ph idx="1" type="body"/>
           </p:nvPr>
         </p:nvSpPr>
         <p:spPr>
@@ -3226,11 +3212,11 @@
           </a:prstGeom>
         </p:spPr>
         <p:txBody>
-          <a:bodyPr spcFirstLastPara="1" wrap="square" lIns="91425" tIns="91425" rIns="91425" bIns="91425" anchor="t" anchorCtr="0">
+          <a:bodyPr anchorCtr="0" anchor="t" bIns="91425" lIns="91425" spcFirstLastPara="1" rIns="91425" wrap="square" tIns="91425">
             <a:noAutofit/>
           </a:bodyPr>
           <a:lstStyle>
-            <a:lvl1pPr marL="457200" lvl="0" indent="-342900" algn="ctr">
+            <a:lvl1pPr indent="-342900" lvl="0" marL="457200" algn="ctr">
               <a:spcBef>
                 <a:spcPts val="0"/>
               </a:spcBef>
@@ -3241,7 +3227,7 @@
               <a:buChar char="●"/>
               <a:defRPr/>
             </a:lvl1pPr>
-            <a:lvl2pPr marL="914400" lvl="1" indent="-317500" algn="ctr">
+            <a:lvl2pPr indent="-317500" lvl="1" marL="914400" algn="ctr">
               <a:spcBef>
                 <a:spcPts val="1600"/>
               </a:spcBef>
@@ -3252,7 +3238,7 @@
               <a:buChar char="○"/>
               <a:defRPr/>
             </a:lvl2pPr>
-            <a:lvl3pPr marL="1371600" lvl="2" indent="-317500" algn="ctr">
+            <a:lvl3pPr indent="-317500" lvl="2" marL="1371600" algn="ctr">
               <a:spcBef>
                 <a:spcPts val="1600"/>
               </a:spcBef>
@@ -3263,7 +3249,7 @@
               <a:buChar char="■"/>
               <a:defRPr/>
             </a:lvl3pPr>
-            <a:lvl4pPr marL="1828800" lvl="3" indent="-317500" algn="ctr">
+            <a:lvl4pPr indent="-317500" lvl="3" marL="1828800" algn="ctr">
               <a:spcBef>
                 <a:spcPts val="1600"/>
               </a:spcBef>
@@ -3274,7 +3260,7 @@
               <a:buChar char="●"/>
               <a:defRPr/>
             </a:lvl4pPr>
-            <a:lvl5pPr marL="2286000" lvl="4" indent="-317500" algn="ctr">
+            <a:lvl5pPr indent="-317500" lvl="4" marL="2286000" algn="ctr">
               <a:spcBef>
                 <a:spcPts val="1600"/>
               </a:spcBef>
@@ -3285,7 +3271,7 @@
               <a:buChar char="○"/>
               <a:defRPr/>
             </a:lvl5pPr>
-            <a:lvl6pPr marL="2743200" lvl="5" indent="-317500" algn="ctr">
+            <a:lvl6pPr indent="-317500" lvl="5" marL="2743200" algn="ctr">
               <a:spcBef>
                 <a:spcPts val="1600"/>
               </a:spcBef>
@@ -3296,7 +3282,7 @@
               <a:buChar char="■"/>
               <a:defRPr/>
             </a:lvl6pPr>
-            <a:lvl7pPr marL="3200400" lvl="6" indent="-317500" algn="ctr">
+            <a:lvl7pPr indent="-317500" lvl="6" marL="3200400" algn="ctr">
               <a:spcBef>
                 <a:spcPts val="1600"/>
               </a:spcBef>
@@ -3307,7 +3293,7 @@
               <a:buChar char="●"/>
               <a:defRPr/>
             </a:lvl7pPr>
-            <a:lvl8pPr marL="3657600" lvl="7" indent="-317500" algn="ctr">
+            <a:lvl8pPr indent="-317500" lvl="7" marL="3657600" algn="ctr">
               <a:spcBef>
                 <a:spcPts val="1600"/>
               </a:spcBef>
@@ -3318,7 +3304,7 @@
               <a:buChar char="○"/>
               <a:defRPr/>
             </a:lvl8pPr>
-            <a:lvl9pPr marL="4114800" lvl="8" indent="-317500" algn="ctr">
+            <a:lvl9pPr indent="-317500" lvl="8" marL="4114800" algn="ctr">
               <a:spcBef>
                 <a:spcPts val="1600"/>
               </a:spcBef>
@@ -3330,19 +3316,15 @@
               <a:defRPr/>
             </a:lvl9pPr>
           </a:lstStyle>
-          <a:p>
-            <a:endParaRPr/>
-          </a:p>
+          <a:p/>
         </p:txBody>
       </p:sp>
       <p:sp>
         <p:nvSpPr>
           <p:cNvPr id="52" name="Google Shape;52;p11"/>
-          <p:cNvSpPr txBox="1">
-            <a:spLocks noGrp="1"/>
-          </p:cNvSpPr>
+          <p:cNvSpPr txBox="1"/>
           <p:nvPr>
-            <p:ph type="sldNum" idx="12"/>
+            <p:ph idx="12" type="sldNum"/>
           </p:nvPr>
         </p:nvSpPr>
         <p:spPr>
@@ -3355,7 +3337,7 @@
           </a:prstGeom>
         </p:spPr>
         <p:txBody>
-          <a:bodyPr spcFirstLastPara="1" wrap="square" lIns="91425" tIns="91425" rIns="91425" bIns="91425" anchor="ctr" anchorCtr="0">
+          <a:bodyPr anchorCtr="0" anchor="ctr" bIns="91425" lIns="91425" spcFirstLastPara="1" rIns="91425" wrap="square" tIns="91425">
             <a:noAutofit/>
           </a:bodyPr>
           <a:lstStyle>
@@ -3397,7 +3379,7 @@
             </a:lvl9pPr>
           </a:lstStyle>
           <a:p>
-            <a:pPr marL="0" lvl="0" indent="0" algn="r" rtl="0">
+            <a:pPr indent="0" lvl="0" marL="0" rtl="0" algn="r">
               <a:spcBef>
                 <a:spcPts val="0"/>
               </a:spcBef>
@@ -3423,11 +3405,11 @@
 </file>
 
 <file path=ppt/slideLayouts/slideLayout11.xml><?xml version="1.0" encoding="utf-8"?>
-<p:sldLayout xmlns:a="http://schemas.openxmlformats.org/drawingml/2006/main" xmlns:r="http://schemas.openxmlformats.org/officeDocument/2006/relationships" xmlns:p="http://schemas.openxmlformats.org/presentationml/2006/main" matchingName="Blank" type="blank">
+<p:sldLayout xmlns:a="http://schemas.openxmlformats.org/drawingml/2006/main" xmlns:r="http://schemas.openxmlformats.org/officeDocument/2006/relationships" xmlns:mc="http://schemas.openxmlformats.org/markup-compatibility/2006" xmlns:mv="urn:schemas-microsoft-com:mac:vml" xmlns:p="http://schemas.openxmlformats.org/presentationml/2006/main" xmlns:c="http://schemas.openxmlformats.org/drawingml/2006/chart" xmlns:dgm="http://schemas.openxmlformats.org/drawingml/2006/diagram" xmlns:o="urn:schemas-microsoft-com:office:office" xmlns:v="urn:schemas-microsoft-com:vml" xmlns:pvml="urn:schemas-microsoft-com:office:powerpoint" xmlns:com="http://schemas.openxmlformats.org/drawingml/2006/compatibility" xmlns:p14="http://schemas.microsoft.com/office/powerpoint/2010/main" xmlns:p15="http://schemas.microsoft.com/office/powerpoint/2012/main" xmlns:ahyp="http://schemas.microsoft.com/office/drawing/2018/hyperlinkcolor" matchingName="Blank" type="blank">
   <p:cSld name="BLANK">
     <p:spTree>
       <p:nvGrpSpPr>
-        <p:cNvPr id="1" name="Shape 53"/>
+        <p:cNvPr id="53" name="Shape 53"/>
         <p:cNvGrpSpPr/>
         <p:nvPr/>
       </p:nvGrpSpPr>
@@ -3442,11 +3424,9 @@
       <p:sp>
         <p:nvSpPr>
           <p:cNvPr id="54" name="Google Shape;54;p12"/>
-          <p:cNvSpPr txBox="1">
-            <a:spLocks noGrp="1"/>
-          </p:cNvSpPr>
+          <p:cNvSpPr txBox="1"/>
           <p:nvPr>
-            <p:ph type="sldNum" idx="12"/>
+            <p:ph idx="12" type="sldNum"/>
           </p:nvPr>
         </p:nvSpPr>
         <p:spPr>
@@ -3459,7 +3439,7 @@
           </a:prstGeom>
         </p:spPr>
         <p:txBody>
-          <a:bodyPr spcFirstLastPara="1" wrap="square" lIns="91425" tIns="91425" rIns="91425" bIns="91425" anchor="ctr" anchorCtr="0">
+          <a:bodyPr anchorCtr="0" anchor="ctr" bIns="91425" lIns="91425" spcFirstLastPara="1" rIns="91425" wrap="square" tIns="91425">
             <a:noAutofit/>
           </a:bodyPr>
           <a:lstStyle>
@@ -3501,7 +3481,7 @@
             </a:lvl9pPr>
           </a:lstStyle>
           <a:p>
-            <a:pPr marL="0" lvl="0" indent="0" algn="r" rtl="0">
+            <a:pPr indent="0" lvl="0" marL="0" rtl="0" algn="r">
               <a:spcBef>
                 <a:spcPts val="0"/>
               </a:spcBef>
@@ -3527,19 +3507,18 @@
 </file>
 
 <file path=ppt/slideLayouts/slideLayout2.xml><?xml version="1.0" encoding="utf-8"?>
-<p:sldLayout xmlns:a="http://schemas.openxmlformats.org/drawingml/2006/main" xmlns:r="http://schemas.openxmlformats.org/officeDocument/2006/relationships" xmlns:p="http://schemas.openxmlformats.org/presentationml/2006/main" matchingName="Section header" type="secHead">
+<p:sldLayout xmlns:a="http://schemas.openxmlformats.org/drawingml/2006/main" xmlns:r="http://schemas.openxmlformats.org/officeDocument/2006/relationships" xmlns:mc="http://schemas.openxmlformats.org/markup-compatibility/2006" xmlns:mv="urn:schemas-microsoft-com:mac:vml" xmlns:p="http://schemas.openxmlformats.org/presentationml/2006/main" xmlns:c="http://schemas.openxmlformats.org/drawingml/2006/chart" xmlns:dgm="http://schemas.openxmlformats.org/drawingml/2006/diagram" xmlns:o="urn:schemas-microsoft-com:office:office" xmlns:v="urn:schemas-microsoft-com:vml" xmlns:pvml="urn:schemas-microsoft-com:office:powerpoint" xmlns:com="http://schemas.openxmlformats.org/drawingml/2006/compatibility" xmlns:p14="http://schemas.microsoft.com/office/powerpoint/2010/main" xmlns:p15="http://schemas.microsoft.com/office/powerpoint/2012/main" xmlns:ahyp="http://schemas.microsoft.com/office/drawing/2018/hyperlinkcolor" matchingName="Section header" type="secHead">
   <p:cSld name="SECTION_HEADER">
     <p:bg>
       <p:bgPr>
         <a:solidFill>
           <a:schemeClr val="dk1"/>
         </a:solidFill>
-        <a:effectLst/>
       </p:bgPr>
     </p:bg>
     <p:spTree>
       <p:nvGrpSpPr>
-        <p:cNvPr id="1" name="Shape 14"/>
+        <p:cNvPr id="14" name="Shape 14"/>
         <p:cNvGrpSpPr/>
         <p:nvPr/>
       </p:nvGrpSpPr>
@@ -3566,23 +3545,21 @@
             <a:avLst/>
           </a:prstGeom>
           <a:noFill/>
-          <a:ln w="19050" cap="flat" cmpd="sng">
+          <a:ln cap="flat" cmpd="sng" w="19050">
             <a:solidFill>
               <a:schemeClr val="lt2"/>
             </a:solidFill>
             <a:prstDash val="solid"/>
             <a:round/>
-            <a:headEnd type="none" w="sm" len="sm"/>
-            <a:tailEnd type="none" w="sm" len="sm"/>
+            <a:headEnd len="sm" w="sm" type="none"/>
+            <a:tailEnd len="sm" w="sm" type="none"/>
           </a:ln>
         </p:spPr>
       </p:cxnSp>
       <p:sp>
         <p:nvSpPr>
           <p:cNvPr id="16" name="Google Shape;16;p3"/>
-          <p:cNvSpPr txBox="1">
-            <a:spLocks noGrp="1"/>
-          </p:cNvSpPr>
+          <p:cNvSpPr txBox="1"/>
           <p:nvPr>
             <p:ph type="title"/>
           </p:nvPr>
@@ -3597,7 +3574,7 @@
           </a:prstGeom>
         </p:spPr>
         <p:txBody>
-          <a:bodyPr spcFirstLastPara="1" wrap="square" lIns="91425" tIns="91425" rIns="91425" bIns="91425" anchor="b" anchorCtr="0">
+          <a:bodyPr anchorCtr="0" anchor="b" bIns="91425" lIns="91425" spcFirstLastPara="1" rIns="91425" wrap="square" tIns="91425">
             <a:noAutofit/>
           </a:bodyPr>
           <a:lstStyle>
@@ -3764,19 +3741,15 @@
               </a:defRPr>
             </a:lvl9pPr>
           </a:lstStyle>
-          <a:p>
-            <a:endParaRPr/>
-          </a:p>
+          <a:p/>
         </p:txBody>
       </p:sp>
       <p:sp>
         <p:nvSpPr>
           <p:cNvPr id="17" name="Google Shape;17;p3"/>
-          <p:cNvSpPr txBox="1">
-            <a:spLocks noGrp="1"/>
-          </p:cNvSpPr>
+          <p:cNvSpPr txBox="1"/>
           <p:nvPr>
-            <p:ph type="sldNum" idx="12"/>
+            <p:ph idx="12" type="sldNum"/>
           </p:nvPr>
         </p:nvSpPr>
         <p:spPr>
@@ -3789,7 +3762,7 @@
           </a:prstGeom>
         </p:spPr>
         <p:txBody>
-          <a:bodyPr spcFirstLastPara="1" wrap="square" lIns="91425" tIns="91425" rIns="91425" bIns="91425" anchor="ctr" anchorCtr="0">
+          <a:bodyPr anchorCtr="0" anchor="ctr" bIns="91425" lIns="91425" spcFirstLastPara="1" rIns="91425" wrap="square" tIns="91425">
             <a:noAutofit/>
           </a:bodyPr>
           <a:lstStyle>
@@ -3867,7 +3840,7 @@
             </a:lvl9pPr>
           </a:lstStyle>
           <a:p>
-            <a:pPr marL="0" lvl="0" indent="0" algn="r" rtl="0">
+            <a:pPr indent="0" lvl="0" marL="0" rtl="0" algn="r">
               <a:spcBef>
                 <a:spcPts val="0"/>
               </a:spcBef>
@@ -3893,11 +3866,11 @@
 </file>
 
 <file path=ppt/slideLayouts/slideLayout3.xml><?xml version="1.0" encoding="utf-8"?>
-<p:sldLayout xmlns:a="http://schemas.openxmlformats.org/drawingml/2006/main" xmlns:r="http://schemas.openxmlformats.org/officeDocument/2006/relationships" xmlns:p="http://schemas.openxmlformats.org/presentationml/2006/main" matchingName="Title and body" type="tx">
+<p:sldLayout xmlns:a="http://schemas.openxmlformats.org/drawingml/2006/main" xmlns:r="http://schemas.openxmlformats.org/officeDocument/2006/relationships" xmlns:mc="http://schemas.openxmlformats.org/markup-compatibility/2006" xmlns:mv="urn:schemas-microsoft-com:mac:vml" xmlns:p="http://schemas.openxmlformats.org/presentationml/2006/main" xmlns:c="http://schemas.openxmlformats.org/drawingml/2006/chart" xmlns:dgm="http://schemas.openxmlformats.org/drawingml/2006/diagram" xmlns:o="urn:schemas-microsoft-com:office:office" xmlns:v="urn:schemas-microsoft-com:vml" xmlns:pvml="urn:schemas-microsoft-com:office:powerpoint" xmlns:com="http://schemas.openxmlformats.org/drawingml/2006/compatibility" xmlns:p14="http://schemas.microsoft.com/office/powerpoint/2010/main" xmlns:p15="http://schemas.microsoft.com/office/powerpoint/2012/main" xmlns:ahyp="http://schemas.microsoft.com/office/drawing/2018/hyperlinkcolor" matchingName="Title and body" type="tx">
   <p:cSld name="TITLE_AND_BODY">
     <p:spTree>
       <p:nvGrpSpPr>
-        <p:cNvPr id="1" name="Shape 18"/>
+        <p:cNvPr id="18" name="Shape 18"/>
         <p:cNvGrpSpPr/>
         <p:nvPr/>
       </p:nvGrpSpPr>
@@ -3931,12 +3904,12 @@
           </a:ln>
         </p:spPr>
         <p:txBody>
-          <a:bodyPr spcFirstLastPara="1" wrap="square" lIns="91425" tIns="91425" rIns="91425" bIns="91425" anchor="ctr" anchorCtr="0">
+          <a:bodyPr anchorCtr="0" anchor="ctr" bIns="91425" lIns="91425" spcFirstLastPara="1" rIns="91425" wrap="square" tIns="91425">
             <a:noAutofit/>
           </a:bodyPr>
           <a:lstStyle/>
           <a:p>
-            <a:pPr marL="0" lvl="0" indent="0" algn="l" rtl="0">
+            <a:pPr indent="0" lvl="0" marL="0" rtl="0" algn="l">
               <a:spcBef>
                 <a:spcPts val="0"/>
               </a:spcBef>
@@ -3945,6 +3918,9 @@
               </a:spcAft>
               <a:buNone/>
             </a:pPr>
+            <a:r>
+              <a:t/>
+            </a:r>
             <a:endParaRPr/>
           </a:p>
         </p:txBody>
@@ -3952,9 +3928,7 @@
       <p:sp>
         <p:nvSpPr>
           <p:cNvPr id="20" name="Google Shape;20;p4"/>
-          <p:cNvSpPr txBox="1">
-            <a:spLocks noGrp="1"/>
-          </p:cNvSpPr>
+          <p:cNvSpPr txBox="1"/>
           <p:nvPr>
             <p:ph type="title"/>
           </p:nvPr>
@@ -3969,7 +3943,7 @@
           </a:prstGeom>
         </p:spPr>
         <p:txBody>
-          <a:bodyPr spcFirstLastPara="1" wrap="square" lIns="91425" tIns="91425" rIns="91425" bIns="91425" anchor="t" anchorCtr="0">
+          <a:bodyPr anchorCtr="0" anchor="t" bIns="91425" lIns="91425" spcFirstLastPara="1" rIns="91425" wrap="square" tIns="91425">
             <a:noAutofit/>
           </a:bodyPr>
           <a:lstStyle>
@@ -4073,19 +4047,15 @@
               <a:defRPr/>
             </a:lvl9pPr>
           </a:lstStyle>
-          <a:p>
-            <a:endParaRPr/>
-          </a:p>
+          <a:p/>
         </p:txBody>
       </p:sp>
       <p:sp>
         <p:nvSpPr>
           <p:cNvPr id="21" name="Google Shape;21;p4"/>
-          <p:cNvSpPr txBox="1">
-            <a:spLocks noGrp="1"/>
-          </p:cNvSpPr>
+          <p:cNvSpPr txBox="1"/>
           <p:nvPr>
-            <p:ph type="body" idx="1"/>
+            <p:ph idx="1" type="body"/>
           </p:nvPr>
         </p:nvSpPr>
         <p:spPr>
@@ -4098,11 +4068,11 @@
           </a:prstGeom>
         </p:spPr>
         <p:txBody>
-          <a:bodyPr spcFirstLastPara="1" wrap="square" lIns="91425" tIns="91425" rIns="91425" bIns="91425" anchor="t" anchorCtr="0">
+          <a:bodyPr anchorCtr="0" anchor="t" bIns="91425" lIns="91425" spcFirstLastPara="1" rIns="91425" wrap="square" tIns="91425">
             <a:noAutofit/>
           </a:bodyPr>
           <a:lstStyle>
-            <a:lvl1pPr marL="457200" lvl="0" indent="-342900">
+            <a:lvl1pPr indent="-342900" lvl="0" marL="457200">
               <a:spcBef>
                 <a:spcPts val="0"/>
               </a:spcBef>
@@ -4113,7 +4083,7 @@
               <a:buChar char="●"/>
               <a:defRPr/>
             </a:lvl1pPr>
-            <a:lvl2pPr marL="914400" lvl="1" indent="-317500">
+            <a:lvl2pPr indent="-317500" lvl="1" marL="914400">
               <a:spcBef>
                 <a:spcPts val="1600"/>
               </a:spcBef>
@@ -4124,7 +4094,7 @@
               <a:buChar char="○"/>
               <a:defRPr/>
             </a:lvl2pPr>
-            <a:lvl3pPr marL="1371600" lvl="2" indent="-317500">
+            <a:lvl3pPr indent="-317500" lvl="2" marL="1371600">
               <a:spcBef>
                 <a:spcPts val="1600"/>
               </a:spcBef>
@@ -4135,7 +4105,7 @@
               <a:buChar char="■"/>
               <a:defRPr/>
             </a:lvl3pPr>
-            <a:lvl4pPr marL="1828800" lvl="3" indent="-317500">
+            <a:lvl4pPr indent="-317500" lvl="3" marL="1828800">
               <a:spcBef>
                 <a:spcPts val="1600"/>
               </a:spcBef>
@@ -4146,7 +4116,7 @@
               <a:buChar char="●"/>
               <a:defRPr/>
             </a:lvl4pPr>
-            <a:lvl5pPr marL="2286000" lvl="4" indent="-317500">
+            <a:lvl5pPr indent="-317500" lvl="4" marL="2286000">
               <a:spcBef>
                 <a:spcPts val="1600"/>
               </a:spcBef>
@@ -4157,7 +4127,7 @@
               <a:buChar char="○"/>
               <a:defRPr/>
             </a:lvl5pPr>
-            <a:lvl6pPr marL="2743200" lvl="5" indent="-317500">
+            <a:lvl6pPr indent="-317500" lvl="5" marL="2743200">
               <a:spcBef>
                 <a:spcPts val="1600"/>
               </a:spcBef>
@@ -4168,7 +4138,7 @@
               <a:buChar char="■"/>
               <a:defRPr/>
             </a:lvl6pPr>
-            <a:lvl7pPr marL="3200400" lvl="6" indent="-317500">
+            <a:lvl7pPr indent="-317500" lvl="6" marL="3200400">
               <a:spcBef>
                 <a:spcPts val="1600"/>
               </a:spcBef>
@@ -4179,7 +4149,7 @@
               <a:buChar char="●"/>
               <a:defRPr/>
             </a:lvl7pPr>
-            <a:lvl8pPr marL="3657600" lvl="7" indent="-317500">
+            <a:lvl8pPr indent="-317500" lvl="7" marL="3657600">
               <a:spcBef>
                 <a:spcPts val="1600"/>
               </a:spcBef>
@@ -4190,7 +4160,7 @@
               <a:buChar char="○"/>
               <a:defRPr/>
             </a:lvl8pPr>
-            <a:lvl9pPr marL="4114800" lvl="8" indent="-317500">
+            <a:lvl9pPr indent="-317500" lvl="8" marL="4114800">
               <a:spcBef>
                 <a:spcPts val="1600"/>
               </a:spcBef>
@@ -4202,19 +4172,15 @@
               <a:defRPr/>
             </a:lvl9pPr>
           </a:lstStyle>
-          <a:p>
-            <a:endParaRPr/>
-          </a:p>
+          <a:p/>
         </p:txBody>
       </p:sp>
       <p:sp>
         <p:nvSpPr>
           <p:cNvPr id="22" name="Google Shape;22;p4"/>
-          <p:cNvSpPr txBox="1">
-            <a:spLocks noGrp="1"/>
-          </p:cNvSpPr>
+          <p:cNvSpPr txBox="1"/>
           <p:nvPr>
-            <p:ph type="sldNum" idx="12"/>
+            <p:ph idx="12" type="sldNum"/>
           </p:nvPr>
         </p:nvSpPr>
         <p:spPr>
@@ -4227,7 +4193,7 @@
           </a:prstGeom>
         </p:spPr>
         <p:txBody>
-          <a:bodyPr spcFirstLastPara="1" wrap="square" lIns="91425" tIns="91425" rIns="91425" bIns="91425" anchor="ctr" anchorCtr="0">
+          <a:bodyPr anchorCtr="0" anchor="ctr" bIns="91425" lIns="91425" spcFirstLastPara="1" rIns="91425" wrap="square" tIns="91425">
             <a:noAutofit/>
           </a:bodyPr>
           <a:lstStyle>
@@ -4269,7 +4235,7 @@
             </a:lvl9pPr>
           </a:lstStyle>
           <a:p>
-            <a:pPr marL="0" lvl="0" indent="0" algn="r" rtl="0">
+            <a:pPr indent="0" lvl="0" marL="0" rtl="0" algn="r">
               <a:spcBef>
                 <a:spcPts val="0"/>
               </a:spcBef>
@@ -4295,11 +4261,11 @@
 </file>
 
 <file path=ppt/slideLayouts/slideLayout4.xml><?xml version="1.0" encoding="utf-8"?>
-<p:sldLayout xmlns:a="http://schemas.openxmlformats.org/drawingml/2006/main" xmlns:r="http://schemas.openxmlformats.org/officeDocument/2006/relationships" xmlns:p="http://schemas.openxmlformats.org/presentationml/2006/main" matchingName="Title and two columns" type="twoColTx">
+<p:sldLayout xmlns:a="http://schemas.openxmlformats.org/drawingml/2006/main" xmlns:r="http://schemas.openxmlformats.org/officeDocument/2006/relationships" xmlns:mc="http://schemas.openxmlformats.org/markup-compatibility/2006" xmlns:mv="urn:schemas-microsoft-com:mac:vml" xmlns:p="http://schemas.openxmlformats.org/presentationml/2006/main" xmlns:c="http://schemas.openxmlformats.org/drawingml/2006/chart" xmlns:dgm="http://schemas.openxmlformats.org/drawingml/2006/diagram" xmlns:o="urn:schemas-microsoft-com:office:office" xmlns:v="urn:schemas-microsoft-com:vml" xmlns:pvml="urn:schemas-microsoft-com:office:powerpoint" xmlns:com="http://schemas.openxmlformats.org/drawingml/2006/compatibility" xmlns:p14="http://schemas.microsoft.com/office/powerpoint/2010/main" xmlns:p15="http://schemas.microsoft.com/office/powerpoint/2012/main" xmlns:ahyp="http://schemas.microsoft.com/office/drawing/2018/hyperlinkcolor" matchingName="Title and two columns" type="twoColTx">
   <p:cSld name="TITLE_AND_TWO_COLUMNS">
     <p:spTree>
       <p:nvGrpSpPr>
-        <p:cNvPr id="1" name="Shape 23"/>
+        <p:cNvPr id="23" name="Shape 23"/>
         <p:cNvGrpSpPr/>
         <p:nvPr/>
       </p:nvGrpSpPr>
@@ -4314,9 +4280,7 @@
       <p:sp>
         <p:nvSpPr>
           <p:cNvPr id="24" name="Google Shape;24;p5"/>
-          <p:cNvSpPr txBox="1">
-            <a:spLocks noGrp="1"/>
-          </p:cNvSpPr>
+          <p:cNvSpPr txBox="1"/>
           <p:nvPr>
             <p:ph type="title"/>
           </p:nvPr>
@@ -4331,7 +4295,7 @@
           </a:prstGeom>
         </p:spPr>
         <p:txBody>
-          <a:bodyPr spcFirstLastPara="1" wrap="square" lIns="91425" tIns="91425" rIns="91425" bIns="91425" anchor="t" anchorCtr="0">
+          <a:bodyPr anchorCtr="0" anchor="t" bIns="91425" lIns="91425" spcFirstLastPara="1" rIns="91425" wrap="square" tIns="91425">
             <a:noAutofit/>
           </a:bodyPr>
           <a:lstStyle>
@@ -4435,19 +4399,15 @@
               <a:defRPr/>
             </a:lvl9pPr>
           </a:lstStyle>
-          <a:p>
-            <a:endParaRPr/>
-          </a:p>
+          <a:p/>
         </p:txBody>
       </p:sp>
       <p:sp>
         <p:nvSpPr>
           <p:cNvPr id="25" name="Google Shape;25;p5"/>
-          <p:cNvSpPr txBox="1">
-            <a:spLocks noGrp="1"/>
-          </p:cNvSpPr>
+          <p:cNvSpPr txBox="1"/>
           <p:nvPr>
-            <p:ph type="body" idx="1"/>
+            <p:ph idx="1" type="body"/>
           </p:nvPr>
         </p:nvSpPr>
         <p:spPr>
@@ -4460,11 +4420,11 @@
           </a:prstGeom>
         </p:spPr>
         <p:txBody>
-          <a:bodyPr spcFirstLastPara="1" wrap="square" lIns="91425" tIns="91425" rIns="91425" bIns="91425" anchor="t" anchorCtr="0">
+          <a:bodyPr anchorCtr="0" anchor="t" bIns="91425" lIns="91425" spcFirstLastPara="1" rIns="91425" wrap="square" tIns="91425">
             <a:noAutofit/>
           </a:bodyPr>
           <a:lstStyle>
-            <a:lvl1pPr marL="457200" lvl="0" indent="-317500">
+            <a:lvl1pPr indent="-317500" lvl="0" marL="457200">
               <a:spcBef>
                 <a:spcPts val="0"/>
               </a:spcBef>
@@ -4475,7 +4435,7 @@
               <a:buChar char="●"/>
               <a:defRPr sz="1400"/>
             </a:lvl1pPr>
-            <a:lvl2pPr marL="914400" lvl="1" indent="-304800">
+            <a:lvl2pPr indent="-304800" lvl="1" marL="914400">
               <a:spcBef>
                 <a:spcPts val="1600"/>
               </a:spcBef>
@@ -4486,7 +4446,7 @@
               <a:buChar char="○"/>
               <a:defRPr sz="1200"/>
             </a:lvl2pPr>
-            <a:lvl3pPr marL="1371600" lvl="2" indent="-304800">
+            <a:lvl3pPr indent="-304800" lvl="2" marL="1371600">
               <a:spcBef>
                 <a:spcPts val="1600"/>
               </a:spcBef>
@@ -4497,7 +4457,7 @@
               <a:buChar char="■"/>
               <a:defRPr sz="1200"/>
             </a:lvl3pPr>
-            <a:lvl4pPr marL="1828800" lvl="3" indent="-304800">
+            <a:lvl4pPr indent="-304800" lvl="3" marL="1828800">
               <a:spcBef>
                 <a:spcPts val="1600"/>
               </a:spcBef>
@@ -4508,7 +4468,7 @@
               <a:buChar char="●"/>
               <a:defRPr sz="1200"/>
             </a:lvl4pPr>
-            <a:lvl5pPr marL="2286000" lvl="4" indent="-304800">
+            <a:lvl5pPr indent="-304800" lvl="4" marL="2286000">
               <a:spcBef>
                 <a:spcPts val="1600"/>
               </a:spcBef>
@@ -4519,7 +4479,7 @@
               <a:buChar char="○"/>
               <a:defRPr sz="1200"/>
             </a:lvl5pPr>
-            <a:lvl6pPr marL="2743200" lvl="5" indent="-304800">
+            <a:lvl6pPr indent="-304800" lvl="5" marL="2743200">
               <a:spcBef>
                 <a:spcPts val="1600"/>
               </a:spcBef>
@@ -4530,7 +4490,7 @@
               <a:buChar char="■"/>
               <a:defRPr sz="1200"/>
             </a:lvl6pPr>
-            <a:lvl7pPr marL="3200400" lvl="6" indent="-304800">
+            <a:lvl7pPr indent="-304800" lvl="6" marL="3200400">
               <a:spcBef>
                 <a:spcPts val="1600"/>
               </a:spcBef>
@@ -4541,7 +4501,7 @@
               <a:buChar char="●"/>
               <a:defRPr sz="1200"/>
             </a:lvl7pPr>
-            <a:lvl8pPr marL="3657600" lvl="7" indent="-304800">
+            <a:lvl8pPr indent="-304800" lvl="7" marL="3657600">
               <a:spcBef>
                 <a:spcPts val="1600"/>
               </a:spcBef>
@@ -4552,7 +4512,7 @@
               <a:buChar char="○"/>
               <a:defRPr sz="1200"/>
             </a:lvl8pPr>
-            <a:lvl9pPr marL="4114800" lvl="8" indent="-304800">
+            <a:lvl9pPr indent="-304800" lvl="8" marL="4114800">
               <a:spcBef>
                 <a:spcPts val="1600"/>
               </a:spcBef>
@@ -4564,19 +4524,15 @@
               <a:defRPr sz="1200"/>
             </a:lvl9pPr>
           </a:lstStyle>
-          <a:p>
-            <a:endParaRPr/>
-          </a:p>
+          <a:p/>
         </p:txBody>
       </p:sp>
       <p:sp>
         <p:nvSpPr>
           <p:cNvPr id="26" name="Google Shape;26;p5"/>
-          <p:cNvSpPr txBox="1">
-            <a:spLocks noGrp="1"/>
-          </p:cNvSpPr>
+          <p:cNvSpPr txBox="1"/>
           <p:nvPr>
-            <p:ph type="body" idx="2"/>
+            <p:ph idx="2" type="body"/>
           </p:nvPr>
         </p:nvSpPr>
         <p:spPr>
@@ -4589,11 +4545,11 @@
           </a:prstGeom>
         </p:spPr>
         <p:txBody>
-          <a:bodyPr spcFirstLastPara="1" wrap="square" lIns="91425" tIns="91425" rIns="91425" bIns="91425" anchor="t" anchorCtr="0">
+          <a:bodyPr anchorCtr="0" anchor="t" bIns="91425" lIns="91425" spcFirstLastPara="1" rIns="91425" wrap="square" tIns="91425">
             <a:noAutofit/>
           </a:bodyPr>
           <a:lstStyle>
-            <a:lvl1pPr marL="457200" lvl="0" indent="-317500">
+            <a:lvl1pPr indent="-317500" lvl="0" marL="457200">
               <a:spcBef>
                 <a:spcPts val="0"/>
               </a:spcBef>
@@ -4604,7 +4560,7 @@
               <a:buChar char="●"/>
               <a:defRPr sz="1400"/>
             </a:lvl1pPr>
-            <a:lvl2pPr marL="914400" lvl="1" indent="-304800">
+            <a:lvl2pPr indent="-304800" lvl="1" marL="914400">
               <a:spcBef>
                 <a:spcPts val="1600"/>
               </a:spcBef>
@@ -4615,7 +4571,7 @@
               <a:buChar char="○"/>
               <a:defRPr sz="1200"/>
             </a:lvl2pPr>
-            <a:lvl3pPr marL="1371600" lvl="2" indent="-304800">
+            <a:lvl3pPr indent="-304800" lvl="2" marL="1371600">
               <a:spcBef>
                 <a:spcPts val="1600"/>
               </a:spcBef>
@@ -4626,7 +4582,7 @@
               <a:buChar char="■"/>
               <a:defRPr sz="1200"/>
             </a:lvl3pPr>
-            <a:lvl4pPr marL="1828800" lvl="3" indent="-304800">
+            <a:lvl4pPr indent="-304800" lvl="3" marL="1828800">
               <a:spcBef>
                 <a:spcPts val="1600"/>
               </a:spcBef>
@@ -4637,7 +4593,7 @@
               <a:buChar char="●"/>
               <a:defRPr sz="1200"/>
             </a:lvl4pPr>
-            <a:lvl5pPr marL="2286000" lvl="4" indent="-304800">
+            <a:lvl5pPr indent="-304800" lvl="4" marL="2286000">
               <a:spcBef>
                 <a:spcPts val="1600"/>
               </a:spcBef>
@@ -4648,7 +4604,7 @@
               <a:buChar char="○"/>
               <a:defRPr sz="1200"/>
             </a:lvl5pPr>
-            <a:lvl6pPr marL="2743200" lvl="5" indent="-304800">
+            <a:lvl6pPr indent="-304800" lvl="5" marL="2743200">
               <a:spcBef>
                 <a:spcPts val="1600"/>
               </a:spcBef>
@@ -4659,7 +4615,7 @@
               <a:buChar char="■"/>
               <a:defRPr sz="1200"/>
             </a:lvl6pPr>
-            <a:lvl7pPr marL="3200400" lvl="6" indent="-304800">
+            <a:lvl7pPr indent="-304800" lvl="6" marL="3200400">
               <a:spcBef>
                 <a:spcPts val="1600"/>
               </a:spcBef>
@@ -4670,7 +4626,7 @@
               <a:buChar char="●"/>
               <a:defRPr sz="1200"/>
             </a:lvl7pPr>
-            <a:lvl8pPr marL="3657600" lvl="7" indent="-304800">
+            <a:lvl8pPr indent="-304800" lvl="7" marL="3657600">
               <a:spcBef>
                 <a:spcPts val="1600"/>
               </a:spcBef>
@@ -4681,7 +4637,7 @@
               <a:buChar char="○"/>
               <a:defRPr sz="1200"/>
             </a:lvl8pPr>
-            <a:lvl9pPr marL="4114800" lvl="8" indent="-304800">
+            <a:lvl9pPr indent="-304800" lvl="8" marL="4114800">
               <a:spcBef>
                 <a:spcPts val="1600"/>
               </a:spcBef>
@@ -4693,19 +4649,15 @@
               <a:defRPr sz="1200"/>
             </a:lvl9pPr>
           </a:lstStyle>
-          <a:p>
-            <a:endParaRPr/>
-          </a:p>
+          <a:p/>
         </p:txBody>
       </p:sp>
       <p:sp>
         <p:nvSpPr>
           <p:cNvPr id="27" name="Google Shape;27;p5"/>
-          <p:cNvSpPr txBox="1">
-            <a:spLocks noGrp="1"/>
-          </p:cNvSpPr>
+          <p:cNvSpPr txBox="1"/>
           <p:nvPr>
-            <p:ph type="sldNum" idx="12"/>
+            <p:ph idx="12" type="sldNum"/>
           </p:nvPr>
         </p:nvSpPr>
         <p:spPr>
@@ -4718,7 +4670,7 @@
           </a:prstGeom>
         </p:spPr>
         <p:txBody>
-          <a:bodyPr spcFirstLastPara="1" wrap="square" lIns="91425" tIns="91425" rIns="91425" bIns="91425" anchor="ctr" anchorCtr="0">
+          <a:bodyPr anchorCtr="0" anchor="ctr" bIns="91425" lIns="91425" spcFirstLastPara="1" rIns="91425" wrap="square" tIns="91425">
             <a:noAutofit/>
           </a:bodyPr>
           <a:lstStyle>
@@ -4760,7 +4712,7 @@
             </a:lvl9pPr>
           </a:lstStyle>
           <a:p>
-            <a:pPr marL="0" lvl="0" indent="0" algn="r" rtl="0">
+            <a:pPr indent="0" lvl="0" marL="0" rtl="0" algn="r">
               <a:spcBef>
                 <a:spcPts val="0"/>
               </a:spcBef>
@@ -4786,11 +4738,11 @@
 </file>
 
 <file path=ppt/slideLayouts/slideLayout5.xml><?xml version="1.0" encoding="utf-8"?>
-<p:sldLayout xmlns:a="http://schemas.openxmlformats.org/drawingml/2006/main" xmlns:r="http://schemas.openxmlformats.org/officeDocument/2006/relationships" xmlns:p="http://schemas.openxmlformats.org/presentationml/2006/main" matchingName="Title only" type="titleOnly">
+<p:sldLayout xmlns:a="http://schemas.openxmlformats.org/drawingml/2006/main" xmlns:r="http://schemas.openxmlformats.org/officeDocument/2006/relationships" xmlns:mc="http://schemas.openxmlformats.org/markup-compatibility/2006" xmlns:mv="urn:schemas-microsoft-com:mac:vml" xmlns:p="http://schemas.openxmlformats.org/presentationml/2006/main" xmlns:c="http://schemas.openxmlformats.org/drawingml/2006/chart" xmlns:dgm="http://schemas.openxmlformats.org/drawingml/2006/diagram" xmlns:o="urn:schemas-microsoft-com:office:office" xmlns:v="urn:schemas-microsoft-com:vml" xmlns:pvml="urn:schemas-microsoft-com:office:powerpoint" xmlns:com="http://schemas.openxmlformats.org/drawingml/2006/compatibility" xmlns:p14="http://schemas.microsoft.com/office/powerpoint/2010/main" xmlns:p15="http://schemas.microsoft.com/office/powerpoint/2012/main" xmlns:ahyp="http://schemas.microsoft.com/office/drawing/2018/hyperlinkcolor" matchingName="Title only" type="titleOnly">
   <p:cSld name="TITLE_ONLY">
     <p:spTree>
       <p:nvGrpSpPr>
-        <p:cNvPr id="1" name="Shape 28"/>
+        <p:cNvPr id="28" name="Shape 28"/>
         <p:cNvGrpSpPr/>
         <p:nvPr/>
       </p:nvGrpSpPr>
@@ -4805,9 +4757,7 @@
       <p:sp>
         <p:nvSpPr>
           <p:cNvPr id="29" name="Google Shape;29;p6"/>
-          <p:cNvSpPr txBox="1">
-            <a:spLocks noGrp="1"/>
-          </p:cNvSpPr>
+          <p:cNvSpPr txBox="1"/>
           <p:nvPr>
             <p:ph type="title"/>
           </p:nvPr>
@@ -4822,7 +4772,7 @@
           </a:prstGeom>
         </p:spPr>
         <p:txBody>
-          <a:bodyPr spcFirstLastPara="1" wrap="square" lIns="91425" tIns="91425" rIns="91425" bIns="91425" anchor="t" anchorCtr="0">
+          <a:bodyPr anchorCtr="0" anchor="t" bIns="91425" lIns="91425" spcFirstLastPara="1" rIns="91425" wrap="square" tIns="91425">
             <a:noAutofit/>
           </a:bodyPr>
           <a:lstStyle>
@@ -4926,19 +4876,15 @@
               <a:defRPr/>
             </a:lvl9pPr>
           </a:lstStyle>
-          <a:p>
-            <a:endParaRPr/>
-          </a:p>
+          <a:p/>
         </p:txBody>
       </p:sp>
       <p:sp>
         <p:nvSpPr>
           <p:cNvPr id="30" name="Google Shape;30;p6"/>
-          <p:cNvSpPr txBox="1">
-            <a:spLocks noGrp="1"/>
-          </p:cNvSpPr>
+          <p:cNvSpPr txBox="1"/>
           <p:nvPr>
-            <p:ph type="sldNum" idx="12"/>
+            <p:ph idx="12" type="sldNum"/>
           </p:nvPr>
         </p:nvSpPr>
         <p:spPr>
@@ -4951,7 +4897,7 @@
           </a:prstGeom>
         </p:spPr>
         <p:txBody>
-          <a:bodyPr spcFirstLastPara="1" wrap="square" lIns="91425" tIns="91425" rIns="91425" bIns="91425" anchor="ctr" anchorCtr="0">
+          <a:bodyPr anchorCtr="0" anchor="ctr" bIns="91425" lIns="91425" spcFirstLastPara="1" rIns="91425" wrap="square" tIns="91425">
             <a:noAutofit/>
           </a:bodyPr>
           <a:lstStyle>
@@ -4993,7 +4939,7 @@
             </a:lvl9pPr>
           </a:lstStyle>
           <a:p>
-            <a:pPr marL="0" lvl="0" indent="0" algn="r" rtl="0">
+            <a:pPr indent="0" lvl="0" marL="0" rtl="0" algn="r">
               <a:spcBef>
                 <a:spcPts val="0"/>
               </a:spcBef>
@@ -5019,11 +4965,11 @@
 </file>
 
 <file path=ppt/slideLayouts/slideLayout6.xml><?xml version="1.0" encoding="utf-8"?>
-<p:sldLayout xmlns:a="http://schemas.openxmlformats.org/drawingml/2006/main" xmlns:r="http://schemas.openxmlformats.org/officeDocument/2006/relationships" xmlns:p="http://schemas.openxmlformats.org/presentationml/2006/main" matchingName="One column text">
+<p:sldLayout xmlns:a="http://schemas.openxmlformats.org/drawingml/2006/main" xmlns:r="http://schemas.openxmlformats.org/officeDocument/2006/relationships" xmlns:mc="http://schemas.openxmlformats.org/markup-compatibility/2006" xmlns:mv="urn:schemas-microsoft-com:mac:vml" xmlns:p="http://schemas.openxmlformats.org/presentationml/2006/main" xmlns:c="http://schemas.openxmlformats.org/drawingml/2006/chart" xmlns:dgm="http://schemas.openxmlformats.org/drawingml/2006/diagram" xmlns:o="urn:schemas-microsoft-com:office:office" xmlns:v="urn:schemas-microsoft-com:vml" xmlns:pvml="urn:schemas-microsoft-com:office:powerpoint" xmlns:com="http://schemas.openxmlformats.org/drawingml/2006/compatibility" xmlns:p14="http://schemas.microsoft.com/office/powerpoint/2010/main" xmlns:p15="http://schemas.microsoft.com/office/powerpoint/2012/main" xmlns:ahyp="http://schemas.microsoft.com/office/drawing/2018/hyperlinkcolor" matchingName="One column text">
   <p:cSld name="ONE_COLUMN_TEXT">
     <p:spTree>
       <p:nvGrpSpPr>
-        <p:cNvPr id="1" name="Shape 31"/>
+        <p:cNvPr id="31" name="Shape 31"/>
         <p:cNvGrpSpPr/>
         <p:nvPr/>
       </p:nvGrpSpPr>
@@ -5038,9 +4984,7 @@
       <p:sp>
         <p:nvSpPr>
           <p:cNvPr id="32" name="Google Shape;32;p7"/>
-          <p:cNvSpPr txBox="1">
-            <a:spLocks noGrp="1"/>
-          </p:cNvSpPr>
+          <p:cNvSpPr txBox="1"/>
           <p:nvPr>
             <p:ph type="title"/>
           </p:nvPr>
@@ -5055,7 +4999,7 @@
           </a:prstGeom>
         </p:spPr>
         <p:txBody>
-          <a:bodyPr spcFirstLastPara="1" wrap="square" lIns="91425" tIns="91425" rIns="91425" bIns="91425" anchor="b" anchorCtr="0">
+          <a:bodyPr anchorCtr="0" anchor="b" bIns="91425" lIns="91425" spcFirstLastPara="1" rIns="91425" wrap="square" tIns="91425">
             <a:noAutofit/>
           </a:bodyPr>
           <a:lstStyle>
@@ -5159,19 +5103,15 @@
               <a:defRPr sz="2400"/>
             </a:lvl9pPr>
           </a:lstStyle>
-          <a:p>
-            <a:endParaRPr/>
-          </a:p>
+          <a:p/>
         </p:txBody>
       </p:sp>
       <p:sp>
         <p:nvSpPr>
           <p:cNvPr id="33" name="Google Shape;33;p7"/>
-          <p:cNvSpPr txBox="1">
-            <a:spLocks noGrp="1"/>
-          </p:cNvSpPr>
+          <p:cNvSpPr txBox="1"/>
           <p:nvPr>
-            <p:ph type="body" idx="1"/>
+            <p:ph idx="1" type="body"/>
           </p:nvPr>
         </p:nvSpPr>
         <p:spPr>
@@ -5184,11 +5124,11 @@
           </a:prstGeom>
         </p:spPr>
         <p:txBody>
-          <a:bodyPr spcFirstLastPara="1" wrap="square" lIns="91425" tIns="91425" rIns="91425" bIns="91425" anchor="t" anchorCtr="0">
+          <a:bodyPr anchorCtr="0" anchor="t" bIns="91425" lIns="91425" spcFirstLastPara="1" rIns="91425" wrap="square" tIns="91425">
             <a:noAutofit/>
           </a:bodyPr>
           <a:lstStyle>
-            <a:lvl1pPr marL="457200" lvl="0" indent="-304800">
+            <a:lvl1pPr indent="-304800" lvl="0" marL="457200">
               <a:spcBef>
                 <a:spcPts val="0"/>
               </a:spcBef>
@@ -5199,7 +5139,7 @@
               <a:buChar char="●"/>
               <a:defRPr sz="1200"/>
             </a:lvl1pPr>
-            <a:lvl2pPr marL="914400" lvl="1" indent="-304800">
+            <a:lvl2pPr indent="-304800" lvl="1" marL="914400">
               <a:spcBef>
                 <a:spcPts val="1600"/>
               </a:spcBef>
@@ -5210,7 +5150,7 @@
               <a:buChar char="○"/>
               <a:defRPr sz="1200"/>
             </a:lvl2pPr>
-            <a:lvl3pPr marL="1371600" lvl="2" indent="-304800">
+            <a:lvl3pPr indent="-304800" lvl="2" marL="1371600">
               <a:spcBef>
                 <a:spcPts val="1600"/>
               </a:spcBef>
@@ -5221,7 +5161,7 @@
               <a:buChar char="■"/>
               <a:defRPr sz="1200"/>
             </a:lvl3pPr>
-            <a:lvl4pPr marL="1828800" lvl="3" indent="-304800">
+            <a:lvl4pPr indent="-304800" lvl="3" marL="1828800">
               <a:spcBef>
                 <a:spcPts val="1600"/>
               </a:spcBef>
@@ -5232,7 +5172,7 @@
               <a:buChar char="●"/>
               <a:defRPr sz="1200"/>
             </a:lvl4pPr>
-            <a:lvl5pPr marL="2286000" lvl="4" indent="-304800">
+            <a:lvl5pPr indent="-304800" lvl="4" marL="2286000">
               <a:spcBef>
                 <a:spcPts val="1600"/>
               </a:spcBef>
@@ -5243,7 +5183,7 @@
               <a:buChar char="○"/>
               <a:defRPr sz="1200"/>
             </a:lvl5pPr>
-            <a:lvl6pPr marL="2743200" lvl="5" indent="-304800">
+            <a:lvl6pPr indent="-304800" lvl="5" marL="2743200">
               <a:spcBef>
                 <a:spcPts val="1600"/>
               </a:spcBef>
@@ -5254,7 +5194,7 @@
               <a:buChar char="■"/>
               <a:defRPr sz="1200"/>
             </a:lvl6pPr>
-            <a:lvl7pPr marL="3200400" lvl="6" indent="-304800">
+            <a:lvl7pPr indent="-304800" lvl="6" marL="3200400">
               <a:spcBef>
                 <a:spcPts val="1600"/>
               </a:spcBef>
@@ -5265,7 +5205,7 @@
               <a:buChar char="●"/>
               <a:defRPr sz="1200"/>
             </a:lvl7pPr>
-            <a:lvl8pPr marL="3657600" lvl="7" indent="-304800">
+            <a:lvl8pPr indent="-304800" lvl="7" marL="3657600">
               <a:spcBef>
                 <a:spcPts val="1600"/>
               </a:spcBef>
@@ -5276,7 +5216,7 @@
               <a:buChar char="○"/>
               <a:defRPr sz="1200"/>
             </a:lvl8pPr>
-            <a:lvl9pPr marL="4114800" lvl="8" indent="-304800">
+            <a:lvl9pPr indent="-304800" lvl="8" marL="4114800">
               <a:spcBef>
                 <a:spcPts val="1600"/>
               </a:spcBef>
@@ -5288,19 +5228,15 @@
               <a:defRPr sz="1200"/>
             </a:lvl9pPr>
           </a:lstStyle>
-          <a:p>
-            <a:endParaRPr/>
-          </a:p>
+          <a:p/>
         </p:txBody>
       </p:sp>
       <p:sp>
         <p:nvSpPr>
           <p:cNvPr id="34" name="Google Shape;34;p7"/>
-          <p:cNvSpPr txBox="1">
-            <a:spLocks noGrp="1"/>
-          </p:cNvSpPr>
+          <p:cNvSpPr txBox="1"/>
           <p:nvPr>
-            <p:ph type="sldNum" idx="12"/>
+            <p:ph idx="12" type="sldNum"/>
           </p:nvPr>
         </p:nvSpPr>
         <p:spPr>
@@ -5313,7 +5249,7 @@
           </a:prstGeom>
         </p:spPr>
         <p:txBody>
-          <a:bodyPr spcFirstLastPara="1" wrap="square" lIns="91425" tIns="91425" rIns="91425" bIns="91425" anchor="ctr" anchorCtr="0">
+          <a:bodyPr anchorCtr="0" anchor="ctr" bIns="91425" lIns="91425" spcFirstLastPara="1" rIns="91425" wrap="square" tIns="91425">
             <a:noAutofit/>
           </a:bodyPr>
           <a:lstStyle>
@@ -5355,7 +5291,7 @@
             </a:lvl9pPr>
           </a:lstStyle>
           <a:p>
-            <a:pPr marL="0" lvl="0" indent="0" algn="r" rtl="0">
+            <a:pPr indent="0" lvl="0" marL="0" rtl="0" algn="r">
               <a:spcBef>
                 <a:spcPts val="0"/>
               </a:spcBef>
@@ -5381,19 +5317,18 @@
 </file>
 
 <file path=ppt/slideLayouts/slideLayout7.xml><?xml version="1.0" encoding="utf-8"?>
-<p:sldLayout xmlns:a="http://schemas.openxmlformats.org/drawingml/2006/main" xmlns:r="http://schemas.openxmlformats.org/officeDocument/2006/relationships" xmlns:p="http://schemas.openxmlformats.org/presentationml/2006/main" matchingName="Main point">
+<p:sldLayout xmlns:a="http://schemas.openxmlformats.org/drawingml/2006/main" xmlns:r="http://schemas.openxmlformats.org/officeDocument/2006/relationships" xmlns:mc="http://schemas.openxmlformats.org/markup-compatibility/2006" xmlns:mv="urn:schemas-microsoft-com:mac:vml" xmlns:p="http://schemas.openxmlformats.org/presentationml/2006/main" xmlns:c="http://schemas.openxmlformats.org/drawingml/2006/chart" xmlns:dgm="http://schemas.openxmlformats.org/drawingml/2006/diagram" xmlns:o="urn:schemas-microsoft-com:office:office" xmlns:v="urn:schemas-microsoft-com:vml" xmlns:pvml="urn:schemas-microsoft-com:office:powerpoint" xmlns:com="http://schemas.openxmlformats.org/drawingml/2006/compatibility" xmlns:p14="http://schemas.microsoft.com/office/powerpoint/2010/main" xmlns:p15="http://schemas.microsoft.com/office/powerpoint/2012/main" xmlns:ahyp="http://schemas.microsoft.com/office/drawing/2018/hyperlinkcolor" matchingName="Main point">
   <p:cSld name="MAIN_POINT">
     <p:bg>
       <p:bgPr>
         <a:solidFill>
           <a:schemeClr val="lt2"/>
         </a:solidFill>
-        <a:effectLst/>
       </p:bgPr>
     </p:bg>
     <p:spTree>
       <p:nvGrpSpPr>
-        <p:cNvPr id="1" name="Shape 35"/>
+        <p:cNvPr id="35" name="Shape 35"/>
         <p:cNvGrpSpPr/>
         <p:nvPr/>
       </p:nvGrpSpPr>
@@ -5408,9 +5343,7 @@
       <p:sp>
         <p:nvSpPr>
           <p:cNvPr id="36" name="Google Shape;36;p8"/>
-          <p:cNvSpPr txBox="1">
-            <a:spLocks noGrp="1"/>
-          </p:cNvSpPr>
+          <p:cNvSpPr txBox="1"/>
           <p:nvPr>
             <p:ph type="title"/>
           </p:nvPr>
@@ -5425,7 +5358,7 @@
           </a:prstGeom>
         </p:spPr>
         <p:txBody>
-          <a:bodyPr spcFirstLastPara="1" wrap="square" lIns="91425" tIns="91425" rIns="91425" bIns="91425" anchor="ctr" anchorCtr="0">
+          <a:bodyPr anchorCtr="0" anchor="ctr" bIns="91425" lIns="91425" spcFirstLastPara="1" rIns="91425" wrap="square" tIns="91425">
             <a:noAutofit/>
           </a:bodyPr>
           <a:lstStyle>
@@ -5529,19 +5462,15 @@
               <a:defRPr sz="4800"/>
             </a:lvl9pPr>
           </a:lstStyle>
-          <a:p>
-            <a:endParaRPr/>
-          </a:p>
+          <a:p/>
         </p:txBody>
       </p:sp>
       <p:sp>
         <p:nvSpPr>
           <p:cNvPr id="37" name="Google Shape;37;p8"/>
-          <p:cNvSpPr txBox="1">
-            <a:spLocks noGrp="1"/>
-          </p:cNvSpPr>
+          <p:cNvSpPr txBox="1"/>
           <p:nvPr>
-            <p:ph type="sldNum" idx="12"/>
+            <p:ph idx="12" type="sldNum"/>
           </p:nvPr>
         </p:nvSpPr>
         <p:spPr>
@@ -5554,7 +5483,7 @@
           </a:prstGeom>
         </p:spPr>
         <p:txBody>
-          <a:bodyPr spcFirstLastPara="1" wrap="square" lIns="91425" tIns="91425" rIns="91425" bIns="91425" anchor="ctr" anchorCtr="0">
+          <a:bodyPr anchorCtr="0" anchor="ctr" bIns="91425" lIns="91425" spcFirstLastPara="1" rIns="91425" wrap="square" tIns="91425">
             <a:noAutofit/>
           </a:bodyPr>
           <a:lstStyle>
@@ -5596,7 +5525,7 @@
             </a:lvl9pPr>
           </a:lstStyle>
           <a:p>
-            <a:pPr marL="0" lvl="0" indent="0" algn="r" rtl="0">
+            <a:pPr indent="0" lvl="0" marL="0" rtl="0" algn="r">
               <a:spcBef>
                 <a:spcPts val="0"/>
               </a:spcBef>
@@ -5622,11 +5551,11 @@
 </file>
 
 <file path=ppt/slideLayouts/slideLayout8.xml><?xml version="1.0" encoding="utf-8"?>
-<p:sldLayout xmlns:a="http://schemas.openxmlformats.org/drawingml/2006/main" xmlns:r="http://schemas.openxmlformats.org/officeDocument/2006/relationships" xmlns:p="http://schemas.openxmlformats.org/presentationml/2006/main" matchingName="Section title and description">
+<p:sldLayout xmlns:a="http://schemas.openxmlformats.org/drawingml/2006/main" xmlns:r="http://schemas.openxmlformats.org/officeDocument/2006/relationships" xmlns:mc="http://schemas.openxmlformats.org/markup-compatibility/2006" xmlns:mv="urn:schemas-microsoft-com:mac:vml" xmlns:p="http://schemas.openxmlformats.org/presentationml/2006/main" xmlns:c="http://schemas.openxmlformats.org/drawingml/2006/chart" xmlns:dgm="http://schemas.openxmlformats.org/drawingml/2006/diagram" xmlns:o="urn:schemas-microsoft-com:office:office" xmlns:v="urn:schemas-microsoft-com:vml" xmlns:pvml="urn:schemas-microsoft-com:office:powerpoint" xmlns:com="http://schemas.openxmlformats.org/drawingml/2006/compatibility" xmlns:p14="http://schemas.microsoft.com/office/powerpoint/2010/main" xmlns:p15="http://schemas.microsoft.com/office/powerpoint/2012/main" xmlns:ahyp="http://schemas.microsoft.com/office/drawing/2018/hyperlinkcolor" matchingName="Section title and description">
   <p:cSld name="SECTION_TITLE_AND_DESCRIPTION">
     <p:spTree>
       <p:nvGrpSpPr>
-        <p:cNvPr id="1" name="Shape 38"/>
+        <p:cNvPr id="38" name="Shape 38"/>
         <p:cNvGrpSpPr/>
         <p:nvPr/>
       </p:nvGrpSpPr>
@@ -5660,12 +5589,12 @@
           </a:ln>
         </p:spPr>
         <p:txBody>
-          <a:bodyPr spcFirstLastPara="1" wrap="square" lIns="91425" tIns="91425" rIns="91425" bIns="91425" anchor="ctr" anchorCtr="0">
+          <a:bodyPr anchorCtr="0" anchor="ctr" bIns="91425" lIns="91425" spcFirstLastPara="1" rIns="91425" wrap="square" tIns="91425">
             <a:noAutofit/>
           </a:bodyPr>
           <a:lstStyle/>
           <a:p>
-            <a:pPr marL="0" lvl="0" indent="0" algn="l" rtl="0">
+            <a:pPr indent="0" lvl="0" marL="0" rtl="0" algn="l">
               <a:spcBef>
                 <a:spcPts val="0"/>
               </a:spcBef>
@@ -5674,6 +5603,9 @@
               </a:spcAft>
               <a:buNone/>
             </a:pPr>
+            <a:r>
+              <a:t/>
+            </a:r>
             <a:endParaRPr/>
           </a:p>
         </p:txBody>
@@ -5693,23 +5625,21 @@
             <a:avLst/>
           </a:prstGeom>
           <a:noFill/>
-          <a:ln w="19050" cap="flat" cmpd="sng">
+          <a:ln cap="flat" cmpd="sng" w="19050">
             <a:solidFill>
               <a:schemeClr val="lt2"/>
             </a:solidFill>
             <a:prstDash val="solid"/>
             <a:round/>
-            <a:headEnd type="none" w="sm" len="sm"/>
-            <a:tailEnd type="none" w="sm" len="sm"/>
+            <a:headEnd len="sm" w="sm" type="none"/>
+            <a:tailEnd len="sm" w="sm" type="none"/>
           </a:ln>
         </p:spPr>
       </p:cxnSp>
       <p:sp>
         <p:nvSpPr>
           <p:cNvPr id="41" name="Google Shape;41;p9"/>
-          <p:cNvSpPr txBox="1">
-            <a:spLocks noGrp="1"/>
-          </p:cNvSpPr>
+          <p:cNvSpPr txBox="1"/>
           <p:nvPr>
             <p:ph type="title"/>
           </p:nvPr>
@@ -5724,7 +5654,7 @@
           </a:prstGeom>
         </p:spPr>
         <p:txBody>
-          <a:bodyPr spcFirstLastPara="1" wrap="square" lIns="91425" tIns="91425" rIns="91425" bIns="91425" anchor="b" anchorCtr="0">
+          <a:bodyPr anchorCtr="0" anchor="b" bIns="91425" lIns="91425" spcFirstLastPara="1" rIns="91425" wrap="square" tIns="91425">
             <a:noAutofit/>
           </a:bodyPr>
           <a:lstStyle>
@@ -5828,19 +5758,15 @@
               <a:defRPr sz="4200"/>
             </a:lvl9pPr>
           </a:lstStyle>
-          <a:p>
-            <a:endParaRPr/>
-          </a:p>
+          <a:p/>
         </p:txBody>
       </p:sp>
       <p:sp>
         <p:nvSpPr>
           <p:cNvPr id="42" name="Google Shape;42;p9"/>
-          <p:cNvSpPr txBox="1">
-            <a:spLocks noGrp="1"/>
-          </p:cNvSpPr>
+          <p:cNvSpPr txBox="1"/>
           <p:nvPr>
-            <p:ph type="subTitle" idx="1"/>
+            <p:ph idx="1" type="subTitle"/>
           </p:nvPr>
         </p:nvSpPr>
         <p:spPr>
@@ -5853,7 +5779,7 @@
           </a:prstGeom>
         </p:spPr>
         <p:txBody>
-          <a:bodyPr spcFirstLastPara="1" wrap="square" lIns="91425" tIns="91425" rIns="91425" bIns="91425" anchor="t" anchorCtr="0">
+          <a:bodyPr anchorCtr="0" anchor="t" bIns="91425" lIns="91425" spcFirstLastPara="1" rIns="91425" wrap="square" tIns="91425">
             <a:noAutofit/>
           </a:bodyPr>
           <a:lstStyle>
@@ -5984,19 +5910,15 @@
               <a:defRPr sz="2100"/>
             </a:lvl9pPr>
           </a:lstStyle>
-          <a:p>
-            <a:endParaRPr/>
-          </a:p>
+          <a:p/>
         </p:txBody>
       </p:sp>
       <p:sp>
         <p:nvSpPr>
           <p:cNvPr id="43" name="Google Shape;43;p9"/>
-          <p:cNvSpPr txBox="1">
-            <a:spLocks noGrp="1"/>
-          </p:cNvSpPr>
+          <p:cNvSpPr txBox="1"/>
           <p:nvPr>
-            <p:ph type="body" idx="2"/>
+            <p:ph idx="2" type="body"/>
           </p:nvPr>
         </p:nvSpPr>
         <p:spPr>
@@ -6009,11 +5931,11 @@
           </a:prstGeom>
         </p:spPr>
         <p:txBody>
-          <a:bodyPr spcFirstLastPara="1" wrap="square" lIns="91425" tIns="91425" rIns="91425" bIns="91425" anchor="ctr" anchorCtr="0">
+          <a:bodyPr anchorCtr="0" anchor="ctr" bIns="91425" lIns="91425" spcFirstLastPara="1" rIns="91425" wrap="square" tIns="91425">
             <a:noAutofit/>
           </a:bodyPr>
           <a:lstStyle>
-            <a:lvl1pPr marL="457200" lvl="0" indent="-342900">
+            <a:lvl1pPr indent="-342900" lvl="0" marL="457200">
               <a:spcBef>
                 <a:spcPts val="0"/>
               </a:spcBef>
@@ -6031,7 +5953,7 @@
                 </a:solidFill>
               </a:defRPr>
             </a:lvl1pPr>
-            <a:lvl2pPr marL="914400" lvl="1" indent="-317500">
+            <a:lvl2pPr indent="-317500" lvl="1" marL="914400">
               <a:spcBef>
                 <a:spcPts val="1600"/>
               </a:spcBef>
@@ -6049,7 +5971,7 @@
                 </a:solidFill>
               </a:defRPr>
             </a:lvl2pPr>
-            <a:lvl3pPr marL="1371600" lvl="2" indent="-317500">
+            <a:lvl3pPr indent="-317500" lvl="2" marL="1371600">
               <a:spcBef>
                 <a:spcPts val="1600"/>
               </a:spcBef>
@@ -6067,7 +5989,7 @@
                 </a:solidFill>
               </a:defRPr>
             </a:lvl3pPr>
-            <a:lvl4pPr marL="1828800" lvl="3" indent="-317500">
+            <a:lvl4pPr indent="-317500" lvl="3" marL="1828800">
               <a:spcBef>
                 <a:spcPts val="1600"/>
               </a:spcBef>
@@ -6085,7 +6007,7 @@
                 </a:solidFill>
               </a:defRPr>
             </a:lvl4pPr>
-            <a:lvl5pPr marL="2286000" lvl="4" indent="-317500">
+            <a:lvl5pPr indent="-317500" lvl="4" marL="2286000">
               <a:spcBef>
                 <a:spcPts val="1600"/>
               </a:spcBef>
@@ -6103,7 +6025,7 @@
                 </a:solidFill>
               </a:defRPr>
             </a:lvl5pPr>
-            <a:lvl6pPr marL="2743200" lvl="5" indent="-317500">
+            <a:lvl6pPr indent="-317500" lvl="5" marL="2743200">
               <a:spcBef>
                 <a:spcPts val="1600"/>
               </a:spcBef>
@@ -6121,7 +6043,7 @@
                 </a:solidFill>
               </a:defRPr>
             </a:lvl6pPr>
-            <a:lvl7pPr marL="3200400" lvl="6" indent="-317500">
+            <a:lvl7pPr indent="-317500" lvl="6" marL="3200400">
               <a:spcBef>
                 <a:spcPts val="1600"/>
               </a:spcBef>
@@ -6139,7 +6061,7 @@
                 </a:solidFill>
               </a:defRPr>
             </a:lvl7pPr>
-            <a:lvl8pPr marL="3657600" lvl="7" indent="-317500">
+            <a:lvl8pPr indent="-317500" lvl="7" marL="3657600">
               <a:spcBef>
                 <a:spcPts val="1600"/>
               </a:spcBef>
@@ -6157,7 +6079,7 @@
                 </a:solidFill>
               </a:defRPr>
             </a:lvl8pPr>
-            <a:lvl9pPr marL="4114800" lvl="8" indent="-317500">
+            <a:lvl9pPr indent="-317500" lvl="8" marL="4114800">
               <a:spcBef>
                 <a:spcPts val="1600"/>
               </a:spcBef>
@@ -6176,19 +6098,15 @@
               </a:defRPr>
             </a:lvl9pPr>
           </a:lstStyle>
-          <a:p>
-            <a:endParaRPr/>
-          </a:p>
+          <a:p/>
         </p:txBody>
       </p:sp>
       <p:sp>
         <p:nvSpPr>
           <p:cNvPr id="44" name="Google Shape;44;p9"/>
-          <p:cNvSpPr txBox="1">
-            <a:spLocks noGrp="1"/>
-          </p:cNvSpPr>
+          <p:cNvSpPr txBox="1"/>
           <p:nvPr>
-            <p:ph type="sldNum" idx="12"/>
+            <p:ph idx="12" type="sldNum"/>
           </p:nvPr>
         </p:nvSpPr>
         <p:spPr>
@@ -6201,7 +6119,7 @@
           </a:prstGeom>
         </p:spPr>
         <p:txBody>
-          <a:bodyPr spcFirstLastPara="1" wrap="square" lIns="91425" tIns="91425" rIns="91425" bIns="91425" anchor="ctr" anchorCtr="0">
+          <a:bodyPr anchorCtr="0" anchor="ctr" bIns="91425" lIns="91425" spcFirstLastPara="1" rIns="91425" wrap="square" tIns="91425">
             <a:noAutofit/>
           </a:bodyPr>
           <a:lstStyle>
@@ -6279,7 +6197,7 @@
             </a:lvl9pPr>
           </a:lstStyle>
           <a:p>
-            <a:pPr marL="0" lvl="0" indent="0" algn="r" rtl="0">
+            <a:pPr indent="0" lvl="0" marL="0" rtl="0" algn="r">
               <a:spcBef>
                 <a:spcPts val="0"/>
               </a:spcBef>
@@ -6305,11 +6223,11 @@
 </file>
 
 <file path=ppt/slideLayouts/slideLayout9.xml><?xml version="1.0" encoding="utf-8"?>
-<p:sldLayout xmlns:a="http://schemas.openxmlformats.org/drawingml/2006/main" xmlns:r="http://schemas.openxmlformats.org/officeDocument/2006/relationships" xmlns:p="http://schemas.openxmlformats.org/presentationml/2006/main" matchingName="Caption">
+<p:sldLayout xmlns:a="http://schemas.openxmlformats.org/drawingml/2006/main" xmlns:r="http://schemas.openxmlformats.org/officeDocument/2006/relationships" xmlns:mc="http://schemas.openxmlformats.org/markup-compatibility/2006" xmlns:mv="urn:schemas-microsoft-com:mac:vml" xmlns:p="http://schemas.openxmlformats.org/presentationml/2006/main" xmlns:c="http://schemas.openxmlformats.org/drawingml/2006/chart" xmlns:dgm="http://schemas.openxmlformats.org/drawingml/2006/diagram" xmlns:o="urn:schemas-microsoft-com:office:office" xmlns:v="urn:schemas-microsoft-com:vml" xmlns:pvml="urn:schemas-microsoft-com:office:powerpoint" xmlns:com="http://schemas.openxmlformats.org/drawingml/2006/compatibility" xmlns:p14="http://schemas.microsoft.com/office/powerpoint/2010/main" xmlns:p15="http://schemas.microsoft.com/office/powerpoint/2012/main" xmlns:ahyp="http://schemas.microsoft.com/office/drawing/2018/hyperlinkcolor" matchingName="Caption">
   <p:cSld name="CAPTION_ONLY">
     <p:spTree>
       <p:nvGrpSpPr>
-        <p:cNvPr id="1" name="Shape 45"/>
+        <p:cNvPr id="45" name="Shape 45"/>
         <p:cNvGrpSpPr/>
         <p:nvPr/>
       </p:nvGrpSpPr>
@@ -6324,11 +6242,9 @@
       <p:sp>
         <p:nvSpPr>
           <p:cNvPr id="46" name="Google Shape;46;p10"/>
-          <p:cNvSpPr txBox="1">
-            <a:spLocks noGrp="1"/>
-          </p:cNvSpPr>
+          <p:cNvSpPr txBox="1"/>
           <p:nvPr>
-            <p:ph type="body" idx="1"/>
+            <p:ph idx="1" type="body"/>
           </p:nvPr>
         </p:nvSpPr>
         <p:spPr>
@@ -6341,11 +6257,11 @@
           </a:prstGeom>
         </p:spPr>
         <p:txBody>
-          <a:bodyPr spcFirstLastPara="1" wrap="square" lIns="91425" tIns="91425" rIns="91425" bIns="91425" anchor="ctr" anchorCtr="0">
+          <a:bodyPr anchorCtr="0" anchor="ctr" bIns="91425" lIns="91425" spcFirstLastPara="1" rIns="91425" wrap="square" tIns="91425">
             <a:noAutofit/>
           </a:bodyPr>
           <a:lstStyle>
-            <a:lvl1pPr marL="457200" lvl="0" indent="-228600">
+            <a:lvl1pPr indent="-228600" lvl="0" marL="457200">
               <a:lnSpc>
                 <a:spcPct val="100000"/>
               </a:lnSpc>
@@ -6360,19 +6276,15 @@
               <a:defRPr sz="2100"/>
             </a:lvl1pPr>
           </a:lstStyle>
-          <a:p>
-            <a:endParaRPr/>
-          </a:p>
+          <a:p/>
         </p:txBody>
       </p:sp>
       <p:sp>
         <p:nvSpPr>
           <p:cNvPr id="47" name="Google Shape;47;p10"/>
-          <p:cNvSpPr txBox="1">
-            <a:spLocks noGrp="1"/>
-          </p:cNvSpPr>
+          <p:cNvSpPr txBox="1"/>
           <p:nvPr>
-            <p:ph type="sldNum" idx="12"/>
+            <p:ph idx="12" type="sldNum"/>
           </p:nvPr>
         </p:nvSpPr>
         <p:spPr>
@@ -6385,7 +6297,7 @@
           </a:prstGeom>
         </p:spPr>
         <p:txBody>
-          <a:bodyPr spcFirstLastPara="1" wrap="square" lIns="91425" tIns="91425" rIns="91425" bIns="91425" anchor="ctr" anchorCtr="0">
+          <a:bodyPr anchorCtr="0" anchor="ctr" bIns="91425" lIns="91425" spcFirstLastPara="1" rIns="91425" wrap="square" tIns="91425">
             <a:noAutofit/>
           </a:bodyPr>
           <a:lstStyle>
@@ -6427,7 +6339,7 @@
             </a:lvl9pPr>
           </a:lstStyle>
           <a:p>
-            <a:pPr marL="0" lvl="0" indent="0" algn="r" rtl="0">
+            <a:pPr indent="0" lvl="0" marL="0" rtl="0" algn="r">
               <a:spcBef>
                 <a:spcPts val="0"/>
               </a:spcBef>
@@ -6453,19 +6365,18 @@
 </file>
 
 <file path=ppt/slideMasters/slideMaster1.xml><?xml version="1.0" encoding="utf-8"?>
-<p:sldMaster xmlns:a="http://schemas.openxmlformats.org/drawingml/2006/main" xmlns:r="http://schemas.openxmlformats.org/officeDocument/2006/relationships" xmlns:p="http://schemas.openxmlformats.org/presentationml/2006/main">
+<p:sldMaster xmlns:a="http://schemas.openxmlformats.org/drawingml/2006/main" xmlns:r="http://schemas.openxmlformats.org/officeDocument/2006/relationships" xmlns:mc="http://schemas.openxmlformats.org/markup-compatibility/2006" xmlns:mv="urn:schemas-microsoft-com:mac:vml" xmlns:p="http://schemas.openxmlformats.org/presentationml/2006/main" xmlns:c="http://schemas.openxmlformats.org/drawingml/2006/chart" xmlns:dgm="http://schemas.openxmlformats.org/drawingml/2006/diagram" xmlns:o="urn:schemas-microsoft-com:office:office" xmlns:v="urn:schemas-microsoft-com:vml" xmlns:pvml="urn:schemas-microsoft-com:office:powerpoint" xmlns:com="http://schemas.openxmlformats.org/drawingml/2006/compatibility" xmlns:p14="http://schemas.microsoft.com/office/powerpoint/2010/main" xmlns:p15="http://schemas.microsoft.com/office/powerpoint/2012/main" xmlns:ahyp="http://schemas.microsoft.com/office/drawing/2018/hyperlinkcolor">
   <p:cSld name="spearmint">
     <p:bg>
       <p:bgPr>
         <a:solidFill>
           <a:schemeClr val="lt1"/>
         </a:solidFill>
-        <a:effectLst/>
       </p:bgPr>
     </p:bg>
     <p:spTree>
       <p:nvGrpSpPr>
-        <p:cNvPr id="1" name="Shape 5"/>
+        <p:cNvPr id="5" name="Shape 5"/>
         <p:cNvGrpSpPr/>
         <p:nvPr/>
       </p:nvGrpSpPr>
@@ -6480,9 +6391,7 @@
       <p:sp>
         <p:nvSpPr>
           <p:cNvPr id="6" name="Google Shape;6;p1"/>
-          <p:cNvSpPr txBox="1">
-            <a:spLocks noGrp="1"/>
-          </p:cNvSpPr>
+          <p:cNvSpPr txBox="1"/>
           <p:nvPr>
             <p:ph type="title"/>
           </p:nvPr>
@@ -6501,7 +6410,7 @@
           </a:ln>
         </p:spPr>
         <p:txBody>
-          <a:bodyPr spcFirstLastPara="1" wrap="square" lIns="91425" tIns="91425" rIns="91425" bIns="91425" anchor="t" anchorCtr="0">
+          <a:bodyPr anchorCtr="0" anchor="t" bIns="91425" lIns="91425" spcFirstLastPara="1" rIns="91425" wrap="square" tIns="91425">
             <a:noAutofit/>
           </a:bodyPr>
           <a:lstStyle>
@@ -6713,19 +6622,15 @@
               </a:defRPr>
             </a:lvl9pPr>
           </a:lstStyle>
-          <a:p>
-            <a:endParaRPr/>
-          </a:p>
+          <a:p/>
         </p:txBody>
       </p:sp>
       <p:sp>
         <p:nvSpPr>
           <p:cNvPr id="7" name="Google Shape;7;p1"/>
-          <p:cNvSpPr txBox="1">
-            <a:spLocks noGrp="1"/>
-          </p:cNvSpPr>
+          <p:cNvSpPr txBox="1"/>
           <p:nvPr>
-            <p:ph type="body" idx="1"/>
+            <p:ph idx="1" type="body"/>
           </p:nvPr>
         </p:nvSpPr>
         <p:spPr>
@@ -6742,11 +6647,11 @@
           </a:ln>
         </p:spPr>
         <p:txBody>
-          <a:bodyPr spcFirstLastPara="1" wrap="square" lIns="91425" tIns="91425" rIns="91425" bIns="91425" anchor="t" anchorCtr="0">
+          <a:bodyPr anchorCtr="0" anchor="t" bIns="91425" lIns="91425" spcFirstLastPara="1" rIns="91425" wrap="square" tIns="91425">
             <a:noAutofit/>
           </a:bodyPr>
           <a:lstStyle>
-            <a:lvl1pPr marL="457200" lvl="0" indent="-342900">
+            <a:lvl1pPr indent="-342900" lvl="0" marL="457200">
               <a:lnSpc>
                 <a:spcPct val="115000"/>
               </a:lnSpc>
@@ -6772,7 +6677,7 @@
                 <a:sym typeface="Proxima Nova"/>
               </a:defRPr>
             </a:lvl1pPr>
-            <a:lvl2pPr marL="914400" lvl="1" indent="-317500">
+            <a:lvl2pPr indent="-317500" lvl="1" marL="914400">
               <a:lnSpc>
                 <a:spcPct val="115000"/>
               </a:lnSpc>
@@ -6798,7 +6703,7 @@
                 <a:sym typeface="Proxima Nova"/>
               </a:defRPr>
             </a:lvl2pPr>
-            <a:lvl3pPr marL="1371600" lvl="2" indent="-317500">
+            <a:lvl3pPr indent="-317500" lvl="2" marL="1371600">
               <a:lnSpc>
                 <a:spcPct val="115000"/>
               </a:lnSpc>
@@ -6824,7 +6729,7 @@
                 <a:sym typeface="Proxima Nova"/>
               </a:defRPr>
             </a:lvl3pPr>
-            <a:lvl4pPr marL="1828800" lvl="3" indent="-317500">
+            <a:lvl4pPr indent="-317500" lvl="3" marL="1828800">
               <a:lnSpc>
                 <a:spcPct val="115000"/>
               </a:lnSpc>
@@ -6850,7 +6755,7 @@
                 <a:sym typeface="Proxima Nova"/>
               </a:defRPr>
             </a:lvl4pPr>
-            <a:lvl5pPr marL="2286000" lvl="4" indent="-317500">
+            <a:lvl5pPr indent="-317500" lvl="4" marL="2286000">
               <a:lnSpc>
                 <a:spcPct val="115000"/>
               </a:lnSpc>
@@ -6876,7 +6781,7 @@
                 <a:sym typeface="Proxima Nova"/>
               </a:defRPr>
             </a:lvl5pPr>
-            <a:lvl6pPr marL="2743200" lvl="5" indent="-317500">
+            <a:lvl6pPr indent="-317500" lvl="5" marL="2743200">
               <a:lnSpc>
                 <a:spcPct val="115000"/>
               </a:lnSpc>
@@ -6902,7 +6807,7 @@
                 <a:sym typeface="Proxima Nova"/>
               </a:defRPr>
             </a:lvl6pPr>
-            <a:lvl7pPr marL="3200400" lvl="6" indent="-317500">
+            <a:lvl7pPr indent="-317500" lvl="6" marL="3200400">
               <a:lnSpc>
                 <a:spcPct val="115000"/>
               </a:lnSpc>
@@ -6928,7 +6833,7 @@
                 <a:sym typeface="Proxima Nova"/>
               </a:defRPr>
             </a:lvl7pPr>
-            <a:lvl8pPr marL="3657600" lvl="7" indent="-317500">
+            <a:lvl8pPr indent="-317500" lvl="7" marL="3657600">
               <a:lnSpc>
                 <a:spcPct val="115000"/>
               </a:lnSpc>
@@ -6954,7 +6859,7 @@
                 <a:sym typeface="Proxima Nova"/>
               </a:defRPr>
             </a:lvl8pPr>
-            <a:lvl9pPr marL="4114800" lvl="8" indent="-317500">
+            <a:lvl9pPr indent="-317500" lvl="8" marL="4114800">
               <a:lnSpc>
                 <a:spcPct val="115000"/>
               </a:lnSpc>
@@ -6981,19 +6886,15 @@
               </a:defRPr>
             </a:lvl9pPr>
           </a:lstStyle>
-          <a:p>
-            <a:endParaRPr/>
-          </a:p>
+          <a:p/>
         </p:txBody>
       </p:sp>
       <p:sp>
         <p:nvSpPr>
           <p:cNvPr id="8" name="Google Shape;8;p1"/>
-          <p:cNvSpPr txBox="1">
-            <a:spLocks noGrp="1"/>
-          </p:cNvSpPr>
+          <p:cNvSpPr txBox="1"/>
           <p:nvPr>
-            <p:ph type="sldNum" idx="12"/>
+            <p:ph idx="12" type="sldNum"/>
           </p:nvPr>
         </p:nvSpPr>
         <p:spPr>
@@ -7010,7 +6911,7 @@
           </a:ln>
         </p:spPr>
         <p:txBody>
-          <a:bodyPr spcFirstLastPara="1" wrap="square" lIns="91425" tIns="91425" rIns="91425" bIns="91425" anchor="ctr" anchorCtr="0">
+          <a:bodyPr anchorCtr="0" anchor="ctr" bIns="91425" lIns="91425" spcFirstLastPara="1" rIns="91425" wrap="square" tIns="91425">
             <a:noAutofit/>
           </a:bodyPr>
           <a:lstStyle>
@@ -7124,7 +7025,7 @@
             </a:lvl9pPr>
           </a:lstStyle>
           <a:p>
-            <a:pPr marL="0" lvl="0" indent="0" algn="r" rtl="0">
+            <a:pPr indent="0" lvl="0" marL="0" rtl="0" algn="r">
               <a:spcBef>
                 <a:spcPts val="0"/>
               </a:spcBef>
@@ -7143,7 +7044,7 @@
       </p:sp>
     </p:spTree>
   </p:cSld>
-  <p:clrMap bg1="lt1" tx1="dk1" bg2="dk2" tx2="lt2" accent1="accent1" accent2="accent2" accent3="accent3" accent4="accent4" accent5="accent5" accent6="accent6" hlink="hlink" folHlink="folHlink"/>
+  <p:clrMap accent1="accent1" accent2="accent2" accent3="accent3" accent4="accent4" accent5="accent5" accent6="accent6" bg1="lt1" bg2="dk2" tx1="dk1" tx2="lt2" folHlink="folHlink" hlink="hlink"/>
   <p:sldLayoutIdLst>
     <p:sldLayoutId id="2147483648" r:id="rId1"/>
     <p:sldLayoutId id="2147483649" r:id="rId2"/>
@@ -7157,10 +7058,10 @@
     <p:sldLayoutId id="2147483657" r:id="rId10"/>
     <p:sldLayoutId id="2147483658" r:id="rId11"/>
   </p:sldLayoutIdLst>
-  <p:hf sldNum="0" hdr="0" ftr="0" dt="0"/>
+  <p:hf dt="0" ftr="0" hdr="0" sldNum="0"/>
   <p:txStyles>
     <p:titleStyle>
-      <a:defPPr marR="0" lvl="0" algn="l" rtl="0">
+      <a:defPPr lvl="0" marR="0" rtl="0" algn="l">
         <a:lnSpc>
           <a:spcPct val="100000"/>
         </a:lnSpc>
@@ -7171,7 +7072,7 @@
           <a:spcPts val="0"/>
         </a:spcAft>
       </a:defPPr>
-      <a:lvl1pPr marR="0" lvl="0" algn="l" rtl="0">
+      <a:lvl1pPr lvl="0" marR="0" rtl="0" algn="l">
         <a:lnSpc>
           <a:spcPct val="100000"/>
         </a:lnSpc>
@@ -7185,7 +7086,7 @@
           <a:srgbClr val="000000"/>
         </a:buClr>
         <a:buFont typeface="Arial"/>
-        <a:defRPr sz="1400" b="0" i="0" u="none" strike="noStrike" cap="none">
+        <a:defRPr b="0" i="0" sz="1400" u="none" cap="none" strike="noStrike">
           <a:solidFill>
             <a:srgbClr val="000000"/>
           </a:solidFill>
@@ -7195,7 +7096,7 @@
           <a:sym typeface="Arial"/>
         </a:defRPr>
       </a:lvl1pPr>
-      <a:lvl2pPr marR="0" lvl="1" algn="l" rtl="0">
+      <a:lvl2pPr lvl="1" marR="0" rtl="0" algn="l">
         <a:lnSpc>
           <a:spcPct val="100000"/>
         </a:lnSpc>
@@ -7209,7 +7110,7 @@
           <a:srgbClr val="000000"/>
         </a:buClr>
         <a:buFont typeface="Arial"/>
-        <a:defRPr sz="1400" b="0" i="0" u="none" strike="noStrike" cap="none">
+        <a:defRPr b="0" i="0" sz="1400" u="none" cap="none" strike="noStrike">
           <a:solidFill>
             <a:srgbClr val="000000"/>
           </a:solidFill>
@@ -7219,7 +7120,7 @@
           <a:sym typeface="Arial"/>
         </a:defRPr>
       </a:lvl2pPr>
-      <a:lvl3pPr marR="0" lvl="2" algn="l" rtl="0">
+      <a:lvl3pPr lvl="2" marR="0" rtl="0" algn="l">
         <a:lnSpc>
           <a:spcPct val="100000"/>
         </a:lnSpc>
@@ -7233,7 +7134,7 @@
           <a:srgbClr val="000000"/>
         </a:buClr>
         <a:buFont typeface="Arial"/>
-        <a:defRPr sz="1400" b="0" i="0" u="none" strike="noStrike" cap="none">
+        <a:defRPr b="0" i="0" sz="1400" u="none" cap="none" strike="noStrike">
           <a:solidFill>
             <a:srgbClr val="000000"/>
           </a:solidFill>
@@ -7243,7 +7144,7 @@
           <a:sym typeface="Arial"/>
         </a:defRPr>
       </a:lvl3pPr>
-      <a:lvl4pPr marR="0" lvl="3" algn="l" rtl="0">
+      <a:lvl4pPr lvl="3" marR="0" rtl="0" algn="l">
         <a:lnSpc>
           <a:spcPct val="100000"/>
         </a:lnSpc>
@@ -7257,7 +7158,7 @@
           <a:srgbClr val="000000"/>
         </a:buClr>
         <a:buFont typeface="Arial"/>
-        <a:defRPr sz="1400" b="0" i="0" u="none" strike="noStrike" cap="none">
+        <a:defRPr b="0" i="0" sz="1400" u="none" cap="none" strike="noStrike">
           <a:solidFill>
             <a:srgbClr val="000000"/>
           </a:solidFill>
@@ -7267,7 +7168,7 @@
           <a:sym typeface="Arial"/>
         </a:defRPr>
       </a:lvl4pPr>
-      <a:lvl5pPr marR="0" lvl="4" algn="l" rtl="0">
+      <a:lvl5pPr lvl="4" marR="0" rtl="0" algn="l">
         <a:lnSpc>
           <a:spcPct val="100000"/>
         </a:lnSpc>
@@ -7281,7 +7182,7 @@
           <a:srgbClr val="000000"/>
         </a:buClr>
         <a:buFont typeface="Arial"/>
-        <a:defRPr sz="1400" b="0" i="0" u="none" strike="noStrike" cap="none">
+        <a:defRPr b="0" i="0" sz="1400" u="none" cap="none" strike="noStrike">
           <a:solidFill>
             <a:srgbClr val="000000"/>
           </a:solidFill>
@@ -7291,7 +7192,7 @@
           <a:sym typeface="Arial"/>
         </a:defRPr>
       </a:lvl5pPr>
-      <a:lvl6pPr marR="0" lvl="5" algn="l" rtl="0">
+      <a:lvl6pPr lvl="5" marR="0" rtl="0" algn="l">
         <a:lnSpc>
           <a:spcPct val="100000"/>
         </a:lnSpc>
@@ -7305,7 +7206,7 @@
           <a:srgbClr val="000000"/>
         </a:buClr>
         <a:buFont typeface="Arial"/>
-        <a:defRPr sz="1400" b="0" i="0" u="none" strike="noStrike" cap="none">
+        <a:defRPr b="0" i="0" sz="1400" u="none" cap="none" strike="noStrike">
           <a:solidFill>
             <a:srgbClr val="000000"/>
           </a:solidFill>
@@ -7315,7 +7216,7 @@
           <a:sym typeface="Arial"/>
         </a:defRPr>
       </a:lvl6pPr>
-      <a:lvl7pPr marR="0" lvl="6" algn="l" rtl="0">
+      <a:lvl7pPr lvl="6" marR="0" rtl="0" algn="l">
         <a:lnSpc>
           <a:spcPct val="100000"/>
         </a:lnSpc>
@@ -7329,7 +7230,7 @@
           <a:srgbClr val="000000"/>
         </a:buClr>
         <a:buFont typeface="Arial"/>
-        <a:defRPr sz="1400" b="0" i="0" u="none" strike="noStrike" cap="none">
+        <a:defRPr b="0" i="0" sz="1400" u="none" cap="none" strike="noStrike">
           <a:solidFill>
             <a:srgbClr val="000000"/>
           </a:solidFill>
@@ -7339,7 +7240,7 @@
           <a:sym typeface="Arial"/>
         </a:defRPr>
       </a:lvl7pPr>
-      <a:lvl8pPr marR="0" lvl="7" algn="l" rtl="0">
+      <a:lvl8pPr lvl="7" marR="0" rtl="0" algn="l">
         <a:lnSpc>
           <a:spcPct val="100000"/>
         </a:lnSpc>
@@ -7353,7 +7254,7 @@
           <a:srgbClr val="000000"/>
         </a:buClr>
         <a:buFont typeface="Arial"/>
-        <a:defRPr sz="1400" b="0" i="0" u="none" strike="noStrike" cap="none">
+        <a:defRPr b="0" i="0" sz="1400" u="none" cap="none" strike="noStrike">
           <a:solidFill>
             <a:srgbClr val="000000"/>
           </a:solidFill>
@@ -7363,7 +7264,7 @@
           <a:sym typeface="Arial"/>
         </a:defRPr>
       </a:lvl8pPr>
-      <a:lvl9pPr marR="0" lvl="8" algn="l" rtl="0">
+      <a:lvl9pPr lvl="8" marR="0" rtl="0" algn="l">
         <a:lnSpc>
           <a:spcPct val="100000"/>
         </a:lnSpc>
@@ -7377,7 +7278,7 @@
           <a:srgbClr val="000000"/>
         </a:buClr>
         <a:buFont typeface="Arial"/>
-        <a:defRPr sz="1400" b="0" i="0" u="none" strike="noStrike" cap="none">
+        <a:defRPr b="0" i="0" sz="1400" u="none" cap="none" strike="noStrike">
           <a:solidFill>
             <a:srgbClr val="000000"/>
           </a:solidFill>
@@ -7389,7 +7290,7 @@
       </a:lvl9pPr>
     </p:titleStyle>
     <p:bodyStyle>
-      <a:defPPr marR="0" lvl="0" algn="l" rtl="0">
+      <a:defPPr lvl="0" marR="0" rtl="0" algn="l">
         <a:lnSpc>
           <a:spcPct val="100000"/>
         </a:lnSpc>
@@ -7400,7 +7301,7 @@
           <a:spcPts val="0"/>
         </a:spcAft>
       </a:defPPr>
-      <a:lvl1pPr marR="0" lvl="0" algn="l" rtl="0">
+      <a:lvl1pPr lvl="0" marR="0" rtl="0" algn="l">
         <a:lnSpc>
           <a:spcPct val="100000"/>
         </a:lnSpc>
@@ -7414,7 +7315,7 @@
           <a:srgbClr val="000000"/>
         </a:buClr>
         <a:buFont typeface="Arial"/>
-        <a:defRPr sz="1400" b="0" i="0" u="none" strike="noStrike" cap="none">
+        <a:defRPr b="0" i="0" sz="1400" u="none" cap="none" strike="noStrike">
           <a:solidFill>
             <a:srgbClr val="000000"/>
           </a:solidFill>
@@ -7424,7 +7325,7 @@
           <a:sym typeface="Arial"/>
         </a:defRPr>
       </a:lvl1pPr>
-      <a:lvl2pPr marR="0" lvl="1" algn="l" rtl="0">
+      <a:lvl2pPr lvl="1" marR="0" rtl="0" algn="l">
         <a:lnSpc>
           <a:spcPct val="100000"/>
         </a:lnSpc>
@@ -7438,7 +7339,7 @@
           <a:srgbClr val="000000"/>
         </a:buClr>
         <a:buFont typeface="Arial"/>
-        <a:defRPr sz="1400" b="0" i="0" u="none" strike="noStrike" cap="none">
+        <a:defRPr b="0" i="0" sz="1400" u="none" cap="none" strike="noStrike">
           <a:solidFill>
             <a:srgbClr val="000000"/>
           </a:solidFill>
@@ -7448,7 +7349,7 @@
           <a:sym typeface="Arial"/>
         </a:defRPr>
       </a:lvl2pPr>
-      <a:lvl3pPr marR="0" lvl="2" algn="l" rtl="0">
+      <a:lvl3pPr lvl="2" marR="0" rtl="0" algn="l">
         <a:lnSpc>
           <a:spcPct val="100000"/>
         </a:lnSpc>
@@ -7462,7 +7363,7 @@
           <a:srgbClr val="000000"/>
         </a:buClr>
         <a:buFont typeface="Arial"/>
-        <a:defRPr sz="1400" b="0" i="0" u="none" strike="noStrike" cap="none">
+        <a:defRPr b="0" i="0" sz="1400" u="none" cap="none" strike="noStrike">
           <a:solidFill>
             <a:srgbClr val="000000"/>
           </a:solidFill>
@@ -7472,7 +7373,7 @@
           <a:sym typeface="Arial"/>
         </a:defRPr>
       </a:lvl3pPr>
-      <a:lvl4pPr marR="0" lvl="3" algn="l" rtl="0">
+      <a:lvl4pPr lvl="3" marR="0" rtl="0" algn="l">
         <a:lnSpc>
           <a:spcPct val="100000"/>
         </a:lnSpc>
@@ -7486,7 +7387,7 @@
           <a:srgbClr val="000000"/>
         </a:buClr>
         <a:buFont typeface="Arial"/>
-        <a:defRPr sz="1400" b="0" i="0" u="none" strike="noStrike" cap="none">
+        <a:defRPr b="0" i="0" sz="1400" u="none" cap="none" strike="noStrike">
           <a:solidFill>
             <a:srgbClr val="000000"/>
           </a:solidFill>
@@ -7496,7 +7397,7 @@
           <a:sym typeface="Arial"/>
         </a:defRPr>
       </a:lvl4pPr>
-      <a:lvl5pPr marR="0" lvl="4" algn="l" rtl="0">
+      <a:lvl5pPr lvl="4" marR="0" rtl="0" algn="l">
         <a:lnSpc>
           <a:spcPct val="100000"/>
         </a:lnSpc>
@@ -7510,7 +7411,7 @@
           <a:srgbClr val="000000"/>
         </a:buClr>
         <a:buFont typeface="Arial"/>
-        <a:defRPr sz="1400" b="0" i="0" u="none" strike="noStrike" cap="none">
+        <a:defRPr b="0" i="0" sz="1400" u="none" cap="none" strike="noStrike">
           <a:solidFill>
             <a:srgbClr val="000000"/>
           </a:solidFill>
@@ -7520,7 +7421,7 @@
           <a:sym typeface="Arial"/>
         </a:defRPr>
       </a:lvl5pPr>
-      <a:lvl6pPr marR="0" lvl="5" algn="l" rtl="0">
+      <a:lvl6pPr lvl="5" marR="0" rtl="0" algn="l">
         <a:lnSpc>
           <a:spcPct val="100000"/>
         </a:lnSpc>
@@ -7534,7 +7435,7 @@
           <a:srgbClr val="000000"/>
         </a:buClr>
         <a:buFont typeface="Arial"/>
-        <a:defRPr sz="1400" b="0" i="0" u="none" strike="noStrike" cap="none">
+        <a:defRPr b="0" i="0" sz="1400" u="none" cap="none" strike="noStrike">
           <a:solidFill>
             <a:srgbClr val="000000"/>
           </a:solidFill>
@@ -7544,7 +7445,7 @@
           <a:sym typeface="Arial"/>
         </a:defRPr>
       </a:lvl6pPr>
-      <a:lvl7pPr marR="0" lvl="6" algn="l" rtl="0">
+      <a:lvl7pPr lvl="6" marR="0" rtl="0" algn="l">
         <a:lnSpc>
           <a:spcPct val="100000"/>
         </a:lnSpc>
@@ -7558,7 +7459,7 @@
           <a:srgbClr val="000000"/>
         </a:buClr>
         <a:buFont typeface="Arial"/>
-        <a:defRPr sz="1400" b="0" i="0" u="none" strike="noStrike" cap="none">
+        <a:defRPr b="0" i="0" sz="1400" u="none" cap="none" strike="noStrike">
           <a:solidFill>
             <a:srgbClr val="000000"/>
           </a:solidFill>
@@ -7568,7 +7469,7 @@
           <a:sym typeface="Arial"/>
         </a:defRPr>
       </a:lvl7pPr>
-      <a:lvl8pPr marR="0" lvl="7" algn="l" rtl="0">
+      <a:lvl8pPr lvl="7" marR="0" rtl="0" algn="l">
         <a:lnSpc>
           <a:spcPct val="100000"/>
         </a:lnSpc>
@@ -7582,7 +7483,7 @@
           <a:srgbClr val="000000"/>
         </a:buClr>
         <a:buFont typeface="Arial"/>
-        <a:defRPr sz="1400" b="0" i="0" u="none" strike="noStrike" cap="none">
+        <a:defRPr b="0" i="0" sz="1400" u="none" cap="none" strike="noStrike">
           <a:solidFill>
             <a:srgbClr val="000000"/>
           </a:solidFill>
@@ -7592,7 +7493,7 @@
           <a:sym typeface="Arial"/>
         </a:defRPr>
       </a:lvl8pPr>
-      <a:lvl9pPr marR="0" lvl="8" algn="l" rtl="0">
+      <a:lvl9pPr lvl="8" marR="0" rtl="0" algn="l">
         <a:lnSpc>
           <a:spcPct val="100000"/>
         </a:lnSpc>
@@ -7606,7 +7507,7 @@
           <a:srgbClr val="000000"/>
         </a:buClr>
         <a:buFont typeface="Arial"/>
-        <a:defRPr sz="1400" b="0" i="0" u="none" strike="noStrike" cap="none">
+        <a:defRPr b="0" i="0" sz="1400" u="none" cap="none" strike="noStrike">
           <a:solidFill>
             <a:srgbClr val="000000"/>
           </a:solidFill>
@@ -7618,7 +7519,7 @@
       </a:lvl9pPr>
     </p:bodyStyle>
     <p:otherStyle>
-      <a:defPPr marR="0" lvl="0" algn="l" rtl="0">
+      <a:defPPr lvl="0" marR="0" rtl="0" algn="l">
         <a:lnSpc>
           <a:spcPct val="100000"/>
         </a:lnSpc>
@@ -7629,7 +7530,7 @@
           <a:spcPts val="0"/>
         </a:spcAft>
       </a:defPPr>
-      <a:lvl1pPr marR="0" lvl="0" algn="l" rtl="0">
+      <a:lvl1pPr lvl="0" marR="0" rtl="0" algn="l">
         <a:lnSpc>
           <a:spcPct val="100000"/>
         </a:lnSpc>
@@ -7643,7 +7544,7 @@
           <a:srgbClr val="000000"/>
         </a:buClr>
         <a:buFont typeface="Arial"/>
-        <a:defRPr sz="1400" b="0" i="0" u="none" strike="noStrike" cap="none">
+        <a:defRPr b="0" i="0" sz="1400" u="none" cap="none" strike="noStrike">
           <a:solidFill>
             <a:srgbClr val="000000"/>
           </a:solidFill>
@@ -7653,7 +7554,7 @@
           <a:sym typeface="Arial"/>
         </a:defRPr>
       </a:lvl1pPr>
-      <a:lvl2pPr marR="0" lvl="1" algn="l" rtl="0">
+      <a:lvl2pPr lvl="1" marR="0" rtl="0" algn="l">
         <a:lnSpc>
           <a:spcPct val="100000"/>
         </a:lnSpc>
@@ -7667,7 +7568,7 @@
           <a:srgbClr val="000000"/>
         </a:buClr>
         <a:buFont typeface="Arial"/>
-        <a:defRPr sz="1400" b="0" i="0" u="none" strike="noStrike" cap="none">
+        <a:defRPr b="0" i="0" sz="1400" u="none" cap="none" strike="noStrike">
           <a:solidFill>
             <a:srgbClr val="000000"/>
           </a:solidFill>
@@ -7677,7 +7578,7 @@
           <a:sym typeface="Arial"/>
         </a:defRPr>
       </a:lvl2pPr>
-      <a:lvl3pPr marR="0" lvl="2" algn="l" rtl="0">
+      <a:lvl3pPr lvl="2" marR="0" rtl="0" algn="l">
         <a:lnSpc>
           <a:spcPct val="100000"/>
         </a:lnSpc>
@@ -7691,7 +7592,7 @@
           <a:srgbClr val="000000"/>
         </a:buClr>
         <a:buFont typeface="Arial"/>
-        <a:defRPr sz="1400" b="0" i="0" u="none" strike="noStrike" cap="none">
+        <a:defRPr b="0" i="0" sz="1400" u="none" cap="none" strike="noStrike">
           <a:solidFill>
             <a:srgbClr val="000000"/>
           </a:solidFill>
@@ -7701,7 +7602,7 @@
           <a:sym typeface="Arial"/>
         </a:defRPr>
       </a:lvl3pPr>
-      <a:lvl4pPr marR="0" lvl="3" algn="l" rtl="0">
+      <a:lvl4pPr lvl="3" marR="0" rtl="0" algn="l">
         <a:lnSpc>
           <a:spcPct val="100000"/>
         </a:lnSpc>
@@ -7715,7 +7616,7 @@
           <a:srgbClr val="000000"/>
         </a:buClr>
         <a:buFont typeface="Arial"/>
-        <a:defRPr sz="1400" b="0" i="0" u="none" strike="noStrike" cap="none">
+        <a:defRPr b="0" i="0" sz="1400" u="none" cap="none" strike="noStrike">
           <a:solidFill>
             <a:srgbClr val="000000"/>
           </a:solidFill>
@@ -7725,7 +7626,7 @@
           <a:sym typeface="Arial"/>
         </a:defRPr>
       </a:lvl4pPr>
-      <a:lvl5pPr marR="0" lvl="4" algn="l" rtl="0">
+      <a:lvl5pPr lvl="4" marR="0" rtl="0" algn="l">
         <a:lnSpc>
           <a:spcPct val="100000"/>
         </a:lnSpc>
@@ -7739,7 +7640,7 @@
           <a:srgbClr val="000000"/>
         </a:buClr>
         <a:buFont typeface="Arial"/>
-        <a:defRPr sz="1400" b="0" i="0" u="none" strike="noStrike" cap="none">
+        <a:defRPr b="0" i="0" sz="1400" u="none" cap="none" strike="noStrike">
           <a:solidFill>
             <a:srgbClr val="000000"/>
           </a:solidFill>
@@ -7749,7 +7650,7 @@
           <a:sym typeface="Arial"/>
         </a:defRPr>
       </a:lvl5pPr>
-      <a:lvl6pPr marR="0" lvl="5" algn="l" rtl="0">
+      <a:lvl6pPr lvl="5" marR="0" rtl="0" algn="l">
         <a:lnSpc>
           <a:spcPct val="100000"/>
         </a:lnSpc>
@@ -7763,7 +7664,7 @@
           <a:srgbClr val="000000"/>
         </a:buClr>
         <a:buFont typeface="Arial"/>
-        <a:defRPr sz="1400" b="0" i="0" u="none" strike="noStrike" cap="none">
+        <a:defRPr b="0" i="0" sz="1400" u="none" cap="none" strike="noStrike">
           <a:solidFill>
             <a:srgbClr val="000000"/>
           </a:solidFill>
@@ -7773,7 +7674,7 @@
           <a:sym typeface="Arial"/>
         </a:defRPr>
       </a:lvl6pPr>
-      <a:lvl7pPr marR="0" lvl="6" algn="l" rtl="0">
+      <a:lvl7pPr lvl="6" marR="0" rtl="0" algn="l">
         <a:lnSpc>
           <a:spcPct val="100000"/>
         </a:lnSpc>
@@ -7787,7 +7688,7 @@
           <a:srgbClr val="000000"/>
         </a:buClr>
         <a:buFont typeface="Arial"/>
-        <a:defRPr sz="1400" b="0" i="0" u="none" strike="noStrike" cap="none">
+        <a:defRPr b="0" i="0" sz="1400" u="none" cap="none" strike="noStrike">
           <a:solidFill>
             <a:srgbClr val="000000"/>
           </a:solidFill>
@@ -7797,7 +7698,7 @@
           <a:sym typeface="Arial"/>
         </a:defRPr>
       </a:lvl7pPr>
-      <a:lvl8pPr marR="0" lvl="7" algn="l" rtl="0">
+      <a:lvl8pPr lvl="7" marR="0" rtl="0" algn="l">
         <a:lnSpc>
           <a:spcPct val="100000"/>
         </a:lnSpc>
@@ -7811,7 +7712,7 @@
           <a:srgbClr val="000000"/>
         </a:buClr>
         <a:buFont typeface="Arial"/>
-        <a:defRPr sz="1400" b="0" i="0" u="none" strike="noStrike" cap="none">
+        <a:defRPr b="0" i="0" sz="1400" u="none" cap="none" strike="noStrike">
           <a:solidFill>
             <a:srgbClr val="000000"/>
           </a:solidFill>
@@ -7821,7 +7722,7 @@
           <a:sym typeface="Arial"/>
         </a:defRPr>
       </a:lvl8pPr>
-      <a:lvl9pPr marR="0" lvl="8" algn="l" rtl="0">
+      <a:lvl9pPr lvl="8" marR="0" rtl="0" algn="l">
         <a:lnSpc>
           <a:spcPct val="100000"/>
         </a:lnSpc>
@@ -7835,7 +7736,7 @@
           <a:srgbClr val="000000"/>
         </a:buClr>
         <a:buFont typeface="Arial"/>
-        <a:defRPr sz="1400" b="0" i="0" u="none" strike="noStrike" cap="none">
+        <a:defRPr b="0" i="0" sz="1400" u="none" cap="none" strike="noStrike">
           <a:solidFill>
             <a:srgbClr val="000000"/>
           </a:solidFill>
@@ -7851,19 +7752,18 @@
 </file>
 
 <file path=ppt/slides/slide1.xml><?xml version="1.0" encoding="utf-8"?>
-<p:sld xmlns:a="http://schemas.openxmlformats.org/drawingml/2006/main" xmlns:r="http://schemas.openxmlformats.org/officeDocument/2006/relationships" xmlns:p="http://schemas.openxmlformats.org/presentationml/2006/main">
+<p:sld xmlns:a="http://schemas.openxmlformats.org/drawingml/2006/main" xmlns:r="http://schemas.openxmlformats.org/officeDocument/2006/relationships" xmlns:mc="http://schemas.openxmlformats.org/markup-compatibility/2006" xmlns:mv="urn:schemas-microsoft-com:mac:vml" xmlns:p="http://schemas.openxmlformats.org/presentationml/2006/main" xmlns:c="http://schemas.openxmlformats.org/drawingml/2006/chart" xmlns:dgm="http://schemas.openxmlformats.org/drawingml/2006/diagram" xmlns:o="urn:schemas-microsoft-com:office:office" xmlns:v="urn:schemas-microsoft-com:vml" xmlns:pvml="urn:schemas-microsoft-com:office:powerpoint" xmlns:com="http://schemas.openxmlformats.org/drawingml/2006/compatibility" xmlns:p14="http://schemas.microsoft.com/office/powerpoint/2010/main" xmlns:p15="http://schemas.microsoft.com/office/powerpoint/2012/main" xmlns:ahyp="http://schemas.microsoft.com/office/drawing/2018/hyperlinkcolor">
   <p:cSld>
     <p:bg>
       <p:bgPr>
         <a:solidFill>
           <a:schemeClr val="dk1"/>
         </a:solidFill>
-        <a:effectLst/>
       </p:bgPr>
     </p:bg>
     <p:spTree>
       <p:nvGrpSpPr>
-        <p:cNvPr id="1" name="Shape 58"/>
+        <p:cNvPr id="58" name="Shape 58"/>
         <p:cNvGrpSpPr/>
         <p:nvPr/>
       </p:nvGrpSpPr>
@@ -7878,9 +7778,7 @@
       <p:sp>
         <p:nvSpPr>
           <p:cNvPr id="59" name="Google Shape;59;p13"/>
-          <p:cNvSpPr txBox="1">
-            <a:spLocks noGrp="1"/>
-          </p:cNvSpPr>
+          <p:cNvSpPr txBox="1"/>
           <p:nvPr>
             <p:ph type="ctrTitle"/>
           </p:nvPr>
@@ -7895,12 +7793,12 @@
           </a:prstGeom>
         </p:spPr>
         <p:txBody>
-          <a:bodyPr spcFirstLastPara="1" wrap="square" lIns="91425" tIns="91425" rIns="91425" bIns="91425" anchor="b" anchorCtr="0">
+          <a:bodyPr anchorCtr="0" anchor="b" bIns="91425" lIns="91425" spcFirstLastPara="1" rIns="91425" wrap="square" tIns="91425">
             <a:noAutofit/>
           </a:bodyPr>
           <a:lstStyle/>
           <a:p>
-            <a:pPr marL="0" lvl="0" indent="0" algn="l" rtl="0">
+            <a:pPr indent="0" lvl="0" marL="0" rtl="0" algn="l">
               <a:spcBef>
                 <a:spcPts val="0"/>
               </a:spcBef>
@@ -7910,13 +7808,13 @@
               <a:buNone/>
             </a:pPr>
             <a:r>
-              <a:rPr lang="en" sz="3700" b="1"/>
+              <a:rPr b="1" lang="en" sz="3700"/>
               <a:t>COVID-19: Understanding the incubation and contagious periods of the disease</a:t>
             </a:r>
-            <a:endParaRPr sz="3700" b="1"/>
+            <a:endParaRPr b="1" sz="3700"/>
           </a:p>
           <a:p>
-            <a:pPr marL="0" lvl="0" indent="0" algn="l" rtl="0">
+            <a:pPr indent="0" lvl="0" marL="0" rtl="0" algn="l">
               <a:spcBef>
                 <a:spcPts val="0"/>
               </a:spcBef>
@@ -7925,18 +7823,19 @@
               </a:spcAft>
               <a:buNone/>
             </a:pPr>
-            <a:endParaRPr sz="4300" b="1"/>
+            <a:r>
+              <a:t/>
+            </a:r>
+            <a:endParaRPr b="1" sz="4300"/>
           </a:p>
         </p:txBody>
       </p:sp>
       <p:sp>
         <p:nvSpPr>
           <p:cNvPr id="60" name="Google Shape;60;p13"/>
-          <p:cNvSpPr txBox="1">
-            <a:spLocks noGrp="1"/>
-          </p:cNvSpPr>
+          <p:cNvSpPr txBox="1"/>
           <p:nvPr>
-            <p:ph type="subTitle" idx="1"/>
+            <p:ph idx="1" type="subTitle"/>
           </p:nvPr>
         </p:nvSpPr>
         <p:spPr>
@@ -7952,12 +7851,12 @@
           </a:ln>
         </p:spPr>
         <p:txBody>
-          <a:bodyPr spcFirstLastPara="1" wrap="square" lIns="91425" tIns="91425" rIns="91425" bIns="91425" anchor="t" anchorCtr="0">
+          <a:bodyPr anchorCtr="0" anchor="t" bIns="91425" lIns="91425" spcFirstLastPara="1" rIns="91425" wrap="square" tIns="91425">
             <a:noAutofit/>
           </a:bodyPr>
           <a:lstStyle/>
           <a:p>
-            <a:pPr marL="0" lvl="0" indent="0" algn="l" rtl="0">
+            <a:pPr indent="0" lvl="0" marL="0" rtl="0" algn="l">
               <a:spcBef>
                 <a:spcPts val="0"/>
               </a:spcBef>
@@ -7967,11 +7866,11 @@
               <a:buNone/>
             </a:pPr>
             <a:r>
-              <a:rPr lang="en" b="1"/>
+              <a:rPr b="1" lang="en"/>
               <a:t>Group E: Ayomide Owoyemi,</a:t>
             </a:r>
             <a:r>
-              <a:rPr lang="en" b="1">
+              <a:rPr b="1" lang="en">
                 <a:solidFill>
                   <a:srgbClr val="FFFFFF"/>
                 </a:solidFill>
@@ -7979,7 +7878,7 @@
               <a:t> </a:t>
             </a:r>
             <a:r>
-              <a:rPr lang="en" b="1"/>
+              <a:rPr b="1" lang="en"/>
               <a:t>Vipul Dhariwal, &amp; Lydia Tse</a:t>
             </a:r>
             <a:endParaRPr b="1">
@@ -7999,11 +7898,11 @@
 </file>
 
 <file path=ppt/slides/slide10.xml><?xml version="1.0" encoding="utf-8"?>
-<p:sld xmlns:a="http://schemas.openxmlformats.org/drawingml/2006/main" xmlns:r="http://schemas.openxmlformats.org/officeDocument/2006/relationships" xmlns:p="http://schemas.openxmlformats.org/presentationml/2006/main">
+<p:sld xmlns:a="http://schemas.openxmlformats.org/drawingml/2006/main" xmlns:r="http://schemas.openxmlformats.org/officeDocument/2006/relationships" xmlns:mc="http://schemas.openxmlformats.org/markup-compatibility/2006" xmlns:mv="urn:schemas-microsoft-com:mac:vml" xmlns:p="http://schemas.openxmlformats.org/presentationml/2006/main" xmlns:c="http://schemas.openxmlformats.org/drawingml/2006/chart" xmlns:dgm="http://schemas.openxmlformats.org/drawingml/2006/diagram" xmlns:o="urn:schemas-microsoft-com:office:office" xmlns:v="urn:schemas-microsoft-com:vml" xmlns:pvml="urn:schemas-microsoft-com:office:powerpoint" xmlns:com="http://schemas.openxmlformats.org/drawingml/2006/compatibility" xmlns:p14="http://schemas.microsoft.com/office/powerpoint/2010/main" xmlns:p15="http://schemas.microsoft.com/office/powerpoint/2012/main" xmlns:ahyp="http://schemas.microsoft.com/office/drawing/2018/hyperlinkcolor">
   <p:cSld>
     <p:spTree>
       <p:nvGrpSpPr>
-        <p:cNvPr id="1" name="Shape 123"/>
+        <p:cNvPr id="126" name="Shape 126"/>
         <p:cNvGrpSpPr/>
         <p:nvPr/>
       </p:nvGrpSpPr>
@@ -8017,10 +7916,196 @@
       </p:grpSpPr>
       <p:sp>
         <p:nvSpPr>
-          <p:cNvPr id="124" name="Google Shape;124;p22"/>
-          <p:cNvSpPr txBox="1">
-            <a:spLocks noGrp="1"/>
-          </p:cNvSpPr>
+          <p:cNvPr id="127" name="Google Shape;127;p22"/>
+          <p:cNvSpPr txBox="1"/>
+          <p:nvPr>
+            <p:ph type="title"/>
+          </p:nvPr>
+        </p:nvSpPr>
+        <p:spPr>
+          <a:xfrm>
+            <a:off x="311700" y="445025"/>
+            <a:ext cx="8520600" cy="572700"/>
+          </a:xfrm>
+          <a:prstGeom prst="rect">
+            <a:avLst/>
+          </a:prstGeom>
+        </p:spPr>
+        <p:txBody>
+          <a:bodyPr anchorCtr="0" anchor="t" bIns="91425" lIns="91425" spcFirstLastPara="1" rIns="91425" wrap="square" tIns="91425">
+            <a:noAutofit/>
+          </a:bodyPr>
+          <a:lstStyle/>
+          <a:p>
+            <a:pPr indent="0" lvl="0" marL="0" rtl="0" algn="l">
+              <a:spcBef>
+                <a:spcPts val="0"/>
+              </a:spcBef>
+              <a:spcAft>
+                <a:spcPts val="0"/>
+              </a:spcAft>
+              <a:buNone/>
+            </a:pPr>
+            <a:r>
+              <a:rPr lang="en"/>
+              <a:t>Accuracy</a:t>
+            </a:r>
+            <a:endParaRPr/>
+          </a:p>
+        </p:txBody>
+      </p:sp>
+      <p:sp>
+        <p:nvSpPr>
+          <p:cNvPr id="128" name="Google Shape;128;p22"/>
+          <p:cNvSpPr txBox="1"/>
+          <p:nvPr>
+            <p:ph idx="1" type="body"/>
+          </p:nvPr>
+        </p:nvSpPr>
+        <p:spPr>
+          <a:xfrm>
+            <a:off x="311700" y="1152475"/>
+            <a:ext cx="8520600" cy="3416400"/>
+          </a:xfrm>
+          <a:prstGeom prst="rect">
+            <a:avLst/>
+          </a:prstGeom>
+        </p:spPr>
+        <p:txBody>
+          <a:bodyPr anchorCtr="0" anchor="t" bIns="91425" lIns="91425" spcFirstLastPara="1" rIns="91425" wrap="square" tIns="91425">
+            <a:noAutofit/>
+          </a:bodyPr>
+          <a:lstStyle/>
+          <a:p>
+            <a:pPr indent="0" lvl="0" marL="0" rtl="0" algn="l">
+              <a:spcBef>
+                <a:spcPts val="0"/>
+              </a:spcBef>
+              <a:spcAft>
+                <a:spcPts val="0"/>
+              </a:spcAft>
+              <a:buNone/>
+            </a:pPr>
+            <a:r>
+              <a:rPr lang="en">
+                <a:solidFill>
+                  <a:srgbClr val="000000"/>
+                </a:solidFill>
+              </a:rPr>
+              <a:t>R</a:t>
+            </a:r>
+            <a:r>
+              <a:rPr lang="en">
+                <a:solidFill>
+                  <a:srgbClr val="000000"/>
+                </a:solidFill>
+              </a:rPr>
+              <a:t>andomly studied 100 papers</a:t>
+            </a:r>
+            <a:endParaRPr>
+              <a:solidFill>
+                <a:srgbClr val="000000"/>
+              </a:solidFill>
+            </a:endParaRPr>
+          </a:p>
+          <a:p>
+            <a:pPr indent="0" lvl="0" marL="0" rtl="0" algn="l">
+              <a:spcBef>
+                <a:spcPts val="1600"/>
+              </a:spcBef>
+              <a:spcAft>
+                <a:spcPts val="0"/>
+              </a:spcAft>
+              <a:buNone/>
+            </a:pPr>
+            <a:r>
+              <a:rPr lang="en">
+                <a:solidFill>
+                  <a:srgbClr val="000000"/>
+                </a:solidFill>
+              </a:rPr>
+              <a:t>The average incubation period was 8.5 days ( we got 8.38, not bragging)</a:t>
+            </a:r>
+            <a:endParaRPr>
+              <a:solidFill>
+                <a:srgbClr val="000000"/>
+              </a:solidFill>
+            </a:endParaRPr>
+          </a:p>
+          <a:p>
+            <a:pPr indent="0" lvl="0" marL="0" rtl="0" algn="l">
+              <a:spcBef>
+                <a:spcPts val="1600"/>
+              </a:spcBef>
+              <a:spcAft>
+                <a:spcPts val="0"/>
+              </a:spcAft>
+              <a:buNone/>
+            </a:pPr>
+            <a:r>
+              <a:rPr lang="en">
+                <a:solidFill>
+                  <a:srgbClr val="000000"/>
+                </a:solidFill>
+              </a:rPr>
+              <a:t>The average contagious period was 4.5 days ( we got 5.4)</a:t>
+            </a:r>
+            <a:endParaRPr>
+              <a:solidFill>
+                <a:srgbClr val="000000"/>
+              </a:solidFill>
+            </a:endParaRPr>
+          </a:p>
+          <a:p>
+            <a:pPr indent="0" lvl="0" marL="0" rtl="0" algn="l">
+              <a:spcBef>
+                <a:spcPts val="1600"/>
+              </a:spcBef>
+              <a:spcAft>
+                <a:spcPts val="1600"/>
+              </a:spcAft>
+              <a:buNone/>
+            </a:pPr>
+            <a:r>
+              <a:t/>
+            </a:r>
+            <a:endParaRPr>
+              <a:solidFill>
+                <a:srgbClr val="000000"/>
+              </a:solidFill>
+            </a:endParaRPr>
+          </a:p>
+        </p:txBody>
+      </p:sp>
+    </p:spTree>
+  </p:cSld>
+  <p:clrMapOvr>
+    <a:masterClrMapping/>
+  </p:clrMapOvr>
+</p:sld>
+</file>
+
+<file path=ppt/slides/slide11.xml><?xml version="1.0" encoding="utf-8"?>
+<p:sld xmlns:a="http://schemas.openxmlformats.org/drawingml/2006/main" xmlns:r="http://schemas.openxmlformats.org/officeDocument/2006/relationships" xmlns:mc="http://schemas.openxmlformats.org/markup-compatibility/2006" xmlns:mv="urn:schemas-microsoft-com:mac:vml" xmlns:p="http://schemas.openxmlformats.org/presentationml/2006/main" xmlns:c="http://schemas.openxmlformats.org/drawingml/2006/chart" xmlns:dgm="http://schemas.openxmlformats.org/drawingml/2006/diagram" xmlns:o="urn:schemas-microsoft-com:office:office" xmlns:v="urn:schemas-microsoft-com:vml" xmlns:pvml="urn:schemas-microsoft-com:office:powerpoint" xmlns:com="http://schemas.openxmlformats.org/drawingml/2006/compatibility" xmlns:p14="http://schemas.microsoft.com/office/powerpoint/2010/main" xmlns:p15="http://schemas.microsoft.com/office/powerpoint/2012/main" xmlns:ahyp="http://schemas.microsoft.com/office/drawing/2018/hyperlinkcolor">
+  <p:cSld>
+    <p:spTree>
+      <p:nvGrpSpPr>
+        <p:cNvPr id="132" name="Shape 132"/>
+        <p:cNvGrpSpPr/>
+        <p:nvPr/>
+      </p:nvGrpSpPr>
+      <p:grpSpPr>
+        <a:xfrm>
+          <a:off x="0" y="0"/>
+          <a:ext cx="0" cy="0"/>
+          <a:chOff x="0" y="0"/>
+          <a:chExt cx="0" cy="0"/>
+        </a:xfrm>
+      </p:grpSpPr>
+      <p:sp>
+        <p:nvSpPr>
+          <p:cNvPr id="133" name="Google Shape;133;p23"/>
+          <p:cNvSpPr txBox="1"/>
           <p:nvPr>
             <p:ph type="title"/>
           </p:nvPr>
@@ -8035,12 +8120,12 @@
           </a:prstGeom>
         </p:spPr>
         <p:txBody>
-          <a:bodyPr spcFirstLastPara="1" wrap="square" lIns="91425" tIns="91425" rIns="91425" bIns="91425" anchor="t" anchorCtr="0">
+          <a:bodyPr anchorCtr="0" anchor="t" bIns="91425" lIns="91425" spcFirstLastPara="1" rIns="91425" wrap="square" tIns="91425">
             <a:noAutofit/>
           </a:bodyPr>
           <a:lstStyle/>
           <a:p>
-            <a:pPr marL="0" lvl="0" indent="0" algn="l" rtl="0">
+            <a:pPr indent="0" lvl="0" marL="0" rtl="0" algn="l">
               <a:spcBef>
                 <a:spcPts val="0"/>
               </a:spcBef>
@@ -8050,20 +8135,19 @@
               <a:buNone/>
             </a:pPr>
             <a:r>
-              <a:rPr lang="en-US" dirty="0"/>
-              <a:t>SCOPE OF PROJECT</a:t>
+              <a:rPr lang="en"/>
+              <a:t>Scope of Project</a:t>
             </a:r>
+            <a:endParaRPr/>
           </a:p>
         </p:txBody>
       </p:sp>
       <p:sp>
         <p:nvSpPr>
-          <p:cNvPr id="125" name="Google Shape;125;p22"/>
-          <p:cNvSpPr txBox="1">
-            <a:spLocks noGrp="1"/>
-          </p:cNvSpPr>
+          <p:cNvPr id="134" name="Google Shape;134;p23"/>
+          <p:cNvSpPr txBox="1"/>
           <p:nvPr>
-            <p:ph type="body" idx="1"/>
+            <p:ph idx="1" type="body"/>
           </p:nvPr>
         </p:nvSpPr>
         <p:spPr>
@@ -8076,12 +8160,12 @@
           </a:prstGeom>
         </p:spPr>
         <p:txBody>
-          <a:bodyPr spcFirstLastPara="1" wrap="square" lIns="91425" tIns="91425" rIns="91425" bIns="91425" anchor="t" anchorCtr="0">
+          <a:bodyPr anchorCtr="0" anchor="t" bIns="91425" lIns="91425" spcFirstLastPara="1" rIns="91425" wrap="square" tIns="91425">
             <a:noAutofit/>
           </a:bodyPr>
           <a:lstStyle/>
           <a:p>
-            <a:pPr marL="0" lvl="0" indent="0" algn="l" rtl="0">
+            <a:pPr indent="0" lvl="0" marL="0" rtl="0" algn="l">
               <a:lnSpc>
                 <a:spcPct val="150000"/>
               </a:lnSpc>
@@ -8113,7 +8197,7 @@
             </a:endParaRPr>
           </a:p>
           <a:p>
-            <a:pPr marL="0" lvl="0" indent="0" algn="l" rtl="0">
+            <a:pPr indent="0" lvl="0" marL="0" rtl="0" algn="l">
               <a:lnSpc>
                 <a:spcPct val="150000"/>
               </a:lnSpc>
@@ -8145,7 +8229,7 @@
             </a:endParaRPr>
           </a:p>
           <a:p>
-            <a:pPr marL="0" lvl="0" indent="0" algn="l" rtl="0">
+            <a:pPr indent="0" lvl="0" marL="0" rtl="0" algn="l">
               <a:lnSpc>
                 <a:spcPct val="150000"/>
               </a:lnSpc>
@@ -8177,7 +8261,7 @@
             </a:endParaRPr>
           </a:p>
           <a:p>
-            <a:pPr marL="0" lvl="0" indent="0" algn="l" rtl="0">
+            <a:pPr indent="0" lvl="0" marL="0" rtl="0" algn="l">
               <a:lnSpc>
                 <a:spcPct val="150000"/>
               </a:lnSpc>
@@ -8218,12 +8302,12 @@
 </p:sld>
 </file>
 
-<file path=ppt/slides/slide11.xml><?xml version="1.0" encoding="utf-8"?>
-<p:sld xmlns:a="http://schemas.openxmlformats.org/drawingml/2006/main" xmlns:r="http://schemas.openxmlformats.org/officeDocument/2006/relationships" xmlns:p="http://schemas.openxmlformats.org/presentationml/2006/main">
+<file path=ppt/slides/slide12.xml><?xml version="1.0" encoding="utf-8"?>
+<p:sld xmlns:a="http://schemas.openxmlformats.org/drawingml/2006/main" xmlns:r="http://schemas.openxmlformats.org/officeDocument/2006/relationships" xmlns:mc="http://schemas.openxmlformats.org/markup-compatibility/2006" xmlns:mv="urn:schemas-microsoft-com:mac:vml" xmlns:p="http://schemas.openxmlformats.org/presentationml/2006/main" xmlns:c="http://schemas.openxmlformats.org/drawingml/2006/chart" xmlns:dgm="http://schemas.openxmlformats.org/drawingml/2006/diagram" xmlns:o="urn:schemas-microsoft-com:office:office" xmlns:v="urn:schemas-microsoft-com:vml" xmlns:pvml="urn:schemas-microsoft-com:office:powerpoint" xmlns:com="http://schemas.openxmlformats.org/drawingml/2006/compatibility" xmlns:p14="http://schemas.microsoft.com/office/powerpoint/2010/main" xmlns:p15="http://schemas.microsoft.com/office/powerpoint/2012/main" xmlns:ahyp="http://schemas.microsoft.com/office/drawing/2018/hyperlinkcolor">
   <p:cSld>
     <p:spTree>
       <p:nvGrpSpPr>
-        <p:cNvPr id="1" name="Shape 129"/>
+        <p:cNvPr id="138" name="Shape 138"/>
         <p:cNvGrpSpPr/>
         <p:nvPr/>
       </p:nvGrpSpPr>
@@ -8237,10 +8321,8 @@
       </p:grpSpPr>
       <p:sp>
         <p:nvSpPr>
-          <p:cNvPr id="130" name="Google Shape;130;p23"/>
-          <p:cNvSpPr txBox="1">
-            <a:spLocks noGrp="1"/>
-          </p:cNvSpPr>
+          <p:cNvPr id="139" name="Google Shape;139;p24"/>
+          <p:cNvSpPr txBox="1"/>
           <p:nvPr>
             <p:ph type="title"/>
           </p:nvPr>
@@ -8255,12 +8337,12 @@
           </a:prstGeom>
         </p:spPr>
         <p:txBody>
-          <a:bodyPr spcFirstLastPara="1" wrap="square" lIns="91425" tIns="91425" rIns="91425" bIns="91425" anchor="t" anchorCtr="0">
+          <a:bodyPr anchorCtr="0" anchor="t" bIns="91425" lIns="91425" spcFirstLastPara="1" rIns="91425" wrap="square" tIns="91425">
             <a:noAutofit/>
           </a:bodyPr>
           <a:lstStyle/>
           <a:p>
-            <a:pPr marL="0" lvl="0" indent="0" algn="l" rtl="0">
+            <a:pPr indent="0" lvl="0" marL="0" rtl="0" algn="l">
               <a:spcBef>
                 <a:spcPts val="0"/>
               </a:spcBef>
@@ -8279,12 +8361,10 @@
       </p:sp>
       <p:sp>
         <p:nvSpPr>
-          <p:cNvPr id="131" name="Google Shape;131;p23"/>
-          <p:cNvSpPr txBox="1">
-            <a:spLocks noGrp="1"/>
-          </p:cNvSpPr>
+          <p:cNvPr id="140" name="Google Shape;140;p24"/>
+          <p:cNvSpPr txBox="1"/>
           <p:nvPr>
-            <p:ph type="body" idx="1"/>
+            <p:ph idx="1" type="body"/>
           </p:nvPr>
         </p:nvSpPr>
         <p:spPr>
@@ -8297,12 +8377,12 @@
           </a:prstGeom>
         </p:spPr>
         <p:txBody>
-          <a:bodyPr spcFirstLastPara="1" wrap="square" lIns="91425" tIns="91425" rIns="91425" bIns="91425" anchor="t" anchorCtr="0">
+          <a:bodyPr anchorCtr="0" anchor="t" bIns="91425" lIns="91425" spcFirstLastPara="1" rIns="91425" wrap="square" tIns="91425">
             <a:noAutofit/>
           </a:bodyPr>
           <a:lstStyle/>
           <a:p>
-            <a:pPr marL="0" lvl="0" indent="0" algn="l" rtl="0">
+            <a:pPr indent="0" lvl="0" marL="0" rtl="0" algn="l">
               <a:spcBef>
                 <a:spcPts val="0"/>
               </a:spcBef>
@@ -8326,7 +8406,7 @@
             </a:endParaRPr>
           </a:p>
           <a:p>
-            <a:pPr marL="0" lvl="0" indent="0" algn="l" rtl="0">
+            <a:pPr indent="0" lvl="0" marL="0" rtl="0" algn="l">
               <a:spcBef>
                 <a:spcPts val="1600"/>
               </a:spcBef>
@@ -8350,7 +8430,7 @@
             </a:endParaRPr>
           </a:p>
           <a:p>
-            <a:pPr marL="0" lvl="0" indent="0" algn="l" rtl="0">
+            <a:pPr indent="0" lvl="0" marL="0" rtl="0" algn="l">
               <a:spcBef>
                 <a:spcPts val="1600"/>
               </a:spcBef>
@@ -8365,7 +8445,23 @@
                   <a:srgbClr val="000000"/>
                 </a:solidFill>
               </a:rPr>
-              <a:t>Can answer any statistical answer with a good credibility (no training)</a:t>
+              <a:t>Can answer any statistical answer with a good </a:t>
+            </a:r>
+            <a:r>
+              <a:rPr lang="en" sz="1900">
+                <a:solidFill>
+                  <a:srgbClr val="000000"/>
+                </a:solidFill>
+              </a:rPr>
+              <a:t>credibility</a:t>
+            </a:r>
+            <a:r>
+              <a:rPr lang="en" sz="1900">
+                <a:solidFill>
+                  <a:srgbClr val="000000"/>
+                </a:solidFill>
+              </a:rPr>
+              <a:t> (no training)</a:t>
             </a:r>
             <a:endParaRPr sz="1900">
               <a:solidFill>
@@ -8374,7 +8470,7 @@
             </a:endParaRPr>
           </a:p>
           <a:p>
-            <a:pPr marL="0" lvl="0" indent="0" algn="l" rtl="0">
+            <a:pPr indent="0" lvl="0" marL="0" rtl="0" algn="l">
               <a:spcBef>
                 <a:spcPts val="1600"/>
               </a:spcBef>
@@ -8398,7 +8494,7 @@
             </a:endParaRPr>
           </a:p>
           <a:p>
-            <a:pPr marL="0" lvl="0" indent="0" algn="l" rtl="0">
+            <a:pPr indent="0" lvl="0" marL="0" rtl="0" algn="l">
               <a:spcBef>
                 <a:spcPts val="1600"/>
               </a:spcBef>
@@ -8431,12 +8527,12 @@
 </p:sld>
 </file>
 
-<file path=ppt/slides/slide12.xml><?xml version="1.0" encoding="utf-8"?>
-<p:sld xmlns:a="http://schemas.openxmlformats.org/drawingml/2006/main" xmlns:r="http://schemas.openxmlformats.org/officeDocument/2006/relationships" xmlns:p="http://schemas.openxmlformats.org/presentationml/2006/main">
+<file path=ppt/slides/slide13.xml><?xml version="1.0" encoding="utf-8"?>
+<p:sld xmlns:a="http://schemas.openxmlformats.org/drawingml/2006/main" xmlns:r="http://schemas.openxmlformats.org/officeDocument/2006/relationships" xmlns:mc="http://schemas.openxmlformats.org/markup-compatibility/2006" xmlns:mv="urn:schemas-microsoft-com:mac:vml" xmlns:p="http://schemas.openxmlformats.org/presentationml/2006/main" xmlns:c="http://schemas.openxmlformats.org/drawingml/2006/chart" xmlns:dgm="http://schemas.openxmlformats.org/drawingml/2006/diagram" xmlns:o="urn:schemas-microsoft-com:office:office" xmlns:v="urn:schemas-microsoft-com:vml" xmlns:pvml="urn:schemas-microsoft-com:office:powerpoint" xmlns:com="http://schemas.openxmlformats.org/drawingml/2006/compatibility" xmlns:p14="http://schemas.microsoft.com/office/powerpoint/2010/main" xmlns:p15="http://schemas.microsoft.com/office/powerpoint/2012/main" xmlns:ahyp="http://schemas.microsoft.com/office/drawing/2018/hyperlinkcolor">
   <p:cSld>
     <p:spTree>
       <p:nvGrpSpPr>
-        <p:cNvPr id="1" name="Shape 135"/>
+        <p:cNvPr id="144" name="Shape 144"/>
         <p:cNvGrpSpPr/>
         <p:nvPr/>
       </p:nvGrpSpPr>
@@ -8450,17 +8546,15 @@
       </p:grpSpPr>
       <p:sp>
         <p:nvSpPr>
-          <p:cNvPr id="136" name="Google Shape;136;p24"/>
-          <p:cNvSpPr txBox="1">
-            <a:spLocks noGrp="1"/>
-          </p:cNvSpPr>
+          <p:cNvPr id="145" name="Google Shape;145;p25"/>
+          <p:cNvSpPr txBox="1"/>
           <p:nvPr>
             <p:ph type="title"/>
           </p:nvPr>
         </p:nvSpPr>
         <p:spPr>
           <a:xfrm>
-            <a:off x="479175" y="575950"/>
+            <a:off x="479175" y="532100"/>
             <a:ext cx="6321600" cy="635400"/>
           </a:xfrm>
           <a:prstGeom prst="rect">
@@ -8468,12 +8562,12 @@
           </a:prstGeom>
         </p:spPr>
         <p:txBody>
-          <a:bodyPr spcFirstLastPara="1" wrap="square" lIns="91425" tIns="91425" rIns="91425" bIns="91425" anchor="t" anchorCtr="0">
+          <a:bodyPr anchorCtr="0" anchor="t" bIns="91425" lIns="91425" spcFirstLastPara="1" rIns="91425" wrap="square" tIns="91425">
             <a:noAutofit/>
           </a:bodyPr>
           <a:lstStyle/>
           <a:p>
-            <a:pPr marL="0" lvl="0" indent="0" algn="l" rtl="0">
+            <a:pPr indent="0" lvl="0" marL="0" rtl="0" algn="l">
               <a:spcBef>
                 <a:spcPts val="0"/>
               </a:spcBef>
@@ -8484,7 +8578,7 @@
             </a:pPr>
             <a:r>
               <a:rPr lang="en"/>
-              <a:t>DISCUSSION</a:t>
+              <a:t>Discussion</a:t>
             </a:r>
             <a:endParaRPr/>
           </a:p>
@@ -8492,12 +8586,10 @@
       </p:sp>
       <p:sp>
         <p:nvSpPr>
-          <p:cNvPr id="137" name="Google Shape;137;p24"/>
-          <p:cNvSpPr txBox="1">
-            <a:spLocks noGrp="1"/>
-          </p:cNvSpPr>
+          <p:cNvPr id="146" name="Google Shape;146;p25"/>
+          <p:cNvSpPr txBox="1"/>
           <p:nvPr>
-            <p:ph type="body" idx="1"/>
+            <p:ph idx="1" type="body"/>
           </p:nvPr>
         </p:nvSpPr>
         <p:spPr>
@@ -8510,12 +8602,12 @@
           </a:prstGeom>
         </p:spPr>
         <p:txBody>
-          <a:bodyPr spcFirstLastPara="1" wrap="square" lIns="91425" tIns="91425" rIns="91425" bIns="91425" anchor="t" anchorCtr="0">
+          <a:bodyPr anchorCtr="0" anchor="t" bIns="91425" lIns="91425" spcFirstLastPara="1" rIns="91425" wrap="square" tIns="91425">
             <a:noAutofit/>
           </a:bodyPr>
           <a:lstStyle/>
           <a:p>
-            <a:pPr marL="0" lvl="0" indent="0" algn="l" rtl="0">
+            <a:pPr indent="0" lvl="0" marL="0" rtl="0" algn="l">
               <a:spcBef>
                 <a:spcPts val="1200"/>
               </a:spcBef>
@@ -8539,7 +8631,7 @@
             </a:endParaRPr>
           </a:p>
           <a:p>
-            <a:pPr marL="0" lvl="0" indent="0" algn="l" rtl="0">
+            <a:pPr indent="0" lvl="0" marL="0" rtl="0" algn="l">
               <a:spcBef>
                 <a:spcPts val="1200"/>
               </a:spcBef>
@@ -8563,7 +8655,7 @@
             </a:endParaRPr>
           </a:p>
           <a:p>
-            <a:pPr marL="0" lvl="0" indent="0" algn="l" rtl="0">
+            <a:pPr indent="0" lvl="0" marL="0" rtl="0" algn="l">
               <a:spcBef>
                 <a:spcPts val="1200"/>
               </a:spcBef>
@@ -8577,6 +8669,9 @@
               <a:buFont typeface="Arial"/>
               <a:buNone/>
             </a:pPr>
+            <a:r>
+              <a:t/>
+            </a:r>
             <a:endParaRPr sz="1500">
               <a:solidFill>
                 <a:srgbClr val="000000"/>
@@ -8593,12 +8688,12 @@
 </p:sld>
 </file>
 
-<file path=ppt/slides/slide13.xml><?xml version="1.0" encoding="utf-8"?>
-<p:sld xmlns:a="http://schemas.openxmlformats.org/drawingml/2006/main" xmlns:r="http://schemas.openxmlformats.org/officeDocument/2006/relationships" xmlns:p="http://schemas.openxmlformats.org/presentationml/2006/main">
+<file path=ppt/slides/slide14.xml><?xml version="1.0" encoding="utf-8"?>
+<p:sld xmlns:a="http://schemas.openxmlformats.org/drawingml/2006/main" xmlns:r="http://schemas.openxmlformats.org/officeDocument/2006/relationships" xmlns:mc="http://schemas.openxmlformats.org/markup-compatibility/2006" xmlns:mv="urn:schemas-microsoft-com:mac:vml" xmlns:p="http://schemas.openxmlformats.org/presentationml/2006/main" xmlns:c="http://schemas.openxmlformats.org/drawingml/2006/chart" xmlns:dgm="http://schemas.openxmlformats.org/drawingml/2006/diagram" xmlns:o="urn:schemas-microsoft-com:office:office" xmlns:v="urn:schemas-microsoft-com:vml" xmlns:pvml="urn:schemas-microsoft-com:office:powerpoint" xmlns:com="http://schemas.openxmlformats.org/drawingml/2006/compatibility" xmlns:p14="http://schemas.microsoft.com/office/powerpoint/2010/main" xmlns:p15="http://schemas.microsoft.com/office/powerpoint/2012/main" xmlns:ahyp="http://schemas.microsoft.com/office/drawing/2018/hyperlinkcolor">
   <p:cSld>
     <p:spTree>
       <p:nvGrpSpPr>
-        <p:cNvPr id="1" name="Shape 141"/>
+        <p:cNvPr id="150" name="Shape 150"/>
         <p:cNvGrpSpPr/>
         <p:nvPr/>
       </p:nvGrpSpPr>
@@ -8612,10 +8707,8 @@
       </p:grpSpPr>
       <p:sp>
         <p:nvSpPr>
-          <p:cNvPr id="142" name="Google Shape;142;p25"/>
-          <p:cNvSpPr txBox="1">
-            <a:spLocks noGrp="1"/>
-          </p:cNvSpPr>
+          <p:cNvPr id="151" name="Google Shape;151;p26"/>
+          <p:cNvSpPr txBox="1"/>
           <p:nvPr>
             <p:ph type="title"/>
           </p:nvPr>
@@ -8630,12 +8723,12 @@
           </a:prstGeom>
         </p:spPr>
         <p:txBody>
-          <a:bodyPr spcFirstLastPara="1" wrap="square" lIns="91425" tIns="91425" rIns="91425" bIns="91425" anchor="t" anchorCtr="0">
+          <a:bodyPr anchorCtr="0" anchor="t" bIns="91425" lIns="91425" spcFirstLastPara="1" rIns="91425" wrap="square" tIns="91425">
             <a:noAutofit/>
           </a:bodyPr>
           <a:lstStyle/>
           <a:p>
-            <a:pPr marL="0" lvl="0" indent="0" algn="l" rtl="0">
+            <a:pPr indent="0" lvl="0" marL="0" rtl="0" algn="l">
               <a:spcBef>
                 <a:spcPts val="0"/>
               </a:spcBef>
@@ -8645,20 +8738,19 @@
               <a:buNone/>
             </a:pPr>
             <a:r>
-              <a:rPr lang="en-US" dirty="0"/>
-              <a:t>LIMITATIONS</a:t>
+              <a:rPr lang="en"/>
+              <a:t>Limitations</a:t>
             </a:r>
+            <a:endParaRPr/>
           </a:p>
         </p:txBody>
       </p:sp>
       <p:sp>
         <p:nvSpPr>
-          <p:cNvPr id="143" name="Google Shape;143;p25"/>
-          <p:cNvSpPr txBox="1">
-            <a:spLocks noGrp="1"/>
-          </p:cNvSpPr>
+          <p:cNvPr id="152" name="Google Shape;152;p26"/>
+          <p:cNvSpPr txBox="1"/>
           <p:nvPr>
-            <p:ph type="body" idx="1"/>
+            <p:ph idx="1" type="body"/>
           </p:nvPr>
         </p:nvSpPr>
         <p:spPr>
@@ -8671,12 +8763,12 @@
           </a:prstGeom>
         </p:spPr>
         <p:txBody>
-          <a:bodyPr spcFirstLastPara="1" wrap="square" lIns="91425" tIns="91425" rIns="91425" bIns="91425" anchor="t" anchorCtr="0">
+          <a:bodyPr anchorCtr="0" anchor="t" bIns="91425" lIns="91425" spcFirstLastPara="1" rIns="91425" wrap="square" tIns="91425">
             <a:noAutofit/>
           </a:bodyPr>
           <a:lstStyle/>
           <a:p>
-            <a:pPr marL="0" lvl="0" indent="0" algn="l" rtl="0">
+            <a:pPr indent="0" lvl="0" marL="0" rtl="0" algn="l">
               <a:spcBef>
                 <a:spcPts val="1200"/>
               </a:spcBef>
@@ -8692,7 +8784,7 @@
             <a:endParaRPr/>
           </a:p>
           <a:p>
-            <a:pPr marL="0" lvl="0" indent="0" algn="l" rtl="0">
+            <a:pPr indent="0" lvl="0" marL="0" rtl="0" algn="l">
               <a:spcBef>
                 <a:spcPts val="1200"/>
               </a:spcBef>
@@ -8701,6 +8793,9 @@
               </a:spcAft>
               <a:buNone/>
             </a:pPr>
+            <a:r>
+              <a:t/>
+            </a:r>
             <a:endParaRPr/>
           </a:p>
         </p:txBody>
@@ -8713,12 +8808,12 @@
 </p:sld>
 </file>
 
-<file path=ppt/slides/slide14.xml><?xml version="1.0" encoding="utf-8"?>
-<p:sld xmlns:a="http://schemas.openxmlformats.org/drawingml/2006/main" xmlns:r="http://schemas.openxmlformats.org/officeDocument/2006/relationships" xmlns:p="http://schemas.openxmlformats.org/presentationml/2006/main">
+<file path=ppt/slides/slide15.xml><?xml version="1.0" encoding="utf-8"?>
+<p:sld xmlns:a="http://schemas.openxmlformats.org/drawingml/2006/main" xmlns:r="http://schemas.openxmlformats.org/officeDocument/2006/relationships" xmlns:mc="http://schemas.openxmlformats.org/markup-compatibility/2006" xmlns:mv="urn:schemas-microsoft-com:mac:vml" xmlns:p="http://schemas.openxmlformats.org/presentationml/2006/main" xmlns:c="http://schemas.openxmlformats.org/drawingml/2006/chart" xmlns:dgm="http://schemas.openxmlformats.org/drawingml/2006/diagram" xmlns:o="urn:schemas-microsoft-com:office:office" xmlns:v="urn:schemas-microsoft-com:vml" xmlns:pvml="urn:schemas-microsoft-com:office:powerpoint" xmlns:com="http://schemas.openxmlformats.org/drawingml/2006/compatibility" xmlns:p14="http://schemas.microsoft.com/office/powerpoint/2010/main" xmlns:p15="http://schemas.microsoft.com/office/powerpoint/2012/main" xmlns:ahyp="http://schemas.microsoft.com/office/drawing/2018/hyperlinkcolor">
   <p:cSld>
     <p:spTree>
       <p:nvGrpSpPr>
-        <p:cNvPr id="1" name="Shape 147"/>
+        <p:cNvPr id="156" name="Shape 156"/>
         <p:cNvGrpSpPr/>
         <p:nvPr/>
       </p:nvGrpSpPr>
@@ -8732,10 +8827,8 @@
       </p:grpSpPr>
       <p:sp>
         <p:nvSpPr>
-          <p:cNvPr id="148" name="Google Shape;148;p26"/>
-          <p:cNvSpPr txBox="1">
-            <a:spLocks noGrp="1"/>
-          </p:cNvSpPr>
+          <p:cNvPr id="157" name="Google Shape;157;p27"/>
+          <p:cNvSpPr txBox="1"/>
           <p:nvPr>
             <p:ph type="title"/>
           </p:nvPr>
@@ -8750,12 +8843,12 @@
           </a:prstGeom>
         </p:spPr>
         <p:txBody>
-          <a:bodyPr spcFirstLastPara="1" wrap="square" lIns="91425" tIns="91425" rIns="91425" bIns="91425" anchor="t" anchorCtr="0">
+          <a:bodyPr anchorCtr="0" anchor="t" bIns="91425" lIns="91425" spcFirstLastPara="1" rIns="91425" wrap="square" tIns="91425">
             <a:noAutofit/>
           </a:bodyPr>
           <a:lstStyle/>
           <a:p>
-            <a:pPr marL="0" lvl="0" indent="0" algn="l" rtl="0">
+            <a:pPr indent="0" lvl="0" marL="0" rtl="0" algn="l">
               <a:spcBef>
                 <a:spcPts val="0"/>
               </a:spcBef>
@@ -8766,7 +8859,7 @@
             </a:pPr>
             <a:r>
               <a:rPr lang="en"/>
-              <a:t>CONCLUSION</a:t>
+              <a:t>Conclusion</a:t>
             </a:r>
             <a:endParaRPr/>
           </a:p>
@@ -8774,12 +8867,10 @@
       </p:sp>
       <p:sp>
         <p:nvSpPr>
-          <p:cNvPr id="149" name="Google Shape;149;p26"/>
-          <p:cNvSpPr txBox="1">
-            <a:spLocks noGrp="1"/>
-          </p:cNvSpPr>
+          <p:cNvPr id="158" name="Google Shape;158;p27"/>
+          <p:cNvSpPr txBox="1"/>
           <p:nvPr>
-            <p:ph type="body" idx="1"/>
+            <p:ph idx="1" type="body"/>
           </p:nvPr>
         </p:nvSpPr>
         <p:spPr>
@@ -8792,12 +8883,12 @@
           </a:prstGeom>
         </p:spPr>
         <p:txBody>
-          <a:bodyPr spcFirstLastPara="1" wrap="square" lIns="91425" tIns="91425" rIns="91425" bIns="91425" anchor="t" anchorCtr="0">
+          <a:bodyPr anchorCtr="0" anchor="t" bIns="91425" lIns="91425" spcFirstLastPara="1" rIns="91425" wrap="square" tIns="91425">
             <a:noAutofit/>
           </a:bodyPr>
           <a:lstStyle/>
           <a:p>
-            <a:pPr marL="0" lvl="0" indent="0" algn="l" rtl="0">
+            <a:pPr indent="0" lvl="0" marL="0" rtl="0" algn="l">
               <a:spcBef>
                 <a:spcPts val="1200"/>
               </a:spcBef>
@@ -8821,7 +8912,7 @@
             </a:endParaRPr>
           </a:p>
           <a:p>
-            <a:pPr marL="0" lvl="0" indent="0" algn="l" rtl="0">
+            <a:pPr indent="0" lvl="0" marL="0" rtl="0" algn="l">
               <a:spcBef>
                 <a:spcPts val="1200"/>
               </a:spcBef>
@@ -8835,6 +8926,9 @@
               <a:buFont typeface="Arial"/>
               <a:buNone/>
             </a:pPr>
+            <a:r>
+              <a:t/>
+            </a:r>
             <a:endParaRPr sz="1500">
               <a:solidFill>
                 <a:srgbClr val="000000"/>
@@ -8851,12 +8945,12 @@
 </p:sld>
 </file>
 
-<file path=ppt/slides/slide15.xml><?xml version="1.0" encoding="utf-8"?>
-<p:sld xmlns:a="http://schemas.openxmlformats.org/drawingml/2006/main" xmlns:r="http://schemas.openxmlformats.org/officeDocument/2006/relationships" xmlns:p="http://schemas.openxmlformats.org/presentationml/2006/main">
+<file path=ppt/slides/slide16.xml><?xml version="1.0" encoding="utf-8"?>
+<p:sld xmlns:a="http://schemas.openxmlformats.org/drawingml/2006/main" xmlns:r="http://schemas.openxmlformats.org/officeDocument/2006/relationships" xmlns:mc="http://schemas.openxmlformats.org/markup-compatibility/2006" xmlns:mv="urn:schemas-microsoft-com:mac:vml" xmlns:p="http://schemas.openxmlformats.org/presentationml/2006/main" xmlns:c="http://schemas.openxmlformats.org/drawingml/2006/chart" xmlns:dgm="http://schemas.openxmlformats.org/drawingml/2006/diagram" xmlns:o="urn:schemas-microsoft-com:office:office" xmlns:v="urn:schemas-microsoft-com:vml" xmlns:pvml="urn:schemas-microsoft-com:office:powerpoint" xmlns:com="http://schemas.openxmlformats.org/drawingml/2006/compatibility" xmlns:p14="http://schemas.microsoft.com/office/powerpoint/2010/main" xmlns:p15="http://schemas.microsoft.com/office/powerpoint/2012/main" xmlns:ahyp="http://schemas.microsoft.com/office/drawing/2018/hyperlinkcolor">
   <p:cSld>
     <p:spTree>
       <p:nvGrpSpPr>
-        <p:cNvPr id="1" name="Shape 153"/>
+        <p:cNvPr id="162" name="Shape 162"/>
         <p:cNvGrpSpPr/>
         <p:nvPr/>
       </p:nvGrpSpPr>
@@ -8870,17 +8964,15 @@
       </p:grpSpPr>
       <p:sp>
         <p:nvSpPr>
-          <p:cNvPr id="154" name="Google Shape;154;p27"/>
-          <p:cNvSpPr txBox="1">
-            <a:spLocks noGrp="1"/>
-          </p:cNvSpPr>
+          <p:cNvPr id="163" name="Google Shape;163;p28"/>
+          <p:cNvSpPr txBox="1"/>
           <p:nvPr>
             <p:ph type="title"/>
           </p:nvPr>
         </p:nvSpPr>
         <p:spPr>
           <a:xfrm>
-            <a:off x="503950" y="722800"/>
+            <a:off x="503950" y="240625"/>
             <a:ext cx="6321600" cy="635400"/>
           </a:xfrm>
           <a:prstGeom prst="rect">
@@ -8888,12 +8980,12 @@
           </a:prstGeom>
         </p:spPr>
         <p:txBody>
-          <a:bodyPr spcFirstLastPara="1" wrap="square" lIns="91425" tIns="91425" rIns="91425" bIns="91425" anchor="t" anchorCtr="0">
+          <a:bodyPr anchorCtr="0" anchor="t" bIns="91425" lIns="91425" spcFirstLastPara="1" rIns="91425" wrap="square" tIns="91425">
             <a:noAutofit/>
           </a:bodyPr>
           <a:lstStyle/>
           <a:p>
-            <a:pPr marL="0" lvl="0" indent="0" algn="l" rtl="0">
+            <a:pPr indent="0" lvl="0" marL="0" rtl="0" algn="l">
               <a:spcBef>
                 <a:spcPts val="0"/>
               </a:spcBef>
@@ -8903,25 +8995,24 @@
               <a:buNone/>
             </a:pPr>
             <a:r>
-              <a:rPr lang="en-US" dirty="0"/>
-              <a:t>REFERENCES</a:t>
+              <a:rPr lang="en"/>
+              <a:t>References</a:t>
             </a:r>
+            <a:endParaRPr/>
           </a:p>
         </p:txBody>
       </p:sp>
       <p:sp>
         <p:nvSpPr>
-          <p:cNvPr id="155" name="Google Shape;155;p27"/>
-          <p:cNvSpPr txBox="1">
-            <a:spLocks noGrp="1"/>
-          </p:cNvSpPr>
+          <p:cNvPr id="164" name="Google Shape;164;p28"/>
+          <p:cNvSpPr txBox="1"/>
           <p:nvPr>
-            <p:ph type="body" idx="1"/>
+            <p:ph idx="1" type="body"/>
           </p:nvPr>
         </p:nvSpPr>
         <p:spPr>
           <a:xfrm>
-            <a:off x="503950" y="1358200"/>
+            <a:off x="503950" y="1007525"/>
             <a:ext cx="8217900" cy="3502800"/>
           </a:xfrm>
           <a:prstGeom prst="rect">
@@ -8929,12 +9020,12 @@
           </a:prstGeom>
         </p:spPr>
         <p:txBody>
-          <a:bodyPr spcFirstLastPara="1" wrap="square" lIns="91425" tIns="91425" rIns="91425" bIns="91425" anchor="t" anchorCtr="0">
+          <a:bodyPr anchorCtr="0" anchor="t" bIns="91425" lIns="91425" spcFirstLastPara="1" rIns="91425" wrap="square" tIns="91425">
             <a:noAutofit/>
           </a:bodyPr>
           <a:lstStyle/>
           <a:p>
-            <a:pPr marL="0" lvl="0" indent="0" algn="l" rtl="0">
+            <a:pPr indent="0" lvl="0" marL="0" rtl="0" algn="l">
               <a:spcBef>
                 <a:spcPts val="0"/>
               </a:spcBef>
@@ -8965,7 +9056,7 @@
                 <a:cs typeface="Arial"/>
                 <a:sym typeface="Arial"/>
               </a:rPr>
-              <a:t>CORD-19 | Semantic Scholar. (2020, November 05). Retrieved from https://www.semanticscholar.org/cord19</a:t>
+              <a:t>CORD-19 | Semantic Scholar. (2020, November 05). Retrieved from https://www.semanticscholar.org/cord19.</a:t>
             </a:r>
             <a:endParaRPr sz="1200">
               <a:highlight>
@@ -8978,7 +9069,7 @@
             </a:endParaRPr>
           </a:p>
           <a:p>
-            <a:pPr marL="0" lvl="0" indent="0" algn="l" rtl="0">
+            <a:pPr indent="0" lvl="0" marL="0" rtl="0" algn="l">
               <a:spcBef>
                 <a:spcPts val="1600"/>
               </a:spcBef>
@@ -9010,7 +9101,7 @@
             </a:endParaRPr>
           </a:p>
           <a:p>
-            <a:pPr marL="0" lvl="0" indent="0" algn="l" rtl="0">
+            <a:pPr indent="0" lvl="0" marL="0" rtl="0" algn="l">
               <a:spcBef>
                 <a:spcPts val="1600"/>
               </a:spcBef>
@@ -9041,7 +9132,7 @@
                 <a:cs typeface="Arial"/>
                 <a:sym typeface="Arial"/>
               </a:rPr>
-              <a:t>Ozyurt,  I.  B.;  Bandrowski,  A.;  andGrethe,  J.  S.2020.Bio-AnswerFinder:  a  system  to  find  answers  toquestions from biomedical texts.Database2020</a:t>
+              <a:t>Ozyurt,  I.  B.;  Bandrowski,  A.;  andGrethe,  J.  S.2020. Bio-Answer Finder:  a  system  to  find  answers  to questions from biomedical texts. Database 2020.</a:t>
             </a:r>
             <a:endParaRPr sz="1200">
               <a:highlight>
@@ -9054,7 +9145,7 @@
             </a:endParaRPr>
           </a:p>
           <a:p>
-            <a:pPr marL="0" lvl="0" indent="0" algn="l" rtl="0">
+            <a:pPr indent="0" lvl="0" marL="0" rtl="0" algn="l">
               <a:spcBef>
                 <a:spcPts val="1600"/>
               </a:spcBef>
@@ -9073,7 +9164,7 @@
                 <a:cs typeface="Arial"/>
                 <a:sym typeface="Arial"/>
               </a:rPr>
-              <a:t>[4] Savova,  G.  K.;  Masanz,  J.  J.;  Ogren,  P.  V.;  Zheng,  J.;Sohn,  S.;  Kipper-Schuler,  K.  C.;  and  Chute,  C.  G.  2010.  Mayo  clinicalText Analysis and Knowledge Extraction System (cTAKES): architecture,component  evaluation  and  applications.J. Am. Med. Inform. Assoc.17(5):507–513</a:t>
+              <a:t>[4] Savova,  G.  K.;  Masanz,  J.  J.;  Ogren,  P.  V.;  Zheng,  J.;Sohn,  S.;  Kipper-Schuler,  K.  C.;  and  Chute,  C.  G.  2010.  Mayo Clinical Text Analysis and Knowledge Extraction System (cTAKES): architecture,component  evaluation  and  applications. J. Am. Med. Inform. Assoc. 17(5):507–513.</a:t>
             </a:r>
             <a:endParaRPr sz="1200">
               <a:highlight>
@@ -9086,7 +9177,7 @@
             </a:endParaRPr>
           </a:p>
           <a:p>
-            <a:pPr marL="0" lvl="0" indent="0" algn="l" rtl="0">
+            <a:pPr indent="0" lvl="0" marL="0" rtl="0" algn="l">
               <a:spcBef>
                 <a:spcPts val="1600"/>
               </a:spcBef>
@@ -9102,7 +9193,7 @@
                 <a:cs typeface="Arial"/>
                 <a:sym typeface="Arial"/>
               </a:rPr>
-              <a:t>[5] Xing,  W.,  and  Ghorbani,  A.2004.Weightedpagerank  algorithm.InProceedings. Second Annual Conference onCommunication Networks and Services Research, 2004., 305–314</a:t>
+              <a:t>[5] Xing,  W.,  and  Ghorbani,  A. 2004. Weighted PageRank  Algorithm. In Proceedings. Second Annual Conference on Communication Networks and Services Research, 2004., 305–314</a:t>
             </a:r>
             <a:endParaRPr sz="1200">
               <a:latin typeface="Arial"/>
@@ -9112,7 +9203,7 @@
             </a:endParaRPr>
           </a:p>
           <a:p>
-            <a:pPr marL="0" lvl="0" indent="0" algn="l" rtl="0">
+            <a:pPr indent="0" lvl="0" marL="0" rtl="0" algn="l">
               <a:spcBef>
                 <a:spcPts val="1600"/>
               </a:spcBef>
@@ -9147,12 +9238,12 @@
 </p:sld>
 </file>
 
-<file path=ppt/slides/slide16.xml><?xml version="1.0" encoding="utf-8"?>
-<p:sld xmlns:a="http://schemas.openxmlformats.org/drawingml/2006/main" xmlns:r="http://schemas.openxmlformats.org/officeDocument/2006/relationships" xmlns:p="http://schemas.openxmlformats.org/presentationml/2006/main">
+<file path=ppt/slides/slide17.xml><?xml version="1.0" encoding="utf-8"?>
+<p:sld xmlns:a="http://schemas.openxmlformats.org/drawingml/2006/main" xmlns:r="http://schemas.openxmlformats.org/officeDocument/2006/relationships" xmlns:mc="http://schemas.openxmlformats.org/markup-compatibility/2006" xmlns:mv="urn:schemas-microsoft-com:mac:vml" xmlns:p="http://schemas.openxmlformats.org/presentationml/2006/main" xmlns:c="http://schemas.openxmlformats.org/drawingml/2006/chart" xmlns:dgm="http://schemas.openxmlformats.org/drawingml/2006/diagram" xmlns:o="urn:schemas-microsoft-com:office:office" xmlns:v="urn:schemas-microsoft-com:vml" xmlns:pvml="urn:schemas-microsoft-com:office:powerpoint" xmlns:com="http://schemas.openxmlformats.org/drawingml/2006/compatibility" xmlns:p14="http://schemas.microsoft.com/office/powerpoint/2010/main" xmlns:p15="http://schemas.microsoft.com/office/powerpoint/2012/main" xmlns:ahyp="http://schemas.microsoft.com/office/drawing/2018/hyperlinkcolor">
   <p:cSld>
     <p:spTree>
       <p:nvGrpSpPr>
-        <p:cNvPr id="1" name="Shape 159"/>
+        <p:cNvPr id="168" name="Shape 168"/>
         <p:cNvGrpSpPr/>
         <p:nvPr/>
       </p:nvGrpSpPr>
@@ -9166,12 +9257,10 @@
       </p:grpSpPr>
       <p:sp>
         <p:nvSpPr>
-          <p:cNvPr id="160" name="Google Shape;160;p28"/>
-          <p:cNvSpPr txBox="1">
-            <a:spLocks noGrp="1"/>
-          </p:cNvSpPr>
+          <p:cNvPr id="169" name="Google Shape;169;p29"/>
+          <p:cNvSpPr txBox="1"/>
           <p:nvPr>
-            <p:ph type="body" idx="1"/>
+            <p:ph idx="1" type="body"/>
           </p:nvPr>
         </p:nvSpPr>
         <p:spPr>
@@ -9184,12 +9273,12 @@
           </a:prstGeom>
         </p:spPr>
         <p:txBody>
-          <a:bodyPr spcFirstLastPara="1" wrap="square" lIns="91425" tIns="91425" rIns="91425" bIns="91425" anchor="t" anchorCtr="0">
+          <a:bodyPr anchorCtr="0" anchor="t" bIns="91425" lIns="91425" spcFirstLastPara="1" rIns="91425" wrap="square" tIns="91425">
             <a:noAutofit/>
           </a:bodyPr>
           <a:lstStyle/>
           <a:p>
-            <a:pPr marL="0" lvl="0" indent="0" algn="ctr" rtl="0">
+            <a:pPr indent="0" lvl="0" marL="0" rtl="0" algn="ctr">
               <a:spcBef>
                 <a:spcPts val="0"/>
               </a:spcBef>
@@ -9199,7 +9288,7 @@
               <a:buNone/>
             </a:pPr>
             <a:r>
-              <a:rPr lang="en" sz="2000" b="1">
+              <a:rPr b="1" lang="en" sz="2000">
                 <a:solidFill>
                   <a:srgbClr val="6D9EEB"/>
                 </a:solidFill>
@@ -9208,9 +9297,33 @@
                 <a:cs typeface="Caveat"/>
                 <a:sym typeface="Caveat"/>
               </a:rPr>
-              <a:t>Thank you Professor Cruz and David for all your ever-ready help and knowledgeable guidance</a:t>
+              <a:t>Thank you Professor Cruz and David for all your ever-ready help and </a:t>
             </a:r>
-            <a:endParaRPr sz="2000" b="1">
+            <a:r>
+              <a:rPr b="1" lang="en" sz="2000">
+                <a:solidFill>
+                  <a:srgbClr val="6D9EEB"/>
+                </a:solidFill>
+                <a:latin typeface="Caveat"/>
+                <a:ea typeface="Caveat"/>
+                <a:cs typeface="Caveat"/>
+                <a:sym typeface="Caveat"/>
+              </a:rPr>
+              <a:t>knowledgeable</a:t>
+            </a:r>
+            <a:r>
+              <a:rPr b="1" lang="en" sz="2000">
+                <a:solidFill>
+                  <a:srgbClr val="6D9EEB"/>
+                </a:solidFill>
+                <a:latin typeface="Caveat"/>
+                <a:ea typeface="Caveat"/>
+                <a:cs typeface="Caveat"/>
+                <a:sym typeface="Caveat"/>
+              </a:rPr>
+              <a:t> guidance</a:t>
+            </a:r>
+            <a:endParaRPr b="1" sz="2000">
               <a:solidFill>
                 <a:srgbClr val="6D9EEB"/>
               </a:solidFill>
@@ -9221,7 +9334,7 @@
             </a:endParaRPr>
           </a:p>
           <a:p>
-            <a:pPr marL="0" lvl="0" indent="0" algn="ctr" rtl="0">
+            <a:pPr indent="0" lvl="0" marL="0" rtl="0" algn="ctr">
               <a:spcBef>
                 <a:spcPts val="1600"/>
               </a:spcBef>
@@ -9230,7 +9343,10 @@
               </a:spcAft>
               <a:buNone/>
             </a:pPr>
-            <a:endParaRPr sz="2000" b="1">
+            <a:r>
+              <a:t/>
+            </a:r>
+            <a:endParaRPr b="1" sz="2000">
               <a:solidFill>
                 <a:srgbClr val="6D9EEB"/>
               </a:solidFill>
@@ -9241,7 +9357,7 @@
             </a:endParaRPr>
           </a:p>
           <a:p>
-            <a:pPr marL="0" lvl="0" indent="0" algn="ctr" rtl="0">
+            <a:pPr indent="0" lvl="0" marL="0" rtl="0" algn="ctr">
               <a:spcBef>
                 <a:spcPts val="1600"/>
               </a:spcBef>
@@ -9251,7 +9367,7 @@
               <a:buNone/>
             </a:pPr>
             <a:r>
-              <a:rPr lang="en" sz="2000" b="1">
+              <a:rPr b="1" lang="en" sz="2000">
                 <a:solidFill>
                   <a:srgbClr val="6D9EEB"/>
                 </a:solidFill>
@@ -9262,7 +9378,7 @@
               </a:rPr>
               <a:t>Thank you classmates. It was great fun with you all.</a:t>
             </a:r>
-            <a:endParaRPr sz="2000" b="1">
+            <a:endParaRPr b="1" sz="2000">
               <a:solidFill>
                 <a:srgbClr val="6D9EEB"/>
               </a:solidFill>
@@ -9283,11 +9399,11 @@
 </file>
 
 <file path=ppt/slides/slide2.xml><?xml version="1.0" encoding="utf-8"?>
-<p:sld xmlns:a="http://schemas.openxmlformats.org/drawingml/2006/main" xmlns:r="http://schemas.openxmlformats.org/officeDocument/2006/relationships" xmlns:p="http://schemas.openxmlformats.org/presentationml/2006/main">
+<p:sld xmlns:a="http://schemas.openxmlformats.org/drawingml/2006/main" xmlns:r="http://schemas.openxmlformats.org/officeDocument/2006/relationships" xmlns:mc="http://schemas.openxmlformats.org/markup-compatibility/2006" xmlns:mv="urn:schemas-microsoft-com:mac:vml" xmlns:p="http://schemas.openxmlformats.org/presentationml/2006/main" xmlns:c="http://schemas.openxmlformats.org/drawingml/2006/chart" xmlns:dgm="http://schemas.openxmlformats.org/drawingml/2006/diagram" xmlns:o="urn:schemas-microsoft-com:office:office" xmlns:v="urn:schemas-microsoft-com:vml" xmlns:pvml="urn:schemas-microsoft-com:office:powerpoint" xmlns:com="http://schemas.openxmlformats.org/drawingml/2006/compatibility" xmlns:p14="http://schemas.microsoft.com/office/powerpoint/2010/main" xmlns:p15="http://schemas.microsoft.com/office/powerpoint/2012/main" xmlns:ahyp="http://schemas.microsoft.com/office/drawing/2018/hyperlinkcolor">
   <p:cSld>
     <p:spTree>
       <p:nvGrpSpPr>
-        <p:cNvPr id="1" name="Shape 64"/>
+        <p:cNvPr id="64" name="Shape 64"/>
         <p:cNvGrpSpPr/>
         <p:nvPr/>
       </p:nvGrpSpPr>
@@ -9302,9 +9418,7 @@
       <p:sp>
         <p:nvSpPr>
           <p:cNvPr id="65" name="Google Shape;65;p14"/>
-          <p:cNvSpPr txBox="1">
-            <a:spLocks noGrp="1"/>
-          </p:cNvSpPr>
+          <p:cNvSpPr txBox="1"/>
           <p:nvPr>
             <p:ph type="title"/>
           </p:nvPr>
@@ -9319,12 +9433,12 @@
           </a:prstGeom>
         </p:spPr>
         <p:txBody>
-          <a:bodyPr spcFirstLastPara="1" wrap="square" lIns="91425" tIns="91425" rIns="91425" bIns="91425" anchor="t" anchorCtr="0">
+          <a:bodyPr anchorCtr="0" anchor="t" bIns="91425" lIns="91425" spcFirstLastPara="1" rIns="91425" wrap="square" tIns="91425">
             <a:noAutofit/>
           </a:bodyPr>
           <a:lstStyle/>
           <a:p>
-            <a:pPr marL="0" lvl="0" indent="0" algn="l" rtl="0">
+            <a:pPr indent="0" lvl="0" marL="0" rtl="0" algn="l">
               <a:spcBef>
                 <a:spcPts val="0"/>
               </a:spcBef>
@@ -9334,21 +9448,19 @@
               <a:buNone/>
             </a:pPr>
             <a:r>
-              <a:rPr lang="en" dirty="0"/>
-              <a:t>INTRODUCTION </a:t>
+              <a:rPr lang="en"/>
+              <a:t>Introduction</a:t>
             </a:r>
-            <a:endParaRPr dirty="0"/>
+            <a:endParaRPr/>
           </a:p>
         </p:txBody>
       </p:sp>
       <p:sp>
         <p:nvSpPr>
           <p:cNvPr id="66" name="Google Shape;66;p14"/>
-          <p:cNvSpPr txBox="1">
-            <a:spLocks noGrp="1"/>
-          </p:cNvSpPr>
+          <p:cNvSpPr txBox="1"/>
           <p:nvPr>
-            <p:ph type="body" idx="1"/>
+            <p:ph idx="1" type="body"/>
           </p:nvPr>
         </p:nvSpPr>
         <p:spPr>
@@ -9361,12 +9473,12 @@
           </a:prstGeom>
         </p:spPr>
         <p:txBody>
-          <a:bodyPr spcFirstLastPara="1" wrap="square" lIns="91425" tIns="91425" rIns="91425" bIns="91425" anchor="t" anchorCtr="0">
+          <a:bodyPr anchorCtr="0" anchor="t" bIns="91425" lIns="91425" spcFirstLastPara="1" rIns="91425" wrap="square" tIns="91425">
             <a:noAutofit/>
           </a:bodyPr>
           <a:lstStyle/>
           <a:p>
-            <a:pPr marL="0" lvl="0" indent="0" algn="l" rtl="0">
+            <a:pPr indent="0" lvl="0" marL="0" rtl="0" algn="l">
               <a:spcBef>
                 <a:spcPts val="0"/>
               </a:spcBef>
@@ -9408,11 +9520,11 @@
 </file>
 
 <file path=ppt/slides/slide3.xml><?xml version="1.0" encoding="utf-8"?>
-<p:sld xmlns:a="http://schemas.openxmlformats.org/drawingml/2006/main" xmlns:r="http://schemas.openxmlformats.org/officeDocument/2006/relationships" xmlns:p="http://schemas.openxmlformats.org/presentationml/2006/main">
+<p:sld xmlns:a="http://schemas.openxmlformats.org/drawingml/2006/main" xmlns:r="http://schemas.openxmlformats.org/officeDocument/2006/relationships" xmlns:mc="http://schemas.openxmlformats.org/markup-compatibility/2006" xmlns:mv="urn:schemas-microsoft-com:mac:vml" xmlns:p="http://schemas.openxmlformats.org/presentationml/2006/main" xmlns:c="http://schemas.openxmlformats.org/drawingml/2006/chart" xmlns:dgm="http://schemas.openxmlformats.org/drawingml/2006/diagram" xmlns:o="urn:schemas-microsoft-com:office:office" xmlns:v="urn:schemas-microsoft-com:vml" xmlns:pvml="urn:schemas-microsoft-com:office:powerpoint" xmlns:com="http://schemas.openxmlformats.org/drawingml/2006/compatibility" xmlns:p14="http://schemas.microsoft.com/office/powerpoint/2010/main" xmlns:p15="http://schemas.microsoft.com/office/powerpoint/2012/main" xmlns:ahyp="http://schemas.microsoft.com/office/drawing/2018/hyperlinkcolor">
   <p:cSld>
     <p:spTree>
       <p:nvGrpSpPr>
-        <p:cNvPr id="1" name="Shape 70"/>
+        <p:cNvPr id="70" name="Shape 70"/>
         <p:cNvGrpSpPr/>
         <p:nvPr/>
       </p:nvGrpSpPr>
@@ -9427,9 +9539,7 @@
       <p:sp>
         <p:nvSpPr>
           <p:cNvPr id="71" name="Google Shape;71;p15"/>
-          <p:cNvSpPr txBox="1">
-            <a:spLocks noGrp="1"/>
-          </p:cNvSpPr>
+          <p:cNvSpPr txBox="1"/>
           <p:nvPr>
             <p:ph type="title"/>
           </p:nvPr>
@@ -9444,12 +9554,12 @@
           </a:prstGeom>
         </p:spPr>
         <p:txBody>
-          <a:bodyPr spcFirstLastPara="1" wrap="square" lIns="91425" tIns="91425" rIns="91425" bIns="91425" anchor="t" anchorCtr="0">
+          <a:bodyPr anchorCtr="0" anchor="t" bIns="91425" lIns="91425" spcFirstLastPara="1" rIns="91425" wrap="square" tIns="91425">
             <a:noAutofit/>
           </a:bodyPr>
           <a:lstStyle/>
           <a:p>
-            <a:pPr marL="0" lvl="0" indent="0" algn="l" rtl="0">
+            <a:pPr indent="0" lvl="0" marL="0" rtl="0" algn="l">
               <a:spcBef>
                 <a:spcPts val="0"/>
               </a:spcBef>
@@ -9460,7 +9570,7 @@
             </a:pPr>
             <a:r>
               <a:rPr lang="en"/>
-              <a:t>AIM</a:t>
+              <a:t>Aim</a:t>
             </a:r>
             <a:endParaRPr/>
           </a:p>
@@ -9469,11 +9579,9 @@
       <p:sp>
         <p:nvSpPr>
           <p:cNvPr id="72" name="Google Shape;72;p15"/>
-          <p:cNvSpPr txBox="1">
-            <a:spLocks noGrp="1"/>
-          </p:cNvSpPr>
+          <p:cNvSpPr txBox="1"/>
           <p:nvPr>
-            <p:ph type="body" idx="1"/>
+            <p:ph idx="1" type="body"/>
           </p:nvPr>
         </p:nvSpPr>
         <p:spPr>
@@ -9486,12 +9594,12 @@
           </a:prstGeom>
         </p:spPr>
         <p:txBody>
-          <a:bodyPr spcFirstLastPara="1" wrap="square" lIns="91425" tIns="91425" rIns="91425" bIns="91425" anchor="t" anchorCtr="0">
+          <a:bodyPr anchorCtr="0" anchor="t" bIns="91425" lIns="91425" spcFirstLastPara="1" rIns="91425" wrap="square" tIns="91425">
             <a:noAutofit/>
           </a:bodyPr>
           <a:lstStyle/>
           <a:p>
-            <a:pPr marL="0" lvl="0" indent="0" algn="l" rtl="0">
+            <a:pPr indent="0" lvl="0" marL="0" rtl="0" algn="l">
               <a:spcBef>
                 <a:spcPts val="1200"/>
               </a:spcBef>
@@ -9515,7 +9623,7 @@
             </a:endParaRPr>
           </a:p>
           <a:p>
-            <a:pPr marL="0" lvl="0" indent="0" algn="l" rtl="0">
+            <a:pPr indent="0" lvl="0" marL="0" rtl="0" algn="l">
               <a:lnSpc>
                 <a:spcPct val="150000"/>
               </a:lnSpc>
@@ -9527,6 +9635,9 @@
               </a:spcAft>
               <a:buNone/>
             </a:pPr>
+            <a:r>
+              <a:t/>
+            </a:r>
             <a:endParaRPr>
               <a:solidFill>
                 <a:srgbClr val="000000"/>
@@ -9544,11 +9655,11 @@
 </file>
 
 <file path=ppt/slides/slide4.xml><?xml version="1.0" encoding="utf-8"?>
-<p:sld xmlns:a="http://schemas.openxmlformats.org/drawingml/2006/main" xmlns:r="http://schemas.openxmlformats.org/officeDocument/2006/relationships" xmlns:p="http://schemas.openxmlformats.org/presentationml/2006/main">
+<p:sld xmlns:a="http://schemas.openxmlformats.org/drawingml/2006/main" xmlns:r="http://schemas.openxmlformats.org/officeDocument/2006/relationships" xmlns:mc="http://schemas.openxmlformats.org/markup-compatibility/2006" xmlns:mv="urn:schemas-microsoft-com:mac:vml" xmlns:p="http://schemas.openxmlformats.org/presentationml/2006/main" xmlns:c="http://schemas.openxmlformats.org/drawingml/2006/chart" xmlns:dgm="http://schemas.openxmlformats.org/drawingml/2006/diagram" xmlns:o="urn:schemas-microsoft-com:office:office" xmlns:v="urn:schemas-microsoft-com:vml" xmlns:pvml="urn:schemas-microsoft-com:office:powerpoint" xmlns:com="http://schemas.openxmlformats.org/drawingml/2006/compatibility" xmlns:p14="http://schemas.microsoft.com/office/powerpoint/2010/main" xmlns:p15="http://schemas.microsoft.com/office/powerpoint/2012/main" xmlns:ahyp="http://schemas.microsoft.com/office/drawing/2018/hyperlinkcolor">
   <p:cSld>
     <p:spTree>
       <p:nvGrpSpPr>
-        <p:cNvPr id="1" name="Shape 76"/>
+        <p:cNvPr id="76" name="Shape 76"/>
         <p:cNvGrpSpPr/>
         <p:nvPr/>
       </p:nvGrpSpPr>
@@ -9563,9 +9674,7 @@
       <p:sp>
         <p:nvSpPr>
           <p:cNvPr id="77" name="Google Shape;77;p16"/>
-          <p:cNvSpPr txBox="1">
-            <a:spLocks noGrp="1"/>
-          </p:cNvSpPr>
+          <p:cNvSpPr txBox="1"/>
           <p:nvPr>
             <p:ph type="title"/>
           </p:nvPr>
@@ -9573,19 +9682,19 @@
         <p:spPr>
           <a:xfrm>
             <a:off x="265500" y="1205825"/>
-            <a:ext cx="4212232" cy="1509600"/>
+            <a:ext cx="4045200" cy="1509600"/>
           </a:xfrm>
           <a:prstGeom prst="rect">
             <a:avLst/>
           </a:prstGeom>
         </p:spPr>
         <p:txBody>
-          <a:bodyPr spcFirstLastPara="1" wrap="square" lIns="91425" tIns="91425" rIns="91425" bIns="91425" anchor="b" anchorCtr="0">
+          <a:bodyPr anchorCtr="0" anchor="b" bIns="91425" lIns="91425" spcFirstLastPara="1" rIns="91425" wrap="square" tIns="91425">
             <a:noAutofit/>
           </a:bodyPr>
           <a:lstStyle/>
           <a:p>
-            <a:pPr marL="0" lvl="0" indent="0" algn="ctr" rtl="0">
+            <a:pPr indent="0" lvl="0" marL="0" rtl="0" algn="ctr">
               <a:spcBef>
                 <a:spcPts val="0"/>
               </a:spcBef>
@@ -9595,25 +9704,19 @@
               <a:buNone/>
             </a:pPr>
             <a:r>
-              <a:rPr lang="en" sz="4000" dirty="0"/>
-              <a:t>DATASETS</a:t>
+              <a:rPr lang="en"/>
+              <a:t>Datasets Used</a:t>
             </a:r>
-            <a:r>
-              <a:rPr lang="en" dirty="0"/>
-              <a:t> USED</a:t>
-            </a:r>
-            <a:endParaRPr dirty="0"/>
+            <a:endParaRPr/>
           </a:p>
         </p:txBody>
       </p:sp>
       <p:sp>
         <p:nvSpPr>
           <p:cNvPr id="78" name="Google Shape;78;p16"/>
-          <p:cNvSpPr txBox="1">
-            <a:spLocks noGrp="1"/>
-          </p:cNvSpPr>
+          <p:cNvSpPr txBox="1"/>
           <p:nvPr>
-            <p:ph type="body" idx="2"/>
+            <p:ph idx="2" type="body"/>
           </p:nvPr>
         </p:nvSpPr>
         <p:spPr>
@@ -9626,12 +9729,12 @@
           </a:prstGeom>
         </p:spPr>
         <p:txBody>
-          <a:bodyPr spcFirstLastPara="1" wrap="square" lIns="91425" tIns="91425" rIns="91425" bIns="91425" anchor="ctr" anchorCtr="0">
+          <a:bodyPr anchorCtr="0" anchor="ctr" bIns="91425" lIns="91425" spcFirstLastPara="1" rIns="91425" wrap="square" tIns="91425">
             <a:noAutofit/>
           </a:bodyPr>
           <a:lstStyle/>
           <a:p>
-            <a:pPr marL="457200" lvl="0" indent="-342900" algn="l" rtl="0">
+            <a:pPr indent="-342900" lvl="0" marL="457200" rtl="0" algn="l">
               <a:spcBef>
                 <a:spcPts val="0"/>
               </a:spcBef>
@@ -9665,7 +9768,7 @@
             <a:endParaRPr sz="1300"/>
           </a:p>
           <a:p>
-            <a:pPr marL="914400" lvl="1" indent="-317500" algn="l" rtl="0">
+            <a:pPr indent="-317500" lvl="1" marL="914400" rtl="0" algn="l">
               <a:spcBef>
                 <a:spcPts val="0"/>
               </a:spcBef>
@@ -9682,7 +9785,7 @@
             <a:endParaRPr/>
           </a:p>
           <a:p>
-            <a:pPr marL="457200" lvl="0" indent="-342900" algn="l" rtl="0">
+            <a:pPr indent="-342900" lvl="0" marL="457200" rtl="0" algn="l">
               <a:spcBef>
                 <a:spcPts val="1600"/>
               </a:spcBef>
@@ -9712,7 +9815,7 @@
             <a:endParaRPr/>
           </a:p>
           <a:p>
-            <a:pPr marL="914400" lvl="1" indent="-317500" algn="l" rtl="0">
+            <a:pPr indent="-317500" lvl="1" marL="914400" rtl="0" algn="l">
               <a:spcBef>
                 <a:spcPts val="0"/>
               </a:spcBef>
@@ -9795,11 +9898,11 @@
 </file>
 
 <file path=ppt/slides/slide5.xml><?xml version="1.0" encoding="utf-8"?>
-<p:sld xmlns:a="http://schemas.openxmlformats.org/drawingml/2006/main" xmlns:r="http://schemas.openxmlformats.org/officeDocument/2006/relationships" xmlns:p="http://schemas.openxmlformats.org/presentationml/2006/main">
+<p:sld xmlns:a="http://schemas.openxmlformats.org/drawingml/2006/main" xmlns:r="http://schemas.openxmlformats.org/officeDocument/2006/relationships" xmlns:mc="http://schemas.openxmlformats.org/markup-compatibility/2006" xmlns:mv="urn:schemas-microsoft-com:mac:vml" xmlns:p="http://schemas.openxmlformats.org/presentationml/2006/main" xmlns:c="http://schemas.openxmlformats.org/drawingml/2006/chart" xmlns:dgm="http://schemas.openxmlformats.org/drawingml/2006/diagram" xmlns:o="urn:schemas-microsoft-com:office:office" xmlns:v="urn:schemas-microsoft-com:vml" xmlns:pvml="urn:schemas-microsoft-com:office:powerpoint" xmlns:com="http://schemas.openxmlformats.org/drawingml/2006/compatibility" xmlns:p14="http://schemas.microsoft.com/office/powerpoint/2010/main" xmlns:p15="http://schemas.microsoft.com/office/powerpoint/2012/main" xmlns:ahyp="http://schemas.microsoft.com/office/drawing/2018/hyperlinkcolor">
   <p:cSld>
     <p:spTree>
       <p:nvGrpSpPr>
-        <p:cNvPr id="1" name="Shape 84"/>
+        <p:cNvPr id="84" name="Shape 84"/>
         <p:cNvGrpSpPr/>
         <p:nvPr/>
       </p:nvGrpSpPr>
@@ -9814,9 +9917,7 @@
       <p:sp>
         <p:nvSpPr>
           <p:cNvPr id="85" name="Google Shape;85;p17"/>
-          <p:cNvSpPr txBox="1">
-            <a:spLocks noGrp="1"/>
-          </p:cNvSpPr>
+          <p:cNvSpPr txBox="1"/>
           <p:nvPr>
             <p:ph type="title"/>
           </p:nvPr>
@@ -9831,12 +9932,12 @@
           </a:prstGeom>
         </p:spPr>
         <p:txBody>
-          <a:bodyPr spcFirstLastPara="1" wrap="square" lIns="91425" tIns="91425" rIns="91425" bIns="91425" anchor="t" anchorCtr="0">
+          <a:bodyPr anchorCtr="0" anchor="t" bIns="91425" lIns="91425" spcFirstLastPara="1" rIns="91425" wrap="square" tIns="91425">
             <a:noAutofit/>
           </a:bodyPr>
           <a:lstStyle/>
           <a:p>
-            <a:pPr marL="0" lvl="0" indent="0" algn="l" rtl="0">
+            <a:pPr indent="0" lvl="0" marL="0" rtl="0" algn="l">
               <a:spcBef>
                 <a:spcPts val="0"/>
               </a:spcBef>
@@ -9846,10 +9947,10 @@
               <a:buNone/>
             </a:pPr>
             <a:r>
-              <a:rPr lang="en" dirty="0"/>
-              <a:t>FLOW</a:t>
+              <a:rPr lang="en"/>
+              <a:t>Flow</a:t>
             </a:r>
-            <a:endParaRPr dirty="0"/>
+            <a:endParaRPr/>
           </a:p>
         </p:txBody>
       </p:sp>
@@ -9890,11 +9991,11 @@
 </file>
 
 <file path=ppt/slides/slide6.xml><?xml version="1.0" encoding="utf-8"?>
-<p:sld xmlns:a="http://schemas.openxmlformats.org/drawingml/2006/main" xmlns:r="http://schemas.openxmlformats.org/officeDocument/2006/relationships" xmlns:p="http://schemas.openxmlformats.org/presentationml/2006/main">
+<p:sld xmlns:a="http://schemas.openxmlformats.org/drawingml/2006/main" xmlns:r="http://schemas.openxmlformats.org/officeDocument/2006/relationships" xmlns:mc="http://schemas.openxmlformats.org/markup-compatibility/2006" xmlns:mv="urn:schemas-microsoft-com:mac:vml" xmlns:p="http://schemas.openxmlformats.org/presentationml/2006/main" xmlns:c="http://schemas.openxmlformats.org/drawingml/2006/chart" xmlns:dgm="http://schemas.openxmlformats.org/drawingml/2006/diagram" xmlns:o="urn:schemas-microsoft-com:office:office" xmlns:v="urn:schemas-microsoft-com:vml" xmlns:pvml="urn:schemas-microsoft-com:office:powerpoint" xmlns:com="http://schemas.openxmlformats.org/drawingml/2006/compatibility" xmlns:p14="http://schemas.microsoft.com/office/powerpoint/2010/main" xmlns:p15="http://schemas.microsoft.com/office/powerpoint/2012/main" xmlns:ahyp="http://schemas.microsoft.com/office/drawing/2018/hyperlinkcolor">
   <p:cSld>
     <p:spTree>
       <p:nvGrpSpPr>
-        <p:cNvPr id="1" name="Shape 90"/>
+        <p:cNvPr id="90" name="Shape 90"/>
         <p:cNvGrpSpPr/>
         <p:nvPr/>
       </p:nvGrpSpPr>
@@ -9909,9 +10010,7 @@
       <p:sp>
         <p:nvSpPr>
           <p:cNvPr id="91" name="Google Shape;91;p18"/>
-          <p:cNvSpPr txBox="1">
-            <a:spLocks noGrp="1"/>
-          </p:cNvSpPr>
+          <p:cNvSpPr txBox="1"/>
           <p:nvPr>
             <p:ph type="title"/>
           </p:nvPr>
@@ -9926,12 +10025,12 @@
           </a:prstGeom>
         </p:spPr>
         <p:txBody>
-          <a:bodyPr spcFirstLastPara="1" wrap="square" lIns="91425" tIns="91425" rIns="91425" bIns="91425" anchor="t" anchorCtr="0">
+          <a:bodyPr anchorCtr="0" anchor="t" bIns="91425" lIns="91425" spcFirstLastPara="1" rIns="91425" wrap="square" tIns="91425">
             <a:noAutofit/>
           </a:bodyPr>
           <a:lstStyle/>
           <a:p>
-            <a:pPr marL="0" lvl="0" indent="0" algn="l" rtl="0">
+            <a:pPr indent="0" lvl="0" marL="0" rtl="0" algn="l">
               <a:spcBef>
                 <a:spcPts val="0"/>
               </a:spcBef>
@@ -9941,20 +10040,19 @@
               <a:buNone/>
             </a:pPr>
             <a:r>
-              <a:rPr lang="en-US" dirty="0"/>
-              <a:t>METHODOLOGY: STEP BY STEP OVERVIEW</a:t>
+              <a:rPr lang="en"/>
+              <a:t>Methodology: Step by Step Overview</a:t>
             </a:r>
+            <a:endParaRPr/>
           </a:p>
         </p:txBody>
       </p:sp>
       <p:sp>
         <p:nvSpPr>
           <p:cNvPr id="92" name="Google Shape;92;p18"/>
-          <p:cNvSpPr txBox="1">
-            <a:spLocks noGrp="1"/>
-          </p:cNvSpPr>
+          <p:cNvSpPr txBox="1"/>
           <p:nvPr>
-            <p:ph type="body" idx="1"/>
+            <p:ph idx="1" type="body"/>
           </p:nvPr>
         </p:nvSpPr>
         <p:spPr>
@@ -9967,12 +10065,12 @@
           </a:prstGeom>
         </p:spPr>
         <p:txBody>
-          <a:bodyPr spcFirstLastPara="1" wrap="square" lIns="91425" tIns="91425" rIns="91425" bIns="91425" anchor="t" anchorCtr="0">
+          <a:bodyPr anchorCtr="0" anchor="t" bIns="91425" lIns="91425" spcFirstLastPara="1" rIns="91425" wrap="square" tIns="91425">
             <a:noAutofit/>
           </a:bodyPr>
           <a:lstStyle/>
           <a:p>
-            <a:pPr marL="457200" lvl="0" indent="-330200" algn="l" rtl="0">
+            <a:pPr indent="-330200" lvl="0" marL="457200" rtl="0" algn="l">
               <a:spcBef>
                 <a:spcPts val="0"/>
               </a:spcBef>
@@ -9987,21 +10085,21 @@
               <a:buAutoNum type="arabicPeriod"/>
             </a:pPr>
             <a:r>
-              <a:rPr lang="en" sz="1600" dirty="0">
+              <a:rPr lang="en" sz="1600">
                 <a:highlight>
                   <a:srgbClr val="FFFFFF"/>
                 </a:highlight>
               </a:rPr>
               <a:t>Identify keywords associated with incubation period</a:t>
             </a:r>
-            <a:endParaRPr sz="1600" dirty="0">
+            <a:endParaRPr sz="1600">
               <a:highlight>
                 <a:srgbClr val="FFFFFF"/>
               </a:highlight>
             </a:endParaRPr>
           </a:p>
           <a:p>
-            <a:pPr marL="457200" lvl="0" indent="-330200" algn="l" rtl="0">
+            <a:pPr indent="-330200" lvl="0" marL="457200" rtl="0" algn="l">
               <a:spcBef>
                 <a:spcPts val="0"/>
               </a:spcBef>
@@ -10016,21 +10114,21 @@
               <a:buAutoNum type="arabicPeriod"/>
             </a:pPr>
             <a:r>
-              <a:rPr lang="en" sz="1600" dirty="0">
+              <a:rPr lang="en" sz="1600">
                 <a:highlight>
                   <a:srgbClr val="FFFFFF"/>
                 </a:highlight>
               </a:rPr>
               <a:t>Extract the relevant papers from the CORD-19 dataset using regex query</a:t>
             </a:r>
-            <a:endParaRPr sz="1600" dirty="0">
+            <a:endParaRPr sz="1600">
               <a:highlight>
                 <a:srgbClr val="FFFFFF"/>
               </a:highlight>
             </a:endParaRPr>
           </a:p>
           <a:p>
-            <a:pPr marL="457200" lvl="0" indent="-330200" algn="l" rtl="0">
+            <a:pPr indent="-330200" lvl="0" marL="457200" rtl="0" algn="l">
               <a:spcBef>
                 <a:spcPts val="0"/>
               </a:spcBef>
@@ -10045,7 +10143,7 @@
               <a:buAutoNum type="arabicPeriod"/>
             </a:pPr>
             <a:r>
-              <a:rPr lang="en" sz="1600" dirty="0">
+              <a:rPr lang="en" sz="1600">
                 <a:highlight>
                   <a:srgbClr val="FFFFFF"/>
                 </a:highlight>
@@ -10053,7 +10151,7 @@
               <a:t>Use the </a:t>
             </a:r>
             <a:r>
-              <a:rPr lang="en" sz="1600" dirty="0">
+              <a:rPr lang="en" sz="1600">
                 <a:highlight>
                   <a:srgbClr val="FFFFFF"/>
                 </a:highlight>
@@ -10065,23 +10163,15 @@
               <a:t>CDQA</a:t>
             </a:r>
             <a:r>
-              <a:rPr lang="en" sz="1600" dirty="0">
+              <a:rPr lang="en" sz="1600">
                 <a:highlight>
                   <a:srgbClr val="FFFFFF"/>
                 </a:highlight>
               </a:rPr>
-              <a:t> library and </a:t>
+              <a:t> library and spaCy’s</a:t>
             </a:r>
             <a:r>
-              <a:rPr lang="en" sz="1600" dirty="0" err="1">
-                <a:highlight>
-                  <a:srgbClr val="FFFFFF"/>
-                </a:highlight>
-              </a:rPr>
-              <a:t>spaCy’s</a:t>
-            </a:r>
-            <a:r>
-              <a:rPr lang="en" sz="1600" dirty="0">
+              <a:rPr lang="en" sz="1600">
                 <a:highlight>
                   <a:srgbClr val="FFFFFF"/>
                 </a:highlight>
@@ -10090,24 +10180,24 @@
                 </a:uFill>
                 <a:hlinkClick r:id="rId4"/>
               </a:rPr>
-              <a:t> NER model</a:t>
+              <a:t> Named Entity Recognition (NER) model</a:t>
             </a:r>
             <a:r>
-              <a:rPr lang="en" sz="1600" dirty="0">
+              <a:rPr lang="en" sz="1600">
                 <a:highlight>
                   <a:srgbClr val="FFFFFF"/>
                 </a:highlight>
               </a:rPr>
               <a:t> to find the 'answer' to the query 'what is the incubation period'</a:t>
             </a:r>
-            <a:endParaRPr sz="1600" dirty="0">
+            <a:endParaRPr sz="1600">
               <a:highlight>
                 <a:srgbClr val="FFFFFF"/>
               </a:highlight>
             </a:endParaRPr>
           </a:p>
           <a:p>
-            <a:pPr marL="457200" lvl="0" indent="-330200" algn="l" rtl="0">
+            <a:pPr indent="-330200" lvl="0" marL="457200" rtl="0" algn="l">
               <a:spcBef>
                 <a:spcPts val="0"/>
               </a:spcBef>
@@ -10122,21 +10212,21 @@
               <a:buAutoNum type="arabicPeriod"/>
             </a:pPr>
             <a:r>
-              <a:rPr lang="en" sz="1600" dirty="0">
+              <a:rPr lang="en" sz="1600">
                 <a:highlight>
                   <a:srgbClr val="FFFFFF"/>
                 </a:highlight>
               </a:rPr>
               <a:t>Filter extremities and unrecognizable characters</a:t>
             </a:r>
-            <a:endParaRPr sz="1600" dirty="0">
+            <a:endParaRPr sz="1600">
               <a:highlight>
                 <a:srgbClr val="FFFFFF"/>
               </a:highlight>
             </a:endParaRPr>
           </a:p>
           <a:p>
-            <a:pPr marL="457200" lvl="0" indent="-330200" algn="l" rtl="0">
+            <a:pPr indent="-330200" lvl="0" marL="457200" rtl="0" algn="l">
               <a:spcBef>
                 <a:spcPts val="0"/>
               </a:spcBef>
@@ -10151,21 +10241,21 @@
               <a:buAutoNum type="arabicPeriod"/>
             </a:pPr>
             <a:r>
-              <a:rPr lang="en" sz="1600" dirty="0">
+              <a:rPr lang="en" sz="1600">
                 <a:highlight>
                   <a:srgbClr val="FFFFFF"/>
                 </a:highlight>
               </a:rPr>
               <a:t>Repeat the third step again</a:t>
             </a:r>
-            <a:endParaRPr sz="1600" dirty="0">
+            <a:endParaRPr sz="1600">
               <a:highlight>
                 <a:srgbClr val="FFFFFF"/>
               </a:highlight>
             </a:endParaRPr>
           </a:p>
           <a:p>
-            <a:pPr marL="457200" lvl="0" indent="-330200" algn="l" rtl="0">
+            <a:pPr indent="-330200" lvl="0" marL="457200" rtl="0" algn="l">
               <a:spcBef>
                 <a:spcPts val="0"/>
               </a:spcBef>
@@ -10180,21 +10270,21 @@
               <a:buAutoNum type="arabicPeriod"/>
             </a:pPr>
             <a:r>
-              <a:rPr lang="en" sz="1600" dirty="0">
+              <a:rPr lang="en" sz="1600">
                 <a:highlight>
                   <a:srgbClr val="FFFFFF"/>
                 </a:highlight>
               </a:rPr>
-              <a:t>Generate the Page Rankings</a:t>
+              <a:t>Generate the PageRanks</a:t>
             </a:r>
-            <a:endParaRPr sz="1600" dirty="0">
+            <a:endParaRPr sz="1600">
               <a:highlight>
                 <a:srgbClr val="FFFFFF"/>
               </a:highlight>
             </a:endParaRPr>
           </a:p>
           <a:p>
-            <a:pPr marL="457200" lvl="0" indent="-330200" algn="l" rtl="0">
+            <a:pPr indent="-330200" lvl="0" marL="457200" rtl="0" algn="l">
               <a:spcBef>
                 <a:spcPts val="0"/>
               </a:spcBef>
@@ -10209,21 +10299,21 @@
               <a:buAutoNum type="arabicPeriod"/>
             </a:pPr>
             <a:r>
-              <a:rPr lang="en" sz="1600" dirty="0">
+              <a:rPr lang="en" sz="1600">
                 <a:highlight>
                   <a:srgbClr val="FFFFFF"/>
                 </a:highlight>
               </a:rPr>
-              <a:t>Utilize the Page Rank values to add weights to number of days suggested by each paper.</a:t>
+              <a:t>Utilize the PageRanks to add weights to number of days suggested by each paper.</a:t>
             </a:r>
-            <a:endParaRPr sz="1600" dirty="0">
+            <a:endParaRPr sz="1600">
               <a:highlight>
                 <a:srgbClr val="FFFFFF"/>
               </a:highlight>
             </a:endParaRPr>
           </a:p>
           <a:p>
-            <a:pPr marL="457200" lvl="0" indent="-330200" algn="l" rtl="0">
+            <a:pPr indent="-330200" lvl="0" marL="457200" rtl="0" algn="l">
               <a:spcBef>
                 <a:spcPts val="0"/>
               </a:spcBef>
@@ -10231,28 +10321,28 @@
                 <a:spcPts val="0"/>
               </a:spcAft>
               <a:buClr>
-                <a:srgbClr val="24292E"/>
+                <a:schemeClr val="accent3"/>
               </a:buClr>
               <a:buSzPts val="1600"/>
               <a:buFont typeface="Arial"/>
               <a:buAutoNum type="arabicPeriod"/>
             </a:pPr>
             <a:r>
-              <a:rPr lang="en" sz="1600" dirty="0">
+              <a:rPr lang="en" sz="1600">
                 <a:highlight>
                   <a:srgbClr val="FFFFFF"/>
                 </a:highlight>
               </a:rPr>
               <a:t>Evaluation</a:t>
             </a:r>
-            <a:endParaRPr sz="1600" dirty="0">
+            <a:endParaRPr sz="1600">
               <a:highlight>
                 <a:srgbClr val="FFFFFF"/>
               </a:highlight>
             </a:endParaRPr>
           </a:p>
           <a:p>
-            <a:pPr marL="0" lvl="0" indent="0" algn="l" rtl="0">
+            <a:pPr indent="0" lvl="0" marL="0" rtl="0" algn="l">
               <a:spcBef>
                 <a:spcPts val="1200"/>
               </a:spcBef>
@@ -10261,7 +10351,10 @@
               </a:spcAft>
               <a:buNone/>
             </a:pPr>
-            <a:endParaRPr sz="2200" dirty="0"/>
+            <a:r>
+              <a:t/>
+            </a:r>
+            <a:endParaRPr sz="2200"/>
           </a:p>
         </p:txBody>
       </p:sp>
@@ -10274,11 +10367,11 @@
 </file>
 
 <file path=ppt/slides/slide7.xml><?xml version="1.0" encoding="utf-8"?>
-<p:sld xmlns:a="http://schemas.openxmlformats.org/drawingml/2006/main" xmlns:r="http://schemas.openxmlformats.org/officeDocument/2006/relationships" xmlns:p="http://schemas.openxmlformats.org/presentationml/2006/main">
+<p:sld xmlns:a="http://schemas.openxmlformats.org/drawingml/2006/main" xmlns:r="http://schemas.openxmlformats.org/officeDocument/2006/relationships" xmlns:mc="http://schemas.openxmlformats.org/markup-compatibility/2006" xmlns:mv="urn:schemas-microsoft-com:mac:vml" xmlns:p="http://schemas.openxmlformats.org/presentationml/2006/main" xmlns:c="http://schemas.openxmlformats.org/drawingml/2006/chart" xmlns:dgm="http://schemas.openxmlformats.org/drawingml/2006/diagram" xmlns:o="urn:schemas-microsoft-com:office:office" xmlns:v="urn:schemas-microsoft-com:vml" xmlns:pvml="urn:schemas-microsoft-com:office:powerpoint" xmlns:com="http://schemas.openxmlformats.org/drawingml/2006/compatibility" xmlns:p14="http://schemas.microsoft.com/office/powerpoint/2010/main" xmlns:p15="http://schemas.microsoft.com/office/powerpoint/2012/main" xmlns:ahyp="http://schemas.microsoft.com/office/drawing/2018/hyperlinkcolor">
   <p:cSld>
     <p:spTree>
       <p:nvGrpSpPr>
-        <p:cNvPr id="1" name="Shape 96"/>
+        <p:cNvPr id="96" name="Shape 96"/>
         <p:cNvGrpSpPr/>
         <p:nvPr/>
       </p:nvGrpSpPr>
@@ -10293,9 +10386,7 @@
       <p:sp>
         <p:nvSpPr>
           <p:cNvPr id="97" name="Google Shape;97;p19"/>
-          <p:cNvSpPr txBox="1">
-            <a:spLocks noGrp="1"/>
-          </p:cNvSpPr>
+          <p:cNvSpPr txBox="1"/>
           <p:nvPr>
             <p:ph type="title"/>
           </p:nvPr>
@@ -10310,12 +10401,12 @@
           </a:prstGeom>
         </p:spPr>
         <p:txBody>
-          <a:bodyPr spcFirstLastPara="1" wrap="square" lIns="91425" tIns="91425" rIns="91425" bIns="91425" anchor="b" anchorCtr="0">
+          <a:bodyPr anchorCtr="0" anchor="b" bIns="91425" lIns="91425" spcFirstLastPara="1" rIns="91425" wrap="square" tIns="91425">
             <a:noAutofit/>
           </a:bodyPr>
           <a:lstStyle/>
           <a:p>
-            <a:pPr marL="0" lvl="0" indent="0" algn="ctr" rtl="0">
+            <a:pPr indent="0" lvl="0" marL="0" rtl="0" algn="ctr">
               <a:spcBef>
                 <a:spcPts val="0"/>
               </a:spcBef>
@@ -10325,20 +10416,19 @@
               <a:buNone/>
             </a:pPr>
             <a:r>
-              <a:rPr lang="en-US" dirty="0"/>
-              <a:t>TOOLS USED</a:t>
+              <a:rPr lang="en"/>
+              <a:t>Tools Used</a:t>
             </a:r>
+            <a:endParaRPr/>
           </a:p>
         </p:txBody>
       </p:sp>
       <p:sp>
         <p:nvSpPr>
           <p:cNvPr id="98" name="Google Shape;98;p19"/>
-          <p:cNvSpPr txBox="1">
-            <a:spLocks noGrp="1"/>
-          </p:cNvSpPr>
+          <p:cNvSpPr txBox="1"/>
           <p:nvPr>
-            <p:ph type="body" idx="2"/>
+            <p:ph idx="2" type="body"/>
           </p:nvPr>
         </p:nvSpPr>
         <p:spPr>
@@ -10351,12 +10441,12 @@
           </a:prstGeom>
         </p:spPr>
         <p:txBody>
-          <a:bodyPr spcFirstLastPara="1" wrap="square" lIns="91425" tIns="91425" rIns="91425" bIns="91425" anchor="ctr" anchorCtr="0">
+          <a:bodyPr anchorCtr="0" anchor="ctr" bIns="91425" lIns="91425" spcFirstLastPara="1" rIns="91425" wrap="square" tIns="91425">
             <a:noAutofit/>
           </a:bodyPr>
           <a:lstStyle/>
           <a:p>
-            <a:pPr marL="457200" lvl="0" indent="-330200" algn="l" rtl="0">
+            <a:pPr indent="-330200" lvl="0" marL="457200" rtl="0" algn="l">
               <a:spcBef>
                 <a:spcPts val="0"/>
               </a:spcBef>
@@ -10384,7 +10474,7 @@
             </a:endParaRPr>
           </a:p>
           <a:p>
-            <a:pPr marL="457200" lvl="0" indent="-330200" algn="l" rtl="0">
+            <a:pPr indent="-330200" lvl="0" marL="457200" rtl="0" algn="l">
               <a:spcBef>
                 <a:spcPts val="0"/>
               </a:spcBef>
@@ -10438,7 +10528,7 @@
             </a:endParaRPr>
           </a:p>
           <a:p>
-            <a:pPr marL="457200" lvl="0" indent="-330200" algn="l" rtl="0">
+            <a:pPr indent="-330200" lvl="0" marL="457200" rtl="0" algn="l">
               <a:spcBef>
                 <a:spcPts val="0"/>
               </a:spcBef>
@@ -10452,7 +10542,7 @@
               <a:buChar char="●"/>
             </a:pPr>
             <a:r>
-              <a:rPr lang="en" sz="1600" b="1" u="sng">
+              <a:rPr b="1" lang="en" sz="1600" u="sng">
                 <a:solidFill>
                   <a:schemeClr val="hlink"/>
                 </a:solidFill>
@@ -10479,7 +10569,7 @@
             </a:endParaRPr>
           </a:p>
           <a:p>
-            <a:pPr marL="457200" lvl="0" indent="-330200" algn="l" rtl="0">
+            <a:pPr indent="-330200" lvl="0" marL="457200" rtl="0" algn="l">
               <a:spcBef>
                 <a:spcPts val="0"/>
               </a:spcBef>
@@ -10493,7 +10583,7 @@
               <a:buChar char="●"/>
             </a:pPr>
             <a:r>
-              <a:rPr lang="en" sz="1600" b="1" u="sng">
+              <a:rPr b="1" lang="en" sz="1600" u="sng">
                 <a:solidFill>
                   <a:schemeClr val="hlink"/>
                 </a:solidFill>
@@ -10514,7 +10604,7 @@
               <a:t> and </a:t>
             </a:r>
             <a:r>
-              <a:rPr lang="en" sz="1600" b="1" u="sng">
+              <a:rPr b="1" lang="en" sz="1600" u="sng">
                 <a:solidFill>
                   <a:schemeClr val="hlink"/>
                 </a:solidFill>
@@ -10719,11 +10809,11 @@
 </file>
 
 <file path=ppt/slides/slide8.xml><?xml version="1.0" encoding="utf-8"?>
-<p:sld xmlns:a="http://schemas.openxmlformats.org/drawingml/2006/main" xmlns:r="http://schemas.openxmlformats.org/officeDocument/2006/relationships" xmlns:p="http://schemas.openxmlformats.org/presentationml/2006/main">
+<p:sld xmlns:a="http://schemas.openxmlformats.org/drawingml/2006/main" xmlns:r="http://schemas.openxmlformats.org/officeDocument/2006/relationships" xmlns:mc="http://schemas.openxmlformats.org/markup-compatibility/2006" xmlns:mv="urn:schemas-microsoft-com:mac:vml" xmlns:p="http://schemas.openxmlformats.org/presentationml/2006/main" xmlns:c="http://schemas.openxmlformats.org/drawingml/2006/chart" xmlns:dgm="http://schemas.openxmlformats.org/drawingml/2006/diagram" xmlns:o="urn:schemas-microsoft-com:office:office" xmlns:v="urn:schemas-microsoft-com:vml" xmlns:pvml="urn:schemas-microsoft-com:office:powerpoint" xmlns:com="http://schemas.openxmlformats.org/drawingml/2006/compatibility" xmlns:p14="http://schemas.microsoft.com/office/powerpoint/2010/main" xmlns:p15="http://schemas.microsoft.com/office/powerpoint/2012/main" xmlns:ahyp="http://schemas.microsoft.com/office/drawing/2018/hyperlinkcolor">
   <p:cSld>
     <p:spTree>
       <p:nvGrpSpPr>
-        <p:cNvPr id="1" name="Shape 108"/>
+        <p:cNvPr id="108" name="Shape 108"/>
         <p:cNvGrpSpPr/>
         <p:nvPr/>
       </p:nvGrpSpPr>
@@ -10738,9 +10828,7 @@
       <p:sp>
         <p:nvSpPr>
           <p:cNvPr id="109" name="Google Shape;109;p20"/>
-          <p:cNvSpPr txBox="1">
-            <a:spLocks noGrp="1"/>
-          </p:cNvSpPr>
+          <p:cNvSpPr txBox="1"/>
           <p:nvPr>
             <p:ph type="title"/>
           </p:nvPr>
@@ -10755,12 +10843,12 @@
           </a:prstGeom>
         </p:spPr>
         <p:txBody>
-          <a:bodyPr spcFirstLastPara="1" wrap="square" lIns="91425" tIns="91425" rIns="91425" bIns="91425" anchor="t" anchorCtr="0">
+          <a:bodyPr anchorCtr="0" anchor="t" bIns="91425" lIns="91425" spcFirstLastPara="1" rIns="91425" wrap="square" tIns="91425">
             <a:noAutofit/>
           </a:bodyPr>
           <a:lstStyle/>
           <a:p>
-            <a:pPr marL="0" lvl="0" indent="0" algn="l" rtl="0">
+            <a:pPr indent="0" lvl="0" marL="0" rtl="0" algn="l">
               <a:spcBef>
                 <a:spcPts val="0"/>
               </a:spcBef>
@@ -10771,7 +10859,7 @@
             </a:pPr>
             <a:r>
               <a:rPr lang="en"/>
-              <a:t>RESULTS</a:t>
+              <a:t>Results</a:t>
             </a:r>
             <a:endParaRPr/>
           </a:p>
@@ -10780,11 +10868,9 @@
       <p:sp>
         <p:nvSpPr>
           <p:cNvPr id="110" name="Google Shape;110;p20"/>
-          <p:cNvSpPr txBox="1">
-            <a:spLocks noGrp="1"/>
-          </p:cNvSpPr>
+          <p:cNvSpPr txBox="1"/>
           <p:nvPr>
-            <p:ph type="body" idx="1"/>
+            <p:ph idx="1" type="body"/>
           </p:nvPr>
         </p:nvSpPr>
         <p:spPr>
@@ -10797,12 +10883,12 @@
           </a:prstGeom>
         </p:spPr>
         <p:txBody>
-          <a:bodyPr spcFirstLastPara="1" wrap="square" lIns="91425" tIns="91425" rIns="91425" bIns="91425" anchor="t" anchorCtr="0">
+          <a:bodyPr anchorCtr="0" anchor="t" bIns="91425" lIns="91425" spcFirstLastPara="1" rIns="91425" wrap="square" tIns="91425">
             <a:noAutofit/>
           </a:bodyPr>
           <a:lstStyle/>
           <a:p>
-            <a:pPr marL="0" lvl="0" indent="0" algn="ctr" rtl="0">
+            <a:pPr indent="0" lvl="0" marL="0" rtl="0" algn="ctr">
               <a:spcBef>
                 <a:spcPts val="0"/>
               </a:spcBef>
@@ -10817,7 +10903,7 @@
               <a:buNone/>
             </a:pPr>
             <a:r>
-              <a:rPr lang="en" sz="1500" b="1">
+              <a:rPr b="1" lang="en" sz="1500">
                 <a:solidFill>
                   <a:srgbClr val="000000"/>
                 </a:solidFill>
@@ -10835,11 +10921,9 @@
       <p:sp>
         <p:nvSpPr>
           <p:cNvPr id="111" name="Google Shape;111;p20"/>
-          <p:cNvSpPr txBox="1">
-            <a:spLocks noGrp="1"/>
-          </p:cNvSpPr>
+          <p:cNvSpPr txBox="1"/>
           <p:nvPr>
-            <p:ph type="body" idx="1"/>
+            <p:ph idx="1" type="body"/>
           </p:nvPr>
         </p:nvSpPr>
         <p:spPr>
@@ -10852,12 +10936,12 @@
           </a:prstGeom>
         </p:spPr>
         <p:txBody>
-          <a:bodyPr spcFirstLastPara="1" wrap="square" lIns="91425" tIns="91425" rIns="91425" bIns="91425" anchor="t" anchorCtr="0">
+          <a:bodyPr anchorCtr="0" anchor="t" bIns="91425" lIns="91425" spcFirstLastPara="1" rIns="91425" wrap="square" tIns="91425">
             <a:noAutofit/>
           </a:bodyPr>
           <a:lstStyle/>
           <a:p>
-            <a:pPr marL="0" lvl="0" indent="0" algn="ctr" rtl="0">
+            <a:pPr indent="0" lvl="0" marL="0" rtl="0" algn="ctr">
               <a:spcBef>
                 <a:spcPts val="0"/>
               </a:spcBef>
@@ -10872,21 +10956,29 @@
               <a:buNone/>
             </a:pPr>
             <a:r>
-              <a:rPr lang="en" sz="1500" b="1">
+              <a:rPr b="1" lang="en" sz="1500">
                 <a:solidFill>
                   <a:srgbClr val="000000"/>
                 </a:solidFill>
               </a:rPr>
-              <a:t>Contagious Period</a:t>
+              <a:t>Contagious</a:t>
             </a:r>
-            <a:endParaRPr sz="1500" b="1">
+            <a:r>
+              <a:rPr b="1" lang="en" sz="1500">
+                <a:solidFill>
+                  <a:srgbClr val="000000"/>
+                </a:solidFill>
+              </a:rPr>
+              <a:t> Period</a:t>
+            </a:r>
+            <a:endParaRPr b="1" sz="1500">
               <a:solidFill>
                 <a:srgbClr val="000000"/>
               </a:solidFill>
             </a:endParaRPr>
           </a:p>
           <a:p>
-            <a:pPr marL="0" lvl="0" indent="0" algn="l" rtl="0">
+            <a:pPr indent="0" lvl="0" marL="0" rtl="0" algn="l">
               <a:spcBef>
                 <a:spcPts val="1600"/>
               </a:spcBef>
@@ -10900,6 +10992,9 @@
               <a:buFont typeface="Arial"/>
               <a:buNone/>
             </a:pPr>
+            <a:r>
+              <a:t/>
+            </a:r>
             <a:endParaRPr sz="1500">
               <a:solidFill>
                 <a:srgbClr val="000000"/>
@@ -10916,30 +11011,18 @@
         </p:nvGraphicFramePr>
         <p:xfrm>
           <a:off x="479175" y="1788713"/>
-          <a:ext cx="3451275" cy="3122685"/>
+          <a:ext cx="3000000" cy="3000000"/>
         </p:xfrm>
         <a:graphic>
           <a:graphicData uri="http://schemas.openxmlformats.org/drawingml/2006/table">
             <a:tbl>
               <a:tblPr>
                 <a:noFill/>
-                <a:tableStyleId>{EE355BAA-4643-4DD1-AF3E-DB94AA33F9A6}</a:tableStyleId>
+                <a:tableStyleId>{5B1B3D04-96CC-4760-B22D-D2D7C3AB291C}</a:tableStyleId>
               </a:tblPr>
               <a:tblGrid>
-                <a:gridCol w="1374975">
-                  <a:extLst>
-                    <a:ext uri="{9D8B030D-6E8A-4147-A177-3AD203B41FA5}">
-                      <a16:colId xmlns:a16="http://schemas.microsoft.com/office/drawing/2014/main" val="20000"/>
-                    </a:ext>
-                  </a:extLst>
-                </a:gridCol>
-                <a:gridCol w="2076300">
-                  <a:extLst>
-                    <a:ext uri="{9D8B030D-6E8A-4147-A177-3AD203B41FA5}">
-                      <a16:colId xmlns:a16="http://schemas.microsoft.com/office/drawing/2014/main" val="20001"/>
-                    </a:ext>
-                  </a:extLst>
-                </a:gridCol>
+                <a:gridCol w="1374975"/>
+                <a:gridCol w="2076300"/>
               </a:tblGrid>
               <a:tr h="600750">
                 <a:tc>
@@ -10947,7 +11030,7 @@
                     <a:bodyPr/>
                     <a:lstStyle/>
                     <a:p>
-                      <a:pPr marL="0" lvl="0" indent="0" algn="l" rtl="0">
+                      <a:pPr indent="0" lvl="0" marL="0" rtl="0" algn="l">
                         <a:lnSpc>
                           <a:spcPct val="100000"/>
                         </a:lnSpc>
@@ -10971,19 +11054,28 @@
                           <a:cs typeface="Proxima Nova"/>
                           <a:sym typeface="Proxima Nova"/>
                         </a:rPr>
-                        <a:t>Number of Unique Papers </a:t>
+                        <a:t>Number of </a:t>
+                      </a:r>
+                      <a:r>
+                        <a:rPr lang="en">
+                          <a:latin typeface="Proxima Nova"/>
+                          <a:ea typeface="Proxima Nova"/>
+                          <a:cs typeface="Proxima Nova"/>
+                          <a:sym typeface="Proxima Nova"/>
+                        </a:rPr>
+                        <a:t>Unique Papers </a:t>
                       </a:r>
                       <a:endParaRPr sz="1300"/>
                     </a:p>
                   </a:txBody>
-                  <a:tcPr marL="91425" marR="91425" marT="91425" marB="91425"/>
+                  <a:tcPr marT="91425" marB="91425" marR="91425" marL="91425"/>
                 </a:tc>
                 <a:tc>
                   <a:txBody>
                     <a:bodyPr/>
                     <a:lstStyle/>
                     <a:p>
-                      <a:pPr marL="0" lvl="0" indent="0" algn="l" rtl="0">
+                      <a:pPr indent="0" lvl="0" marL="0" rtl="0" algn="l">
                         <a:lnSpc>
                           <a:spcPct val="100000"/>
                         </a:lnSpc>
@@ -11012,13 +11104,8 @@
                       <a:endParaRPr sz="1300"/>
                     </a:p>
                   </a:txBody>
-                  <a:tcPr marL="91425" marR="91425" marT="91425" marB="91425"/>
+                  <a:tcPr marT="91425" marB="91425" marR="91425" marL="91425"/>
                 </a:tc>
-                <a:extLst>
-                  <a:ext uri="{0D108BD9-81ED-4DB2-BD59-A6C34878D82A}">
-                    <a16:rowId xmlns:a16="http://schemas.microsoft.com/office/drawing/2014/main" val="10000"/>
-                  </a:ext>
-                </a:extLst>
               </a:tr>
               <a:tr h="431325">
                 <a:tc>
@@ -11026,7 +11113,7 @@
                     <a:bodyPr/>
                     <a:lstStyle/>
                     <a:p>
-                      <a:pPr marL="0" lvl="0" indent="0" algn="l" rtl="0">
+                      <a:pPr indent="0" lvl="0" marL="0" rtl="0" algn="l">
                         <a:lnSpc>
                           <a:spcPct val="100000"/>
                         </a:lnSpc>
@@ -11055,14 +11142,14 @@
                       <a:endParaRPr sz="1300"/>
                     </a:p>
                   </a:txBody>
-                  <a:tcPr marL="91425" marR="91425" marT="91425" marB="91425"/>
+                  <a:tcPr marT="91425" marB="91425" marR="91425" marL="91425"/>
                 </a:tc>
                 <a:tc>
                   <a:txBody>
                     <a:bodyPr/>
                     <a:lstStyle/>
                     <a:p>
-                      <a:pPr marL="0" lvl="0" indent="0" algn="l" rtl="0">
+                      <a:pPr indent="0" lvl="0" marL="0" rtl="0" algn="l">
                         <a:lnSpc>
                           <a:spcPct val="100000"/>
                         </a:lnSpc>
@@ -11091,13 +11178,8 @@
                       <a:endParaRPr sz="1300"/>
                     </a:p>
                   </a:txBody>
-                  <a:tcPr marL="91425" marR="91425" marT="91425" marB="91425"/>
+                  <a:tcPr marT="91425" marB="91425" marR="91425" marL="91425"/>
                 </a:tc>
-                <a:extLst>
-                  <a:ext uri="{0D108BD9-81ED-4DB2-BD59-A6C34878D82A}">
-                    <a16:rowId xmlns:a16="http://schemas.microsoft.com/office/drawing/2014/main" val="10001"/>
-                  </a:ext>
-                </a:extLst>
               </a:tr>
               <a:tr h="431325">
                 <a:tc>
@@ -11105,7 +11187,7 @@
                     <a:bodyPr/>
                     <a:lstStyle/>
                     <a:p>
-                      <a:pPr marL="0" lvl="0" indent="0" algn="l" rtl="0">
+                      <a:pPr indent="0" lvl="0" marL="0" rtl="0" algn="l">
                         <a:lnSpc>
                           <a:spcPct val="100000"/>
                         </a:lnSpc>
@@ -11129,14 +11211,14 @@
                       <a:endParaRPr sz="1300"/>
                     </a:p>
                   </a:txBody>
-                  <a:tcPr marL="91425" marR="91425" marT="91425" marB="91425"/>
+                  <a:tcPr marT="91425" marB="91425" marR="91425" marL="91425"/>
                 </a:tc>
                 <a:tc>
                   <a:txBody>
                     <a:bodyPr/>
                     <a:lstStyle/>
                     <a:p>
-                      <a:pPr marL="0" lvl="0" indent="0" algn="l" rtl="0">
+                      <a:pPr indent="0" lvl="0" marL="0" rtl="0" algn="l">
                         <a:lnSpc>
                           <a:spcPct val="100000"/>
                         </a:lnSpc>
@@ -11165,13 +11247,8 @@
                       <a:endParaRPr sz="1300"/>
                     </a:p>
                   </a:txBody>
-                  <a:tcPr marL="91425" marR="91425" marT="91425" marB="91425"/>
+                  <a:tcPr marT="91425" marB="91425" marR="91425" marL="91425"/>
                 </a:tc>
-                <a:extLst>
-                  <a:ext uri="{0D108BD9-81ED-4DB2-BD59-A6C34878D82A}">
-                    <a16:rowId xmlns:a16="http://schemas.microsoft.com/office/drawing/2014/main" val="10002"/>
-                  </a:ext>
-                </a:extLst>
               </a:tr>
               <a:tr h="523925">
                 <a:tc>
@@ -11179,7 +11256,7 @@
                     <a:bodyPr/>
                     <a:lstStyle/>
                     <a:p>
-                      <a:pPr marL="0" lvl="0" indent="0" algn="l" rtl="0">
+                      <a:pPr indent="0" lvl="0" marL="0" rtl="0" algn="l">
                         <a:lnSpc>
                           <a:spcPct val="100000"/>
                         </a:lnSpc>
@@ -11208,14 +11285,14 @@
                       <a:endParaRPr sz="1300"/>
                     </a:p>
                   </a:txBody>
-                  <a:tcPr marL="91425" marR="91425" marT="91425" marB="91425"/>
+                  <a:tcPr marT="91425" marB="91425" marR="91425" marL="91425"/>
                 </a:tc>
                 <a:tc>
                   <a:txBody>
                     <a:bodyPr/>
                     <a:lstStyle/>
                     <a:p>
-                      <a:pPr marL="0" lvl="0" indent="0" algn="l" rtl="0">
+                      <a:pPr indent="0" lvl="0" marL="0" rtl="0" algn="l">
                         <a:lnSpc>
                           <a:spcPct val="100000"/>
                         </a:lnSpc>
@@ -11244,13 +11321,8 @@
                       <a:endParaRPr sz="1300"/>
                     </a:p>
                   </a:txBody>
-                  <a:tcPr marL="91425" marR="91425" marT="91425" marB="91425"/>
+                  <a:tcPr marT="91425" marB="91425" marR="91425" marL="91425"/>
                 </a:tc>
-                <a:extLst>
-                  <a:ext uri="{0D108BD9-81ED-4DB2-BD59-A6C34878D82A}">
-                    <a16:rowId xmlns:a16="http://schemas.microsoft.com/office/drawing/2014/main" val="10003"/>
-                  </a:ext>
-                </a:extLst>
               </a:tr>
               <a:tr h="431325">
                 <a:tc>
@@ -11258,7 +11330,7 @@
                     <a:bodyPr/>
                     <a:lstStyle/>
                     <a:p>
-                      <a:pPr marL="0" lvl="0" indent="0" algn="l" rtl="0">
+                      <a:pPr indent="0" lvl="0" marL="0" rtl="0" algn="l">
                         <a:lnSpc>
                           <a:spcPct val="100000"/>
                         </a:lnSpc>
@@ -11287,14 +11359,14 @@
                       <a:endParaRPr sz="1300"/>
                     </a:p>
                   </a:txBody>
-                  <a:tcPr marL="91425" marR="91425" marT="91425" marB="91425"/>
+                  <a:tcPr marT="91425" marB="91425" marR="91425" marL="91425"/>
                 </a:tc>
                 <a:tc>
                   <a:txBody>
                     <a:bodyPr/>
                     <a:lstStyle/>
                     <a:p>
-                      <a:pPr marL="0" lvl="0" indent="0" algn="l" rtl="0">
+                      <a:pPr indent="0" lvl="0" marL="0" rtl="0" algn="l">
                         <a:lnSpc>
                           <a:spcPct val="100000"/>
                         </a:lnSpc>
@@ -11323,13 +11395,8 @@
                       <a:endParaRPr sz="1300"/>
                     </a:p>
                   </a:txBody>
-                  <a:tcPr marL="91425" marR="91425" marT="91425" marB="91425"/>
+                  <a:tcPr marT="91425" marB="91425" marR="91425" marL="91425"/>
                 </a:tc>
-                <a:extLst>
-                  <a:ext uri="{0D108BD9-81ED-4DB2-BD59-A6C34878D82A}">
-                    <a16:rowId xmlns:a16="http://schemas.microsoft.com/office/drawing/2014/main" val="10004"/>
-                  </a:ext>
-                </a:extLst>
               </a:tr>
               <a:tr h="523925">
                 <a:tc>
@@ -11337,7 +11404,7 @@
                     <a:bodyPr/>
                     <a:lstStyle/>
                     <a:p>
-                      <a:pPr marL="0" lvl="0" indent="0" algn="l" rtl="0">
+                      <a:pPr indent="0" lvl="0" marL="0" rtl="0" algn="l">
                         <a:lnSpc>
                           <a:spcPct val="100000"/>
                         </a:lnSpc>
@@ -11366,14 +11433,14 @@
                       <a:endParaRPr sz="1300"/>
                     </a:p>
                   </a:txBody>
-                  <a:tcPr marL="91425" marR="91425" marT="91425" marB="91425"/>
+                  <a:tcPr marT="91425" marB="91425" marR="91425" marL="91425"/>
                 </a:tc>
                 <a:tc>
                   <a:txBody>
                     <a:bodyPr/>
                     <a:lstStyle/>
                     <a:p>
-                      <a:pPr marL="0" lvl="0" indent="0" algn="l" rtl="0">
+                      <a:pPr indent="0" lvl="0" marL="0" rtl="0" algn="l">
                         <a:lnSpc>
                           <a:spcPct val="100000"/>
                         </a:lnSpc>
@@ -11402,13 +11469,8 @@
                       <a:endParaRPr sz="1300"/>
                     </a:p>
                   </a:txBody>
-                  <a:tcPr marL="91425" marR="91425" marT="91425" marB="91425"/>
+                  <a:tcPr marT="91425" marB="91425" marR="91425" marL="91425"/>
                 </a:tc>
-                <a:extLst>
-                  <a:ext uri="{0D108BD9-81ED-4DB2-BD59-A6C34878D82A}">
-                    <a16:rowId xmlns:a16="http://schemas.microsoft.com/office/drawing/2014/main" val="10005"/>
-                  </a:ext>
-                </a:extLst>
               </a:tr>
             </a:tbl>
           </a:graphicData>
@@ -11422,30 +11484,18 @@
         </p:nvGraphicFramePr>
         <p:xfrm>
           <a:off x="5120550" y="1781825"/>
-          <a:ext cx="3617350" cy="2921195"/>
+          <a:ext cx="3000000" cy="3000000"/>
         </p:xfrm>
         <a:graphic>
           <a:graphicData uri="http://schemas.openxmlformats.org/drawingml/2006/table">
             <a:tbl>
               <a:tblPr>
                 <a:noFill/>
-                <a:tableStyleId>{EE355BAA-4643-4DD1-AF3E-DB94AA33F9A6}</a:tableStyleId>
+                <a:tableStyleId>{5B1B3D04-96CC-4760-B22D-D2D7C3AB291C}</a:tableStyleId>
               </a:tblPr>
               <a:tblGrid>
-                <a:gridCol w="1441125">
-                  <a:extLst>
-                    <a:ext uri="{9D8B030D-6E8A-4147-A177-3AD203B41FA5}">
-                      <a16:colId xmlns:a16="http://schemas.microsoft.com/office/drawing/2014/main" val="20000"/>
-                    </a:ext>
-                  </a:extLst>
-                </a:gridCol>
-                <a:gridCol w="2176225">
-                  <a:extLst>
-                    <a:ext uri="{9D8B030D-6E8A-4147-A177-3AD203B41FA5}">
-                      <a16:colId xmlns:a16="http://schemas.microsoft.com/office/drawing/2014/main" val="20001"/>
-                    </a:ext>
-                  </a:extLst>
-                </a:gridCol>
+                <a:gridCol w="1441125"/>
+                <a:gridCol w="2176225"/>
               </a:tblGrid>
               <a:tr h="608850">
                 <a:tc>
@@ -11453,7 +11503,7 @@
                     <a:bodyPr/>
                     <a:lstStyle/>
                     <a:p>
-                      <a:pPr marL="0" lvl="0" indent="0" algn="l" rtl="0">
+                      <a:pPr indent="0" lvl="0" marL="0" rtl="0" algn="l">
                         <a:lnSpc>
                           <a:spcPct val="100000"/>
                         </a:lnSpc>
@@ -11472,19 +11522,28 @@
                           <a:cs typeface="Proxima Nova"/>
                           <a:sym typeface="Proxima Nova"/>
                         </a:rPr>
-                        <a:t>Number of Unique Papers</a:t>
+                        <a:t>Number of </a:t>
+                      </a:r>
+                      <a:r>
+                        <a:rPr lang="en" sz="1500">
+                          <a:latin typeface="Proxima Nova"/>
+                          <a:ea typeface="Proxima Nova"/>
+                          <a:cs typeface="Proxima Nova"/>
+                          <a:sym typeface="Proxima Nova"/>
+                        </a:rPr>
+                        <a:t>Unique Papers</a:t>
                       </a:r>
                       <a:endParaRPr sz="1300"/>
                     </a:p>
                   </a:txBody>
-                  <a:tcPr marL="91425" marR="91425" marT="91425" marB="91425"/>
+                  <a:tcPr marT="91425" marB="91425" marR="91425" marL="91425"/>
                 </a:tc>
                 <a:tc>
                   <a:txBody>
                     <a:bodyPr/>
                     <a:lstStyle/>
                     <a:p>
-                      <a:pPr marL="0" lvl="0" indent="0" algn="l" rtl="0">
+                      <a:pPr indent="0" lvl="0" marL="0" rtl="0" algn="l">
                         <a:lnSpc>
                           <a:spcPct val="100000"/>
                         </a:lnSpc>
@@ -11508,13 +11567,8 @@
                       <a:endParaRPr sz="1300"/>
                     </a:p>
                   </a:txBody>
-                  <a:tcPr marL="91425" marR="91425" marT="91425" marB="91425"/>
+                  <a:tcPr marT="91425" marB="91425" marR="91425" marL="91425"/>
                 </a:tc>
-                <a:extLst>
-                  <a:ext uri="{0D108BD9-81ED-4DB2-BD59-A6C34878D82A}">
-                    <a16:rowId xmlns:a16="http://schemas.microsoft.com/office/drawing/2014/main" val="10000"/>
-                  </a:ext>
-                </a:extLst>
               </a:tr>
               <a:tr h="298850">
                 <a:tc>
@@ -11522,7 +11576,7 @@
                     <a:bodyPr/>
                     <a:lstStyle/>
                     <a:p>
-                      <a:pPr marL="0" lvl="0" indent="0" algn="l" rtl="0">
+                      <a:pPr indent="0" lvl="0" marL="0" rtl="0" algn="l">
                         <a:lnSpc>
                           <a:spcPct val="100000"/>
                         </a:lnSpc>
@@ -11546,14 +11600,14 @@
                       <a:endParaRPr sz="1300"/>
                     </a:p>
                   </a:txBody>
-                  <a:tcPr marL="91425" marR="91425" marT="91425" marB="91425"/>
+                  <a:tcPr marT="91425" marB="91425" marR="91425" marL="91425"/>
                 </a:tc>
                 <a:tc>
                   <a:txBody>
                     <a:bodyPr/>
                     <a:lstStyle/>
                     <a:p>
-                      <a:pPr marL="0" lvl="0" indent="0" algn="l" rtl="0">
+                      <a:pPr indent="0" lvl="0" marL="0" rtl="0" algn="l">
                         <a:lnSpc>
                           <a:spcPct val="100000"/>
                         </a:lnSpc>
@@ -11586,13 +11640,8 @@
                       <a:endParaRPr sz="1300"/>
                     </a:p>
                   </a:txBody>
-                  <a:tcPr marL="91425" marR="91425" marT="91425" marB="91425"/>
+                  <a:tcPr marT="91425" marB="91425" marR="91425" marL="91425"/>
                 </a:tc>
-                <a:extLst>
-                  <a:ext uri="{0D108BD9-81ED-4DB2-BD59-A6C34878D82A}">
-                    <a16:rowId xmlns:a16="http://schemas.microsoft.com/office/drawing/2014/main" val="10001"/>
-                  </a:ext>
-                </a:extLst>
               </a:tr>
               <a:tr h="317075">
                 <a:tc>
@@ -11600,7 +11649,7 @@
                     <a:bodyPr/>
                     <a:lstStyle/>
                     <a:p>
-                      <a:pPr marL="0" lvl="0" indent="0" algn="l" rtl="0">
+                      <a:pPr indent="0" lvl="0" marL="0" rtl="0" algn="l">
                         <a:lnSpc>
                           <a:spcPct val="100000"/>
                         </a:lnSpc>
@@ -11624,14 +11673,14 @@
                       <a:endParaRPr sz="1300"/>
                     </a:p>
                   </a:txBody>
-                  <a:tcPr marL="91425" marR="91425" marT="91425" marB="91425"/>
+                  <a:tcPr marT="91425" marB="91425" marR="91425" marL="91425"/>
                 </a:tc>
                 <a:tc>
                   <a:txBody>
                     <a:bodyPr/>
                     <a:lstStyle/>
                     <a:p>
-                      <a:pPr marL="0" lvl="0" indent="0" algn="l" rtl="0">
+                      <a:pPr indent="0" lvl="0" marL="0" rtl="0" algn="l">
                         <a:lnSpc>
                           <a:spcPct val="100000"/>
                         </a:lnSpc>
@@ -11655,13 +11704,8 @@
                       <a:endParaRPr sz="1300"/>
                     </a:p>
                   </a:txBody>
-                  <a:tcPr marL="91425" marR="91425" marT="91425" marB="91425"/>
+                  <a:tcPr marT="91425" marB="91425" marR="91425" marL="91425"/>
                 </a:tc>
-                <a:extLst>
-                  <a:ext uri="{0D108BD9-81ED-4DB2-BD59-A6C34878D82A}">
-                    <a16:rowId xmlns:a16="http://schemas.microsoft.com/office/drawing/2014/main" val="10002"/>
-                  </a:ext>
-                </a:extLst>
               </a:tr>
               <a:tr h="437225">
                 <a:tc>
@@ -11669,7 +11713,7 @@
                     <a:bodyPr/>
                     <a:lstStyle/>
                     <a:p>
-                      <a:pPr marL="0" lvl="0" indent="0" algn="l" rtl="0">
+                      <a:pPr indent="0" lvl="0" marL="0" rtl="0" algn="l">
                         <a:lnSpc>
                           <a:spcPct val="100000"/>
                         </a:lnSpc>
@@ -11693,14 +11737,14 @@
                       <a:endParaRPr sz="1300"/>
                     </a:p>
                   </a:txBody>
-                  <a:tcPr marL="91425" marR="91425" marT="91425" marB="91425"/>
+                  <a:tcPr marT="91425" marB="91425" marR="91425" marL="91425"/>
                 </a:tc>
                 <a:tc>
                   <a:txBody>
                     <a:bodyPr/>
                     <a:lstStyle/>
                     <a:p>
-                      <a:pPr marL="0" lvl="0" indent="0" algn="l" rtl="0">
+                      <a:pPr indent="0" lvl="0" marL="0" rtl="0" algn="l">
                         <a:lnSpc>
                           <a:spcPct val="100000"/>
                         </a:lnSpc>
@@ -11724,13 +11768,8 @@
                       <a:endParaRPr sz="1300"/>
                     </a:p>
                   </a:txBody>
-                  <a:tcPr marL="91425" marR="91425" marT="91425" marB="91425"/>
+                  <a:tcPr marT="91425" marB="91425" marR="91425" marL="91425"/>
                 </a:tc>
-                <a:extLst>
-                  <a:ext uri="{0D108BD9-81ED-4DB2-BD59-A6C34878D82A}">
-                    <a16:rowId xmlns:a16="http://schemas.microsoft.com/office/drawing/2014/main" val="10003"/>
-                  </a:ext>
-                </a:extLst>
               </a:tr>
               <a:tr h="317075">
                 <a:tc>
@@ -11738,7 +11777,7 @@
                     <a:bodyPr/>
                     <a:lstStyle/>
                     <a:p>
-                      <a:pPr marL="0" lvl="0" indent="0" algn="l" rtl="0">
+                      <a:pPr indent="0" lvl="0" marL="0" rtl="0" algn="l">
                         <a:lnSpc>
                           <a:spcPct val="100000"/>
                         </a:lnSpc>
@@ -11762,14 +11801,14 @@
                       <a:endParaRPr sz="1300"/>
                     </a:p>
                   </a:txBody>
-                  <a:tcPr marL="91425" marR="91425" marT="91425" marB="91425"/>
+                  <a:tcPr marT="91425" marB="91425" marR="91425" marL="91425"/>
                 </a:tc>
                 <a:tc>
                   <a:txBody>
                     <a:bodyPr/>
                     <a:lstStyle/>
                     <a:p>
-                      <a:pPr marL="0" lvl="0" indent="0" algn="l" rtl="0">
+                      <a:pPr indent="0" lvl="0" marL="0" rtl="0" algn="l">
                         <a:lnSpc>
                           <a:spcPct val="100000"/>
                         </a:lnSpc>
@@ -11793,13 +11832,8 @@
                       <a:endParaRPr sz="1300"/>
                     </a:p>
                   </a:txBody>
-                  <a:tcPr marL="91425" marR="91425" marT="91425" marB="91425"/>
+                  <a:tcPr marT="91425" marB="91425" marR="91425" marL="91425"/>
                 </a:tc>
-                <a:extLst>
-                  <a:ext uri="{0D108BD9-81ED-4DB2-BD59-A6C34878D82A}">
-                    <a16:rowId xmlns:a16="http://schemas.microsoft.com/office/drawing/2014/main" val="10004"/>
-                  </a:ext>
-                </a:extLst>
               </a:tr>
               <a:tr h="437225">
                 <a:tc>
@@ -11807,7 +11841,7 @@
                     <a:bodyPr/>
                     <a:lstStyle/>
                     <a:p>
-                      <a:pPr marL="0" lvl="0" indent="0" algn="l" rtl="0">
+                      <a:pPr indent="0" lvl="0" marL="0" rtl="0" algn="l">
                         <a:lnSpc>
                           <a:spcPct val="100000"/>
                         </a:lnSpc>
@@ -11831,14 +11865,14 @@
                       <a:endParaRPr sz="1300"/>
                     </a:p>
                   </a:txBody>
-                  <a:tcPr marL="91425" marR="91425" marT="91425" marB="91425"/>
+                  <a:tcPr marT="91425" marB="91425" marR="91425" marL="91425"/>
                 </a:tc>
                 <a:tc>
                   <a:txBody>
                     <a:bodyPr/>
                     <a:lstStyle/>
                     <a:p>
-                      <a:pPr marL="0" lvl="0" indent="0" algn="l" rtl="0">
+                      <a:pPr indent="0" lvl="0" marL="0" rtl="0" algn="l">
                         <a:lnSpc>
                           <a:spcPct val="100000"/>
                         </a:lnSpc>
@@ -11862,13 +11896,8 @@
                       <a:endParaRPr sz="1300"/>
                     </a:p>
                   </a:txBody>
-                  <a:tcPr marL="91425" marR="91425" marT="91425" marB="91425"/>
+                  <a:tcPr marT="91425" marB="91425" marR="91425" marL="91425"/>
                 </a:tc>
-                <a:extLst>
-                  <a:ext uri="{0D108BD9-81ED-4DB2-BD59-A6C34878D82A}">
-                    <a16:rowId xmlns:a16="http://schemas.microsoft.com/office/drawing/2014/main" val="10005"/>
-                  </a:ext>
-                </a:extLst>
               </a:tr>
             </a:tbl>
           </a:graphicData>
@@ -11883,11 +11912,11 @@
 </file>
 
 <file path=ppt/slides/slide9.xml><?xml version="1.0" encoding="utf-8"?>
-<p:sld xmlns:a="http://schemas.openxmlformats.org/drawingml/2006/main" xmlns:r="http://schemas.openxmlformats.org/officeDocument/2006/relationships" xmlns:p="http://schemas.openxmlformats.org/presentationml/2006/main">
+<p:sld xmlns:a="http://schemas.openxmlformats.org/drawingml/2006/main" xmlns:r="http://schemas.openxmlformats.org/officeDocument/2006/relationships" xmlns:mc="http://schemas.openxmlformats.org/markup-compatibility/2006" xmlns:mv="urn:schemas-microsoft-com:mac:vml" xmlns:p="http://schemas.openxmlformats.org/presentationml/2006/main" xmlns:c="http://schemas.openxmlformats.org/drawingml/2006/chart" xmlns:dgm="http://schemas.openxmlformats.org/drawingml/2006/diagram" xmlns:o="urn:schemas-microsoft-com:office:office" xmlns:v="urn:schemas-microsoft-com:vml" xmlns:pvml="urn:schemas-microsoft-com:office:powerpoint" xmlns:com="http://schemas.openxmlformats.org/drawingml/2006/compatibility" xmlns:p14="http://schemas.microsoft.com/office/powerpoint/2010/main" xmlns:p15="http://schemas.microsoft.com/office/powerpoint/2012/main" xmlns:ahyp="http://schemas.microsoft.com/office/drawing/2018/hyperlinkcolor">
   <p:cSld>
     <p:spTree>
       <p:nvGrpSpPr>
-        <p:cNvPr id="1" name="Shape 117"/>
+        <p:cNvPr id="117" name="Shape 117"/>
         <p:cNvGrpSpPr/>
         <p:nvPr/>
       </p:nvGrpSpPr>
@@ -11902,16 +11931,14 @@
       <p:sp>
         <p:nvSpPr>
           <p:cNvPr id="118" name="Google Shape;118;p21"/>
-          <p:cNvSpPr txBox="1">
-            <a:spLocks noGrp="1"/>
-          </p:cNvSpPr>
+          <p:cNvSpPr txBox="1"/>
           <p:nvPr>
             <p:ph type="title"/>
           </p:nvPr>
         </p:nvSpPr>
         <p:spPr>
           <a:xfrm>
-            <a:off x="311700" y="445025"/>
+            <a:off x="266475" y="105875"/>
             <a:ext cx="8520600" cy="572700"/>
           </a:xfrm>
           <a:prstGeom prst="rect">
@@ -11919,12 +11946,12 @@
           </a:prstGeom>
         </p:spPr>
         <p:txBody>
-          <a:bodyPr spcFirstLastPara="1" wrap="square" lIns="91425" tIns="91425" rIns="91425" bIns="91425" anchor="t" anchorCtr="0">
+          <a:bodyPr anchorCtr="0" anchor="t" bIns="91425" lIns="91425" spcFirstLastPara="1" rIns="91425" wrap="square" tIns="91425">
             <a:noAutofit/>
           </a:bodyPr>
           <a:lstStyle/>
           <a:p>
-            <a:pPr marL="0" lvl="0" indent="0" algn="l" rtl="0">
+            <a:pPr indent="0" lvl="0" marL="0" rtl="0" algn="l">
               <a:spcBef>
                 <a:spcPts val="0"/>
               </a:spcBef>
@@ -11934,38 +11961,145 @@
               <a:buNone/>
             </a:pPr>
             <a:r>
-              <a:rPr lang="en-US" dirty="0"/>
-              <a:t>ACCURACY</a:t>
+              <a:rPr lang="en"/>
+              <a:t>Results</a:t>
             </a:r>
+            <a:endParaRPr/>
+          </a:p>
+        </p:txBody>
+      </p:sp>
+      <p:pic>
+        <p:nvPicPr>
+          <p:cNvPr id="119" name="Google Shape;119;p21"/>
+          <p:cNvPicPr preferRelativeResize="0"/>
+          <p:nvPr/>
+        </p:nvPicPr>
+        <p:blipFill rotWithShape="1">
+          <a:blip r:embed="rId3">
+            <a:alphaModFix/>
+          </a:blip>
+          <a:srcRect b="7784" l="7404" r="7684" t="9138"/>
+          <a:stretch/>
+        </p:blipFill>
+        <p:spPr>
+          <a:xfrm>
+            <a:off x="266475" y="678575"/>
+            <a:ext cx="4164852" cy="4132450"/>
+          </a:xfrm>
+          <a:prstGeom prst="rect">
+            <a:avLst/>
+          </a:prstGeom>
+          <a:noFill/>
+          <a:ln>
+            <a:noFill/>
+          </a:ln>
+        </p:spPr>
+      </p:pic>
+      <p:pic>
+        <p:nvPicPr>
+          <p:cNvPr id="120" name="Google Shape;120;p21"/>
+          <p:cNvPicPr preferRelativeResize="0"/>
+          <p:nvPr/>
+        </p:nvPicPr>
+        <p:blipFill rotWithShape="1">
+          <a:blip r:embed="rId4">
+            <a:alphaModFix/>
+          </a:blip>
+          <a:srcRect b="5797" l="8973" r="7162" t="6897"/>
+          <a:stretch/>
+        </p:blipFill>
+        <p:spPr>
+          <a:xfrm>
+            <a:off x="4431325" y="813900"/>
+            <a:ext cx="4507548" cy="3820900"/>
+          </a:xfrm>
+          <a:prstGeom prst="rect">
+            <a:avLst/>
+          </a:prstGeom>
+          <a:noFill/>
+          <a:ln>
+            <a:noFill/>
+          </a:ln>
+        </p:spPr>
+      </p:pic>
+      <p:sp>
+        <p:nvSpPr>
+          <p:cNvPr id="121" name="Google Shape;121;p21"/>
+          <p:cNvSpPr txBox="1"/>
+          <p:nvPr/>
+        </p:nvSpPr>
+        <p:spPr>
+          <a:xfrm>
+            <a:off x="941450" y="4743200"/>
+            <a:ext cx="2814900" cy="332400"/>
+          </a:xfrm>
+          <a:prstGeom prst="rect">
+            <a:avLst/>
+          </a:prstGeom>
+          <a:noFill/>
+          <a:ln>
+            <a:noFill/>
+          </a:ln>
+        </p:spPr>
+        <p:txBody>
+          <a:bodyPr anchorCtr="0" anchor="t" bIns="91425" lIns="91425" spcFirstLastPara="1" rIns="91425" wrap="square" tIns="91425">
+            <a:noAutofit/>
+          </a:bodyPr>
+          <a:lstStyle/>
+          <a:p>
+            <a:pPr indent="0" lvl="0" marL="0" rtl="0" algn="ctr">
+              <a:spcBef>
+                <a:spcPts val="0"/>
+              </a:spcBef>
+              <a:spcAft>
+                <a:spcPts val="0"/>
+              </a:spcAft>
+              <a:buNone/>
+            </a:pPr>
+            <a:r>
+              <a:rPr lang="en">
+                <a:latin typeface="Proxima Nova"/>
+                <a:ea typeface="Proxima Nova"/>
+                <a:cs typeface="Proxima Nova"/>
+                <a:sym typeface="Proxima Nova"/>
+              </a:rPr>
+              <a:t>Incubation period</a:t>
+            </a:r>
+            <a:endParaRPr>
+              <a:latin typeface="Proxima Nova"/>
+              <a:ea typeface="Proxima Nova"/>
+              <a:cs typeface="Proxima Nova"/>
+              <a:sym typeface="Proxima Nova"/>
+            </a:endParaRPr>
           </a:p>
         </p:txBody>
       </p:sp>
       <p:sp>
         <p:nvSpPr>
-          <p:cNvPr id="119" name="Google Shape;119;p21"/>
-          <p:cNvSpPr txBox="1">
-            <a:spLocks noGrp="1"/>
-          </p:cNvSpPr>
-          <p:nvPr>
-            <p:ph type="body" idx="1"/>
-          </p:nvPr>
+          <p:cNvPr id="122" name="Google Shape;122;p21"/>
+          <p:cNvSpPr txBox="1"/>
+          <p:nvPr/>
         </p:nvSpPr>
         <p:spPr>
           <a:xfrm>
-            <a:off x="311700" y="1152475"/>
-            <a:ext cx="8520600" cy="3416400"/>
+            <a:off x="5457325" y="4634800"/>
+            <a:ext cx="2814900" cy="332400"/>
           </a:xfrm>
           <a:prstGeom prst="rect">
             <a:avLst/>
           </a:prstGeom>
+          <a:noFill/>
+          <a:ln>
+            <a:noFill/>
+          </a:ln>
         </p:spPr>
         <p:txBody>
-          <a:bodyPr spcFirstLastPara="1" wrap="square" lIns="91425" tIns="91425" rIns="91425" bIns="91425" anchor="t" anchorCtr="0">
+          <a:bodyPr anchorCtr="0" anchor="t" bIns="91425" lIns="91425" spcFirstLastPara="1" rIns="91425" wrap="square" tIns="91425">
             <a:noAutofit/>
           </a:bodyPr>
           <a:lstStyle/>
           <a:p>
-            <a:pPr marL="0" lvl="0" indent="0" algn="l" rtl="0">
+            <a:pPr indent="0" lvl="0" marL="0" rtl="0" algn="ctr">
               <a:spcBef>
                 <a:spcPts val="0"/>
               </a:spcBef>
@@ -11976,80 +12110,27 @@
             </a:pPr>
             <a:r>
               <a:rPr lang="en">
-                <a:solidFill>
-                  <a:srgbClr val="000000"/>
-                </a:solidFill>
+                <a:latin typeface="Proxima Nova"/>
+                <a:ea typeface="Proxima Nova"/>
+                <a:cs typeface="Proxima Nova"/>
+                <a:sym typeface="Proxima Nova"/>
               </a:rPr>
-              <a:t>Randomly studied 100 papers</a:t>
+              <a:t>Contagious</a:t>
+            </a:r>
+            <a:r>
+              <a:rPr lang="en">
+                <a:latin typeface="Proxima Nova"/>
+                <a:ea typeface="Proxima Nova"/>
+                <a:cs typeface="Proxima Nova"/>
+                <a:sym typeface="Proxima Nova"/>
+              </a:rPr>
+              <a:t> period</a:t>
             </a:r>
             <a:endParaRPr>
-              <a:solidFill>
-                <a:srgbClr val="000000"/>
-              </a:solidFill>
-            </a:endParaRPr>
-          </a:p>
-          <a:p>
-            <a:pPr marL="0" lvl="0" indent="0" algn="l" rtl="0">
-              <a:spcBef>
-                <a:spcPts val="1600"/>
-              </a:spcBef>
-              <a:spcAft>
-                <a:spcPts val="0"/>
-              </a:spcAft>
-              <a:buNone/>
-            </a:pPr>
-            <a:r>
-              <a:rPr lang="en">
-                <a:solidFill>
-                  <a:srgbClr val="000000"/>
-                </a:solidFill>
-              </a:rPr>
-              <a:t>The average incubation period was 8.5 days ( we got 8.38, not bragging)</a:t>
-            </a:r>
-            <a:endParaRPr>
-              <a:solidFill>
-                <a:srgbClr val="000000"/>
-              </a:solidFill>
-            </a:endParaRPr>
-          </a:p>
-          <a:p>
-            <a:pPr marL="0" lvl="0" indent="0" algn="l" rtl="0">
-              <a:spcBef>
-                <a:spcPts val="1600"/>
-              </a:spcBef>
-              <a:spcAft>
-                <a:spcPts val="0"/>
-              </a:spcAft>
-              <a:buNone/>
-            </a:pPr>
-            <a:r>
-              <a:rPr lang="en">
-                <a:solidFill>
-                  <a:srgbClr val="000000"/>
-                </a:solidFill>
-              </a:rPr>
-              <a:t>The average contagious period was 4.5 days ( we got 5.4)</a:t>
-            </a:r>
-            <a:endParaRPr>
-              <a:solidFill>
-                <a:srgbClr val="000000"/>
-              </a:solidFill>
-            </a:endParaRPr>
-          </a:p>
-          <a:p>
-            <a:pPr marL="0" lvl="0" indent="0" algn="l" rtl="0">
-              <a:spcBef>
-                <a:spcPts val="1600"/>
-              </a:spcBef>
-              <a:spcAft>
-                <a:spcPts val="1600"/>
-              </a:spcAft>
-              <a:buNone/>
-            </a:pPr>
-            <a:endParaRPr>
-              <a:solidFill>
-                <a:srgbClr val="000000"/>
-              </a:solidFill>
+              <a:latin typeface="Proxima Nova"/>
+              <a:ea typeface="Proxima Nova"/>
+              <a:cs typeface="Proxima Nova"/>
+              <a:sym typeface="Proxima Nova"/>
             </a:endParaRPr>
           </a:p>
         </p:txBody>
@@ -12063,7 +12144,7 @@
 </file>
 
 <file path=ppt/theme/theme1.xml><?xml version="1.0" encoding="utf-8"?>
-<a:theme xmlns:a="http://schemas.openxmlformats.org/drawingml/2006/main" name="Spearmint">
+<a:theme xmlns:a="http://schemas.openxmlformats.org/drawingml/2006/main" xmlns:r="http://schemas.openxmlformats.org/officeDocument/2006/relationships" name="Spearmint">
   <a:themeElements>
     <a:clrScheme name="Spearmint">
       <a:dk1>
@@ -12338,13 +12419,11 @@
       </a:bgFillStyleLst>
     </a:fmtScheme>
   </a:themeElements>
-  <a:objectDefaults/>
-  <a:extraClrSchemeLst/>
 </a:theme>
 </file>
 
 <file path=ppt/theme/theme2.xml><?xml version="1.0" encoding="utf-8"?>
-<a:theme xmlns:a="http://schemas.openxmlformats.org/drawingml/2006/main">
+<a:theme xmlns:a="http://schemas.openxmlformats.org/drawingml/2006/main" xmlns:r="http://schemas.openxmlformats.org/officeDocument/2006/relationships">
   <a:themeElements>
     <a:clrScheme name="Default">
       <a:dk1>
@@ -12619,7 +12698,5 @@
       </a:bgFillStyleLst>
     </a:fmtScheme>
   </a:themeElements>
-  <a:objectDefaults/>
-  <a:extraClrSchemeLst/>
 </a:theme>
 </file>